--- a/Slides/Module 2 - Object Oriented Programming.pptx
+++ b/Slides/Module 2 - Object Oriented Programming.pptx
@@ -5,10 +5,10 @@
     <p:sldMasterId id="2147483660" r:id="rId4"/>
   </p:sldMasterIdLst>
   <p:notesMasterIdLst>
-    <p:notesMasterId r:id="rId28"/>
+    <p:notesMasterId r:id="rId33"/>
   </p:notesMasterIdLst>
   <p:handoutMasterIdLst>
-    <p:handoutMasterId r:id="rId29"/>
+    <p:handoutMasterId r:id="rId34"/>
   </p:handoutMasterIdLst>
   <p:sldIdLst>
     <p:sldId id="277" r:id="rId5"/>
@@ -21,19 +21,24 @@
     <p:sldId id="292" r:id="rId12"/>
     <p:sldId id="293" r:id="rId13"/>
     <p:sldId id="294" r:id="rId14"/>
-    <p:sldId id="297" r:id="rId15"/>
-    <p:sldId id="295" r:id="rId16"/>
-    <p:sldId id="296" r:id="rId17"/>
-    <p:sldId id="298" r:id="rId18"/>
+    <p:sldId id="310" r:id="rId15"/>
+    <p:sldId id="297" r:id="rId16"/>
+    <p:sldId id="295" r:id="rId17"/>
+    <p:sldId id="296" r:id="rId18"/>
     <p:sldId id="299" r:id="rId19"/>
-    <p:sldId id="300" r:id="rId20"/>
-    <p:sldId id="301" r:id="rId21"/>
-    <p:sldId id="302" r:id="rId22"/>
-    <p:sldId id="303" r:id="rId23"/>
-    <p:sldId id="304" r:id="rId24"/>
-    <p:sldId id="305" r:id="rId25"/>
-    <p:sldId id="306" r:id="rId26"/>
-    <p:sldId id="285" r:id="rId27"/>
+    <p:sldId id="298" r:id="rId20"/>
+    <p:sldId id="311" r:id="rId21"/>
+    <p:sldId id="300" r:id="rId22"/>
+    <p:sldId id="301" r:id="rId23"/>
+    <p:sldId id="302" r:id="rId24"/>
+    <p:sldId id="303" r:id="rId25"/>
+    <p:sldId id="304" r:id="rId26"/>
+    <p:sldId id="305" r:id="rId27"/>
+    <p:sldId id="307" r:id="rId28"/>
+    <p:sldId id="308" r:id="rId29"/>
+    <p:sldId id="309" r:id="rId30"/>
+    <p:sldId id="306" r:id="rId31"/>
+    <p:sldId id="285" r:id="rId32"/>
   </p:sldIdLst>
   <p:sldSz cx="12192000" cy="6858000"/>
   <p:notesSz cx="6858000" cy="9144000"/>
@@ -237,7 +242,7 @@
           <a:p>
             <a:fld id="{312E7B4A-039C-48A2-9B2C-AF16AA3873D8}" type="datetimeFigureOut">
               <a:rPr lang="en-US" smtClean="0"/>
-              <a:t>2/19/2015</a:t>
+              <a:t>2/20/2015</a:t>
             </a:fld>
             <a:endParaRPr lang="en-US"/>
           </a:p>
@@ -402,7 +407,7 @@
           <a:p>
             <a:fld id="{DA005A0C-54D9-45AA-87D4-C551D08DFCE1}" type="datetimeFigureOut">
               <a:rPr lang="en-US" smtClean="0"/>
-              <a:t>2/19/2015</a:t>
+              <a:t>2/20/2015</a:t>
             </a:fld>
             <a:endParaRPr lang="en-US"/>
           </a:p>
@@ -3532,15 +3537,7 @@
             <a:pPr marL="914400" indent="-914400"/>
             <a:r>
               <a:rPr lang="en-US" dirty="0" smtClean="0"/>
-              <a:t>02 </a:t>
-            </a:r>
-            <a:r>
-              <a:rPr lang="en-US" dirty="0" smtClean="0"/>
-              <a:t>| </a:t>
-            </a:r>
-            <a:r>
-              <a:rPr lang="en-US" dirty="0" smtClean="0"/>
-              <a:t>Python Objects</a:t>
+              <a:t>02 | Python Objects</a:t>
             </a:r>
             <a:endParaRPr lang="en-US" dirty="0"/>
           </a:p>
@@ -3631,47 +3628,54 @@
           <a:p>
             <a:r>
               <a:rPr lang="en-US" dirty="0" smtClean="0"/>
-              <a:t>Classes are like blueprints</a:t>
-            </a:r>
+              <a:t>Blueprints define</a:t>
+            </a:r>
+            <a:endParaRPr lang="en-US" dirty="0" smtClean="0"/>
           </a:p>
           <a:p>
             <a:pPr lvl="1"/>
             <a:r>
               <a:rPr lang="en-US" dirty="0" smtClean="0"/>
-              <a:t>Define the basic structure</a:t>
+              <a:t>Dimensions</a:t>
             </a:r>
           </a:p>
           <a:p>
             <a:pPr lvl="1"/>
             <a:r>
               <a:rPr lang="en-US" dirty="0" smtClean="0"/>
-              <a:t>What are the dimensions?</a:t>
+              <a:t>Door and window location</a:t>
             </a:r>
           </a:p>
           <a:p>
             <a:pPr lvl="1"/>
+            <a:r>
+              <a:rPr lang="en-US" dirty="0" smtClean="0"/>
+              <a:t>Number of bedrooms</a:t>
+            </a:r>
+          </a:p>
+          <a:p>
+            <a:endParaRPr lang="en-US" dirty="0"/>
+          </a:p>
+          <a:p>
+            <a:r>
+              <a:rPr lang="en-US" dirty="0" smtClean="0"/>
+              <a:t>Classes define</a:t>
+            </a:r>
+          </a:p>
+          <a:p>
+            <a:pPr lvl="1"/>
+            <a:r>
+              <a:rPr lang="en-US" dirty="0" smtClean="0"/>
+              <a:t>Functionality</a:t>
+            </a:r>
+          </a:p>
+          <a:p>
+            <a:pPr lvl="1"/>
+            <a:r>
+              <a:rPr lang="en-US" dirty="0" smtClean="0"/>
+              <a:t>Properties</a:t>
+            </a:r>
             <a:endParaRPr lang="en-US" dirty="0" smtClean="0"/>
-          </a:p>
-          <a:p>
-            <a:r>
-              <a:rPr lang="en-US" dirty="0" smtClean="0"/>
-              <a:t>Objects are the actual houses</a:t>
-            </a:r>
-          </a:p>
-          <a:p>
-            <a:pPr lvl="1"/>
-            <a:r>
-              <a:rPr lang="en-US" dirty="0" smtClean="0"/>
-              <a:t>What color should the house be?</a:t>
-            </a:r>
-          </a:p>
-          <a:p>
-            <a:pPr lvl="1"/>
-            <a:r>
-              <a:rPr lang="en-US" dirty="0" smtClean="0"/>
-              <a:t>What type of fridge should the kitchen have?</a:t>
-            </a:r>
-            <a:endParaRPr lang="en-US" dirty="0"/>
           </a:p>
         </p:txBody>
       </p:sp>
@@ -3688,15 +3692,14 @@
         <p:spPr/>
         <p:txBody>
           <a:bodyPr>
-            <a:normAutofit fontScale="90000"/>
+            <a:normAutofit/>
           </a:bodyPr>
           <a:lstStyle/>
           <a:p>
             <a:r>
-              <a:rPr lang="en-US" dirty="0" smtClean="0"/>
-              <a:t>What's the difference between a class and an object?</a:t>
-            </a:r>
-            <a:endParaRPr lang="en-US" dirty="0"/>
+              <a:rPr lang="en-US" dirty="0"/>
+              <a:t>Classes are like blueprints</a:t>
+            </a:r>
           </a:p>
         </p:txBody>
       </p:sp>
@@ -3769,6 +3772,118 @@
       </p:grpSpPr>
       <p:sp>
         <p:nvSpPr>
+          <p:cNvPr id="11" name="Content Placeholder 10"/>
+          <p:cNvSpPr>
+            <a:spLocks noGrp="1"/>
+          </p:cNvSpPr>
+          <p:nvPr>
+            <p:ph sz="half" idx="2"/>
+          </p:nvPr>
+        </p:nvSpPr>
+        <p:spPr/>
+        <p:txBody>
+          <a:bodyPr>
+            <a:normAutofit fontScale="92500" lnSpcReduction="20000"/>
+          </a:bodyPr>
+          <a:lstStyle/>
+          <a:p>
+            <a:r>
+              <a:rPr lang="en-US" dirty="0" smtClean="0"/>
+              <a:t>Houses are built from a blueprint</a:t>
+            </a:r>
+          </a:p>
+          <a:p>
+            <a:pPr lvl="1"/>
+            <a:r>
+              <a:rPr lang="en-US" dirty="0" smtClean="0"/>
+              <a:t>Each house can have different</a:t>
+            </a:r>
+          </a:p>
+          <a:p>
+            <a:pPr lvl="2"/>
+            <a:r>
+              <a:rPr lang="en-US" dirty="0" smtClean="0"/>
+              <a:t>Color</a:t>
+            </a:r>
+          </a:p>
+          <a:p>
+            <a:pPr lvl="2"/>
+            <a:r>
+              <a:rPr lang="en-US" dirty="0" smtClean="0"/>
+              <a:t>Flooring</a:t>
+            </a:r>
+          </a:p>
+          <a:p>
+            <a:pPr lvl="2"/>
+            <a:r>
+              <a:rPr lang="en-US" dirty="0" smtClean="0"/>
+              <a:t>Appliances</a:t>
+            </a:r>
+          </a:p>
+          <a:p>
+            <a:endParaRPr lang="en-US" dirty="0"/>
+          </a:p>
+          <a:p>
+            <a:r>
+              <a:rPr lang="en-US" dirty="0" smtClean="0"/>
+              <a:t>Objects are instances created from classes</a:t>
+            </a:r>
+          </a:p>
+          <a:p>
+            <a:pPr lvl="1"/>
+            <a:r>
+              <a:rPr lang="en-US" dirty="0" smtClean="0"/>
+              <a:t>Each instance can have different</a:t>
+            </a:r>
+          </a:p>
+          <a:p>
+            <a:pPr lvl="2"/>
+            <a:r>
+              <a:rPr lang="en-US" dirty="0" smtClean="0"/>
+              <a:t>Color</a:t>
+            </a:r>
+          </a:p>
+          <a:p>
+            <a:pPr lvl="2"/>
+            <a:r>
+              <a:rPr lang="en-US" dirty="0" smtClean="0"/>
+              <a:t>Name</a:t>
+            </a:r>
+            <a:endParaRPr lang="en-US" dirty="0"/>
+          </a:p>
+        </p:txBody>
+      </p:sp>
+      <p:pic>
+        <p:nvPicPr>
+          <p:cNvPr id="13" name="Content Placeholder 12"/>
+          <p:cNvPicPr>
+            <a:picLocks noGrp="1" noChangeAspect="1"/>
+          </p:cNvPicPr>
+          <p:nvPr>
+            <p:ph sz="quarter" idx="4"/>
+          </p:nvPr>
+        </p:nvPicPr>
+        <p:blipFill>
+          <a:blip r:embed="rId2" cstate="print">
+            <a:extLst>
+              <a:ext uri="{28A0092B-C50C-407E-A947-70E740481C1C}">
+                <a14:useLocalDpi xmlns:a14="http://schemas.microsoft.com/office/drawing/2010/main" val="0"/>
+              </a:ext>
+            </a:extLst>
+          </a:blip>
+          <a:stretch>
+            <a:fillRect/>
+          </a:stretch>
+        </p:blipFill>
+        <p:spPr>
+          <a:xfrm>
+            <a:off x="7715654" y="2549757"/>
+            <a:ext cx="2799323" cy="2519391"/>
+          </a:xfrm>
+        </p:spPr>
+      </p:pic>
+      <p:sp>
+        <p:nvSpPr>
           <p:cNvPr id="5" name="Title 4"/>
           <p:cNvSpPr>
             <a:spLocks noGrp="1"/>
@@ -3784,57 +3899,7 @@
           <a:p>
             <a:r>
               <a:rPr lang="en-US" dirty="0" smtClean="0"/>
-              <a:t>Fun with terminology!</a:t>
-            </a:r>
-            <a:endParaRPr lang="en-US" dirty="0"/>
-          </a:p>
-        </p:txBody>
-      </p:sp>
-      <p:sp>
-        <p:nvSpPr>
-          <p:cNvPr id="6" name="Content Placeholder 5"/>
-          <p:cNvSpPr>
-            <a:spLocks noGrp="1"/>
-          </p:cNvSpPr>
-          <p:nvPr>
-            <p:ph sz="quarter" idx="10"/>
-          </p:nvPr>
-        </p:nvSpPr>
-        <p:spPr/>
-        <p:txBody>
-          <a:bodyPr/>
-          <a:lstStyle/>
-          <a:p>
-            <a:r>
-              <a:rPr lang="en-US" dirty="0" smtClean="0"/>
-              <a:t>Many developers use the words object and class interchangeably</a:t>
-            </a:r>
-          </a:p>
-          <a:p>
-            <a:pPr lvl="1"/>
-            <a:r>
-              <a:rPr lang="en-US" dirty="0" smtClean="0"/>
-              <a:t>Everything is object</a:t>
-            </a:r>
-          </a:p>
-          <a:p>
-            <a:r>
-              <a:rPr lang="en-US" dirty="0" smtClean="0"/>
-              <a:t>Property has a lot of other names</a:t>
-            </a:r>
-          </a:p>
-          <a:p>
-            <a:pPr lvl="1"/>
-            <a:r>
-              <a:rPr lang="en-US" dirty="0" smtClean="0"/>
-              <a:t>Field</a:t>
-            </a:r>
-          </a:p>
-          <a:p>
-            <a:pPr lvl="1"/>
-            <a:r>
-              <a:rPr lang="en-US" dirty="0" smtClean="0"/>
-              <a:t>Data member</a:t>
+              <a:t>Objects are created from the class</a:t>
             </a:r>
             <a:endParaRPr lang="en-US" dirty="0"/>
           </a:p>
@@ -3843,7 +3908,7 @@
     </p:spTree>
     <p:extLst>
       <p:ext uri="{BB962C8B-B14F-4D97-AF65-F5344CB8AC3E}">
-        <p14:creationId xmlns:p14="http://schemas.microsoft.com/office/powerpoint/2010/main" val="821488926"/>
+        <p14:creationId xmlns:p14="http://schemas.microsoft.com/office/powerpoint/2010/main" val="2125995065"/>
       </p:ext>
     </p:extLst>
   </p:cSld>
@@ -3879,12 +3944,12 @@
       </p:grpSpPr>
       <p:sp>
         <p:nvSpPr>
-          <p:cNvPr id="6" name="Text Placeholder 5"/>
+          <p:cNvPr id="5" name="Title 4"/>
           <p:cNvSpPr>
             <a:spLocks noGrp="1"/>
           </p:cNvSpPr>
           <p:nvPr>
-            <p:ph type="body" sz="quarter" idx="10"/>
+            <p:ph type="title"/>
           </p:nvPr>
         </p:nvSpPr>
         <p:spPr/>
@@ -3894,7 +3959,7 @@
           <a:p>
             <a:r>
               <a:rPr lang="en-US" dirty="0" smtClean="0"/>
-              <a:t>Python classes</a:t>
+              <a:t>Fun with terminology!</a:t>
             </a:r>
             <a:endParaRPr lang="en-US" dirty="0"/>
           </a:p>
@@ -3902,19 +3967,55 @@
       </p:sp>
       <p:sp>
         <p:nvSpPr>
-          <p:cNvPr id="5" name="Subtitle 4"/>
+          <p:cNvPr id="6" name="Content Placeholder 5"/>
           <p:cNvSpPr>
             <a:spLocks noGrp="1"/>
           </p:cNvSpPr>
           <p:nvPr>
-            <p:ph type="subTitle" idx="1"/>
+            <p:ph sz="quarter" idx="10"/>
           </p:nvPr>
         </p:nvSpPr>
-        <p:spPr/>
+        <p:spPr>
+          <a:xfrm>
+            <a:off x="379413" y="1388226"/>
+            <a:ext cx="11640952" cy="5290388"/>
+          </a:xfrm>
+        </p:spPr>
         <p:txBody>
           <a:bodyPr/>
           <a:lstStyle/>
           <a:p>
+            <a:r>
+              <a:rPr lang="en-US" dirty="0" smtClean="0"/>
+              <a:t>Many developers use the words object and class interchangeably</a:t>
+            </a:r>
+          </a:p>
+          <a:p>
+            <a:pPr lvl="1"/>
+            <a:r>
+              <a:rPr lang="en-US" dirty="0" smtClean="0"/>
+              <a:t>Everything is object</a:t>
+            </a:r>
+          </a:p>
+          <a:p>
+            <a:r>
+              <a:rPr lang="en-US" dirty="0" smtClean="0"/>
+              <a:t>Property has a lot of other names</a:t>
+            </a:r>
+          </a:p>
+          <a:p>
+            <a:pPr lvl="1"/>
+            <a:r>
+              <a:rPr lang="en-US" dirty="0" smtClean="0"/>
+              <a:t>Field</a:t>
+            </a:r>
+          </a:p>
+          <a:p>
+            <a:pPr lvl="1"/>
+            <a:r>
+              <a:rPr lang="en-US" dirty="0" smtClean="0"/>
+              <a:t>Data member</a:t>
+            </a:r>
             <a:endParaRPr lang="en-US" dirty="0"/>
           </a:p>
         </p:txBody>
@@ -3922,7 +4023,7 @@
     </p:spTree>
     <p:extLst>
       <p:ext uri="{BB962C8B-B14F-4D97-AF65-F5344CB8AC3E}">
-        <p14:creationId xmlns:p14="http://schemas.microsoft.com/office/powerpoint/2010/main" val="2415293631"/>
+        <p14:creationId xmlns:p14="http://schemas.microsoft.com/office/powerpoint/2010/main" val="821488926"/>
       </p:ext>
     </p:extLst>
   </p:cSld>
@@ -3958,12 +4059,12 @@
       </p:grpSpPr>
       <p:sp>
         <p:nvSpPr>
-          <p:cNvPr id="4" name="Title 3"/>
+          <p:cNvPr id="6" name="Text Placeholder 5"/>
           <p:cNvSpPr>
             <a:spLocks noGrp="1"/>
           </p:cNvSpPr>
           <p:nvPr>
-            <p:ph type="title"/>
+            <p:ph type="body" sz="quarter" idx="10"/>
           </p:nvPr>
         </p:nvSpPr>
         <p:spPr/>
@@ -3973,30 +4074,20 @@
           <a:p>
             <a:r>
               <a:rPr lang="en-US" dirty="0" smtClean="0"/>
-              <a:t>Classes are defined by the keyword </a:t>
-            </a:r>
-            <a:r>
-              <a:rPr lang="en-US" dirty="0" smtClean="0">
-                <a:latin typeface="Consolas" panose="020B0609020204030204" pitchFamily="49" charset="0"/>
-                <a:cs typeface="Consolas" panose="020B0609020204030204" pitchFamily="49" charset="0"/>
-              </a:rPr>
-              <a:t>class</a:t>
-            </a:r>
-            <a:endParaRPr lang="en-US" dirty="0">
-              <a:latin typeface="Consolas" panose="020B0609020204030204" pitchFamily="49" charset="0"/>
-              <a:cs typeface="Consolas" panose="020B0609020204030204" pitchFamily="49" charset="0"/>
-            </a:endParaRPr>
-          </a:p>
-        </p:txBody>
-      </p:sp>
-      <p:sp>
-        <p:nvSpPr>
-          <p:cNvPr id="5" name="Content Placeholder 4"/>
+              <a:t>Python classes</a:t>
+            </a:r>
+            <a:endParaRPr lang="en-US" dirty="0"/>
+          </a:p>
+        </p:txBody>
+      </p:sp>
+      <p:sp>
+        <p:nvSpPr>
+          <p:cNvPr id="5" name="Subtitle 4"/>
           <p:cNvSpPr>
             <a:spLocks noGrp="1"/>
           </p:cNvSpPr>
           <p:nvPr>
-            <p:ph sz="quarter" idx="10"/>
+            <p:ph type="subTitle" idx="1"/>
           </p:nvPr>
         </p:nvSpPr>
         <p:spPr/>
@@ -4004,70 +4095,14 @@
           <a:bodyPr/>
           <a:lstStyle/>
           <a:p>
-            <a:r>
-              <a:rPr lang="en-US" dirty="0" smtClean="0"/>
-              <a:t>Contain methods and properties</a:t>
-            </a:r>
-          </a:p>
-          <a:p>
-            <a:r>
-              <a:rPr lang="en-US" dirty="0" smtClean="0"/>
-              <a:t>Use the keyword </a:t>
-            </a:r>
-            <a:r>
-              <a:rPr lang="en-US" dirty="0" smtClean="0">
-                <a:latin typeface="Consolas" panose="020B0609020204030204" pitchFamily="49" charset="0"/>
-                <a:cs typeface="Consolas" panose="020B0609020204030204" pitchFamily="49" charset="0"/>
-              </a:rPr>
-              <a:t>self</a:t>
-            </a:r>
-            <a:r>
-              <a:rPr lang="en-US" dirty="0" smtClean="0"/>
-              <a:t> to refer to the current instance</a:t>
-            </a:r>
-          </a:p>
-          <a:p>
-            <a:pPr marL="0" indent="0">
-              <a:buNone/>
-            </a:pPr>
             <a:endParaRPr lang="en-US" dirty="0"/>
-          </a:p>
-          <a:p>
-            <a:pPr marL="0" indent="0">
-              <a:buNone/>
-            </a:pPr>
-            <a:r>
-              <a:rPr lang="en-US" dirty="0" smtClean="0">
-                <a:latin typeface="Consolas" panose="020B0609020204030204" pitchFamily="49" charset="0"/>
-                <a:cs typeface="Consolas" panose="020B0609020204030204" pitchFamily="49" charset="0"/>
-              </a:rPr>
-              <a:t>class </a:t>
-            </a:r>
-            <a:r>
-              <a:rPr lang="en-US" b="1" i="1" dirty="0" err="1" smtClean="0">
-                <a:latin typeface="Consolas" panose="020B0609020204030204" pitchFamily="49" charset="0"/>
-                <a:cs typeface="Consolas" panose="020B0609020204030204" pitchFamily="49" charset="0"/>
-              </a:rPr>
-              <a:t>DemoObject</a:t>
-            </a:r>
-            <a:r>
-              <a:rPr lang="en-US" dirty="0" smtClean="0">
-                <a:latin typeface="Consolas" panose="020B0609020204030204" pitchFamily="49" charset="0"/>
-                <a:cs typeface="Consolas" panose="020B0609020204030204" pitchFamily="49" charset="0"/>
-              </a:rPr>
-              <a:t>(object): </a:t>
-            </a:r>
-            <a:endParaRPr lang="en-US" dirty="0">
-              <a:latin typeface="Consolas" panose="020B0609020204030204" pitchFamily="49" charset="0"/>
-              <a:cs typeface="Consolas" panose="020B0609020204030204" pitchFamily="49" charset="0"/>
-            </a:endParaRPr>
           </a:p>
         </p:txBody>
       </p:sp>
     </p:spTree>
     <p:extLst>
       <p:ext uri="{BB962C8B-B14F-4D97-AF65-F5344CB8AC3E}">
-        <p14:creationId xmlns:p14="http://schemas.microsoft.com/office/powerpoint/2010/main" val="2187886594"/>
+        <p14:creationId xmlns:p14="http://schemas.microsoft.com/office/powerpoint/2010/main" val="2415293631"/>
       </p:ext>
     </p:extLst>
   </p:cSld>
@@ -4103,7 +4138,7 @@
       </p:grpSpPr>
       <p:sp>
         <p:nvSpPr>
-          <p:cNvPr id="2" name="Title 1"/>
+          <p:cNvPr id="4" name="Title 3"/>
           <p:cNvSpPr>
             <a:spLocks noGrp="1"/>
           </p:cNvSpPr>
@@ -4113,22 +4148,30 @@
         </p:nvSpPr>
         <p:spPr/>
         <p:txBody>
-          <a:bodyPr>
-            <a:normAutofit/>
-          </a:bodyPr>
+          <a:bodyPr/>
           <a:lstStyle/>
           <a:p>
             <a:r>
               <a:rPr lang="en-US" dirty="0" smtClean="0"/>
-              <a:t>Classes have constructors</a:t>
-            </a:r>
-            <a:endParaRPr lang="en-US" dirty="0"/>
-          </a:p>
-        </p:txBody>
-      </p:sp>
-      <p:sp>
-        <p:nvSpPr>
-          <p:cNvPr id="3" name="Content Placeholder 2"/>
+              <a:t>Classes are defined by the keyword </a:t>
+            </a:r>
+            <a:r>
+              <a:rPr lang="en-US" dirty="0" smtClean="0">
+                <a:latin typeface="Consolas" panose="020B0609020204030204" pitchFamily="49" charset="0"/>
+                <a:cs typeface="Consolas" panose="020B0609020204030204" pitchFamily="49" charset="0"/>
+              </a:rPr>
+              <a:t>class</a:t>
+            </a:r>
+            <a:endParaRPr lang="en-US" dirty="0">
+              <a:latin typeface="Consolas" panose="020B0609020204030204" pitchFamily="49" charset="0"/>
+              <a:cs typeface="Consolas" panose="020B0609020204030204" pitchFamily="49" charset="0"/>
+            </a:endParaRPr>
+          </a:p>
+        </p:txBody>
+      </p:sp>
+      <p:sp>
+        <p:nvSpPr>
+          <p:cNvPr id="5" name="Content Placeholder 4"/>
           <p:cNvSpPr>
             <a:spLocks noGrp="1"/>
           </p:cNvSpPr>
@@ -4143,27 +4186,7 @@
           <a:p>
             <a:r>
               <a:rPr lang="en-US" dirty="0" smtClean="0"/>
-              <a:t>What information do you need in order to create a new instance?</a:t>
-            </a:r>
-          </a:p>
-          <a:p>
-            <a:pPr lvl="1"/>
-            <a:r>
-              <a:rPr lang="en-US" dirty="0" smtClean="0"/>
-              <a:t>Name and email for a user</a:t>
-            </a:r>
-          </a:p>
-          <a:p>
-            <a:pPr lvl="1"/>
-            <a:r>
-              <a:rPr lang="en-US" dirty="0" smtClean="0"/>
-              <a:t>Title and description for a book</a:t>
-            </a:r>
-          </a:p>
-          <a:p>
-            <a:r>
-              <a:rPr lang="en-US" dirty="0" smtClean="0"/>
-              <a:t>Similar to a method</a:t>
+              <a:t>Contain methods and properties</a:t>
             </a:r>
           </a:p>
           <a:p>
@@ -4177,76 +4200,37 @@
               <a:buNone/>
             </a:pPr>
             <a:r>
-              <a:rPr lang="en-US" dirty="0" err="1" smtClean="0">
-                <a:latin typeface="Consolas" panose="020B0609020204030204" pitchFamily="49" charset="0"/>
-                <a:cs typeface="Consolas" panose="020B0609020204030204" pitchFamily="49" charset="0"/>
-              </a:rPr>
-              <a:t>def</a:t>
-            </a:r>
-            <a:r>
               <a:rPr lang="en-US" dirty="0" smtClean="0">
                 <a:latin typeface="Consolas" panose="020B0609020204030204" pitchFamily="49" charset="0"/>
                 <a:cs typeface="Consolas" panose="020B0609020204030204" pitchFamily="49" charset="0"/>
               </a:rPr>
-              <a:t> __</a:t>
-            </a:r>
-            <a:r>
-              <a:rPr lang="en-US" dirty="0" err="1" smtClean="0">
+              <a:t>class </a:t>
+            </a:r>
+            <a:r>
+              <a:rPr lang="en-US" b="1" i="1" dirty="0" err="1" smtClean="0">
                 <a:latin typeface="Consolas" panose="020B0609020204030204" pitchFamily="49" charset="0"/>
                 <a:cs typeface="Consolas" panose="020B0609020204030204" pitchFamily="49" charset="0"/>
               </a:rPr>
-              <a:t>init</a:t>
+              <a:t>DemoObject</a:t>
             </a:r>
             <a:r>
               <a:rPr lang="en-US" dirty="0" smtClean="0">
                 <a:latin typeface="Consolas" panose="020B0609020204030204" pitchFamily="49" charset="0"/>
                 <a:cs typeface="Consolas" panose="020B0609020204030204" pitchFamily="49" charset="0"/>
               </a:rPr>
-              <a:t>__(self, </a:t>
-            </a:r>
-            <a:r>
-              <a:rPr lang="en-US" b="1" i="1" dirty="0" smtClean="0">
-                <a:latin typeface="Consolas" panose="020B0609020204030204" pitchFamily="49" charset="0"/>
-                <a:cs typeface="Consolas" panose="020B0609020204030204" pitchFamily="49" charset="0"/>
-              </a:rPr>
-              <a:t>argument, ...</a:t>
-            </a:r>
-            <a:r>
-              <a:rPr lang="en-US" dirty="0" smtClean="0">
-                <a:latin typeface="Consolas" panose="020B0609020204030204" pitchFamily="49" charset="0"/>
-                <a:cs typeface="Consolas" panose="020B0609020204030204" pitchFamily="49" charset="0"/>
-              </a:rPr>
-              <a:t>)</a:t>
-            </a:r>
-          </a:p>
-          <a:p>
-            <a:pPr marL="0" indent="0">
-              <a:buNone/>
-            </a:pPr>
-            <a:r>
-              <a:rPr lang="en-US" dirty="0">
-                <a:latin typeface="Consolas" panose="020B0609020204030204" pitchFamily="49" charset="0"/>
-                <a:cs typeface="Consolas" panose="020B0609020204030204" pitchFamily="49" charset="0"/>
-              </a:rPr>
-              <a:t>	</a:t>
-            </a:r>
-            <a:r>
-              <a:rPr lang="en-US" dirty="0" smtClean="0">
-                <a:solidFill>
-                  <a:srgbClr val="007233"/>
-                </a:solidFill>
-                <a:latin typeface="Consolas" panose="020B0609020204030204" pitchFamily="49" charset="0"/>
-                <a:cs typeface="Consolas" panose="020B0609020204030204" pitchFamily="49" charset="0"/>
-              </a:rPr>
-              <a:t>#definition here</a:t>
-            </a:r>
+              <a:t>(object): </a:t>
+            </a:r>
+            <a:endParaRPr lang="en-US" dirty="0">
+              <a:latin typeface="Consolas" panose="020B0609020204030204" pitchFamily="49" charset="0"/>
+              <a:cs typeface="Consolas" panose="020B0609020204030204" pitchFamily="49" charset="0"/>
+            </a:endParaRPr>
           </a:p>
         </p:txBody>
       </p:sp>
     </p:spTree>
     <p:extLst>
       <p:ext uri="{BB962C8B-B14F-4D97-AF65-F5344CB8AC3E}">
-        <p14:creationId xmlns:p14="http://schemas.microsoft.com/office/powerpoint/2010/main" val="474175814"/>
+        <p14:creationId xmlns:p14="http://schemas.microsoft.com/office/powerpoint/2010/main" val="2187886594"/>
       </p:ext>
     </p:extLst>
   </p:cSld>
@@ -4316,13 +4300,21 @@
         <p:spPr/>
         <p:txBody>
           <a:bodyPr>
-            <a:normAutofit fontScale="92500" lnSpcReduction="10000"/>
+            <a:normAutofit fontScale="92500" lnSpcReduction="20000"/>
           </a:bodyPr>
           <a:lstStyle/>
           <a:p>
             <a:r>
               <a:rPr lang="en-US" dirty="0" smtClean="0"/>
-              <a:t>They just contain the keyword </a:t>
+              <a:t>They </a:t>
+            </a:r>
+            <a:r>
+              <a:rPr lang="en-US" dirty="0" smtClean="0"/>
+              <a:t>must </a:t>
+            </a:r>
+            <a:r>
+              <a:rPr lang="en-US" dirty="0" smtClean="0"/>
+              <a:t>contain the keyword </a:t>
             </a:r>
             <a:r>
               <a:rPr lang="en-US" dirty="0" smtClean="0">
@@ -4333,8 +4325,35 @@
             </a:r>
             <a:r>
               <a:rPr lang="en-US" dirty="0" smtClean="0"/>
-              <a:t> as the first parameter</a:t>
-            </a:r>
+              <a:t> as the first </a:t>
+            </a:r>
+            <a:r>
+              <a:rPr lang="en-US" dirty="0" smtClean="0"/>
+              <a:t>parameter</a:t>
+            </a:r>
+          </a:p>
+          <a:p>
+            <a:pPr lvl="1"/>
+            <a:r>
+              <a:rPr lang="en-US" dirty="0" smtClean="0">
+                <a:latin typeface="Consolas" panose="020B0609020204030204" pitchFamily="49" charset="0"/>
+                <a:cs typeface="Consolas" panose="020B0609020204030204" pitchFamily="49" charset="0"/>
+              </a:rPr>
+              <a:t>self</a:t>
+            </a:r>
+            <a:r>
+              <a:rPr lang="en-US" dirty="0" smtClean="0"/>
+              <a:t> </a:t>
+            </a:r>
+            <a:r>
+              <a:rPr lang="en-US" dirty="0"/>
+              <a:t>gives you a reference to the current </a:t>
+            </a:r>
+            <a:r>
+              <a:rPr lang="en-US" dirty="0" smtClean="0"/>
+              <a:t>instance</a:t>
+            </a:r>
+            <a:endParaRPr lang="en-US" dirty="0" smtClean="0"/>
           </a:p>
           <a:p>
             <a:pPr marL="0" indent="0">
@@ -4434,7 +4453,14 @@
                 <a:latin typeface="Consolas" panose="020B0609020204030204" pitchFamily="49" charset="0"/>
                 <a:cs typeface="Consolas" panose="020B0609020204030204" pitchFamily="49" charset="0"/>
               </a:rPr>
-              <a:t>Def</a:t>
+              <a:t>d</a:t>
+            </a:r>
+            <a:r>
+              <a:rPr lang="en-US" dirty="0" err="1" smtClean="0">
+                <a:latin typeface="Consolas" panose="020B0609020204030204" pitchFamily="49" charset="0"/>
+                <a:cs typeface="Consolas" panose="020B0609020204030204" pitchFamily="49" charset="0"/>
+              </a:rPr>
+              <a:t>ef</a:t>
             </a:r>
             <a:r>
               <a:rPr lang="en-US" dirty="0" smtClean="0">
@@ -4544,7 +4570,7 @@
       </p:grpSpPr>
       <p:sp>
         <p:nvSpPr>
-          <p:cNvPr id="4" name="Title 3"/>
+          <p:cNvPr id="2" name="Title 1"/>
           <p:cNvSpPr>
             <a:spLocks noGrp="1"/>
           </p:cNvSpPr>
@@ -4554,21 +4580,187 @@
         </p:nvSpPr>
         <p:spPr/>
         <p:txBody>
-          <a:bodyPr/>
+          <a:bodyPr>
+            <a:normAutofit/>
+          </a:bodyPr>
           <a:lstStyle/>
           <a:p>
             <a:r>
               <a:rPr lang="en-US" dirty="0" smtClean="0"/>
-              <a:t>Creating Python classes and objects</a:t>
+              <a:t>Classes have constructors</a:t>
             </a:r>
             <a:endParaRPr lang="en-US" dirty="0"/>
+          </a:p>
+        </p:txBody>
+      </p:sp>
+      <p:sp>
+        <p:nvSpPr>
+          <p:cNvPr id="3" name="Content Placeholder 2"/>
+          <p:cNvSpPr>
+            <a:spLocks noGrp="1"/>
+          </p:cNvSpPr>
+          <p:nvPr>
+            <p:ph sz="quarter" idx="10"/>
+          </p:nvPr>
+        </p:nvSpPr>
+        <p:spPr/>
+        <p:txBody>
+          <a:bodyPr>
+            <a:normAutofit lnSpcReduction="10000"/>
+          </a:bodyPr>
+          <a:lstStyle/>
+          <a:p>
+            <a:r>
+              <a:rPr lang="en-US" dirty="0"/>
+              <a:t>Constructors are used for initializing objects</a:t>
+            </a:r>
+          </a:p>
+          <a:p>
+            <a:r>
+              <a:rPr lang="en-US" dirty="0" smtClean="0"/>
+              <a:t>What </a:t>
+            </a:r>
+            <a:r>
+              <a:rPr lang="en-US" dirty="0" smtClean="0"/>
+              <a:t>information do you need in order to create a new instance?</a:t>
+            </a:r>
+          </a:p>
+          <a:p>
+            <a:pPr lvl="1"/>
+            <a:r>
+              <a:rPr lang="en-US" dirty="0" smtClean="0"/>
+              <a:t>Name and email for a user</a:t>
+            </a:r>
+          </a:p>
+          <a:p>
+            <a:pPr lvl="1"/>
+            <a:r>
+              <a:rPr lang="en-US" dirty="0" smtClean="0"/>
+              <a:t>Title and description for a </a:t>
+            </a:r>
+            <a:r>
+              <a:rPr lang="en-US" dirty="0" smtClean="0"/>
+              <a:t>book</a:t>
+            </a:r>
+          </a:p>
+          <a:p>
+            <a:r>
+              <a:rPr lang="en-US" dirty="0" smtClean="0"/>
+              <a:t>Similar </a:t>
+            </a:r>
+            <a:r>
+              <a:rPr lang="en-US" dirty="0" smtClean="0"/>
+              <a:t>to a </a:t>
+            </a:r>
+            <a:r>
+              <a:rPr lang="en-US" dirty="0" smtClean="0"/>
+              <a:t>method</a:t>
+            </a:r>
+          </a:p>
+          <a:p>
+            <a:pPr lvl="1"/>
+            <a:r>
+              <a:rPr lang="en-US" dirty="0" smtClean="0"/>
+              <a:t>Two underscores on each side</a:t>
+            </a:r>
+            <a:endParaRPr lang="en-US" dirty="0" smtClean="0"/>
+          </a:p>
+          <a:p>
+            <a:pPr lvl="1"/>
+            <a:endParaRPr lang="en-US" dirty="0"/>
+          </a:p>
+          <a:p>
+            <a:pPr marL="0" indent="0">
+              <a:buNone/>
+            </a:pPr>
+            <a:r>
+              <a:rPr lang="en-US" dirty="0" err="1" smtClean="0">
+                <a:latin typeface="Consolas" panose="020B0609020204030204" pitchFamily="49" charset="0"/>
+                <a:cs typeface="Consolas" panose="020B0609020204030204" pitchFamily="49" charset="0"/>
+              </a:rPr>
+              <a:t>def</a:t>
+            </a:r>
+            <a:r>
+              <a:rPr lang="en-US" dirty="0" smtClean="0">
+                <a:latin typeface="Consolas" panose="020B0609020204030204" pitchFamily="49" charset="0"/>
+                <a:cs typeface="Consolas" panose="020B0609020204030204" pitchFamily="49" charset="0"/>
+              </a:rPr>
+              <a:t> __</a:t>
+            </a:r>
+            <a:r>
+              <a:rPr lang="en-US" dirty="0" err="1" smtClean="0">
+                <a:latin typeface="Consolas" panose="020B0609020204030204" pitchFamily="49" charset="0"/>
+                <a:cs typeface="Consolas" panose="020B0609020204030204" pitchFamily="49" charset="0"/>
+              </a:rPr>
+              <a:t>init</a:t>
+            </a:r>
+            <a:r>
+              <a:rPr lang="en-US" dirty="0" smtClean="0">
+                <a:latin typeface="Consolas" panose="020B0609020204030204" pitchFamily="49" charset="0"/>
+                <a:cs typeface="Consolas" panose="020B0609020204030204" pitchFamily="49" charset="0"/>
+              </a:rPr>
+              <a:t>__(</a:t>
+            </a:r>
+            <a:r>
+              <a:rPr lang="en-US" dirty="0" smtClean="0">
+                <a:solidFill>
+                  <a:srgbClr val="0070C0"/>
+                </a:solidFill>
+                <a:latin typeface="Consolas" panose="020B0609020204030204" pitchFamily="49" charset="0"/>
+                <a:cs typeface="Consolas" panose="020B0609020204030204" pitchFamily="49" charset="0"/>
+              </a:rPr>
+              <a:t>self</a:t>
+            </a:r>
+            <a:r>
+              <a:rPr lang="en-US" dirty="0" smtClean="0">
+                <a:latin typeface="Consolas" panose="020B0609020204030204" pitchFamily="49" charset="0"/>
+                <a:cs typeface="Consolas" panose="020B0609020204030204" pitchFamily="49" charset="0"/>
+              </a:rPr>
+              <a:t>, </a:t>
+            </a:r>
+            <a:r>
+              <a:rPr lang="en-US" b="1" i="1" dirty="0" smtClean="0">
+                <a:latin typeface="Consolas" panose="020B0609020204030204" pitchFamily="49" charset="0"/>
+                <a:cs typeface="Consolas" panose="020B0609020204030204" pitchFamily="49" charset="0"/>
+              </a:rPr>
+              <a:t>argument, ...</a:t>
+            </a:r>
+            <a:r>
+              <a:rPr lang="en-US" dirty="0" smtClean="0">
+                <a:latin typeface="Consolas" panose="020B0609020204030204" pitchFamily="49" charset="0"/>
+                <a:cs typeface="Consolas" panose="020B0609020204030204" pitchFamily="49" charset="0"/>
+              </a:rPr>
+              <a:t>)</a:t>
+            </a:r>
+          </a:p>
+          <a:p>
+            <a:pPr marL="0" indent="0">
+              <a:buNone/>
+            </a:pPr>
+            <a:r>
+              <a:rPr lang="en-US" dirty="0">
+                <a:latin typeface="Consolas" panose="020B0609020204030204" pitchFamily="49" charset="0"/>
+                <a:cs typeface="Consolas" panose="020B0609020204030204" pitchFamily="49" charset="0"/>
+              </a:rPr>
+              <a:t>	</a:t>
+            </a:r>
+            <a:r>
+              <a:rPr lang="en-US" dirty="0" smtClean="0">
+                <a:solidFill>
+                  <a:srgbClr val="007233"/>
+                </a:solidFill>
+                <a:latin typeface="Consolas" panose="020B0609020204030204" pitchFamily="49" charset="0"/>
+                <a:cs typeface="Consolas" panose="020B0609020204030204" pitchFamily="49" charset="0"/>
+              </a:rPr>
+              <a:t>#definition here</a:t>
+            </a:r>
           </a:p>
         </p:txBody>
       </p:sp>
     </p:spTree>
     <p:extLst>
       <p:ext uri="{BB962C8B-B14F-4D97-AF65-F5344CB8AC3E}">
-        <p14:creationId xmlns:p14="http://schemas.microsoft.com/office/powerpoint/2010/main" val="2382256122"/>
+        <p14:creationId xmlns:p14="http://schemas.microsoft.com/office/powerpoint/2010/main" val="474175814"/>
       </p:ext>
     </p:extLst>
   </p:cSld>
@@ -4604,12 +4796,12 @@
       </p:grpSpPr>
       <p:sp>
         <p:nvSpPr>
-          <p:cNvPr id="4" name="Text Placeholder 3"/>
+          <p:cNvPr id="2" name="Title 1"/>
           <p:cNvSpPr>
             <a:spLocks noGrp="1"/>
           </p:cNvSpPr>
           <p:nvPr>
-            <p:ph type="body" sz="quarter" idx="10"/>
+            <p:ph type="title"/>
           </p:nvPr>
         </p:nvSpPr>
         <p:spPr/>
@@ -4619,7 +4811,7 @@
           <a:p>
             <a:r>
               <a:rPr lang="en-US" dirty="0" smtClean="0"/>
-              <a:t>Encapsulation and design</a:t>
+              <a:t>Properties are added as data members</a:t>
             </a:r>
             <a:endParaRPr lang="en-US" dirty="0"/>
           </a:p>
@@ -4627,12 +4819,12 @@
       </p:sp>
       <p:sp>
         <p:nvSpPr>
-          <p:cNvPr id="3" name="Subtitle 2"/>
+          <p:cNvPr id="3" name="Content Placeholder 2"/>
           <p:cNvSpPr>
             <a:spLocks noGrp="1"/>
           </p:cNvSpPr>
           <p:nvPr>
-            <p:ph type="subTitle" idx="1"/>
+            <p:ph sz="quarter" idx="10"/>
           </p:nvPr>
         </p:nvSpPr>
         <p:spPr/>
@@ -4640,14 +4832,14 @@
           <a:bodyPr/>
           <a:lstStyle/>
           <a:p>
-            <a:endParaRPr lang="en-US" dirty="0"/>
+            <a:endParaRPr lang="en-US"/>
           </a:p>
         </p:txBody>
       </p:sp>
     </p:spTree>
     <p:extLst>
       <p:ext uri="{BB962C8B-B14F-4D97-AF65-F5344CB8AC3E}">
-        <p14:creationId xmlns:p14="http://schemas.microsoft.com/office/powerpoint/2010/main" val="2351549846"/>
+        <p14:creationId xmlns:p14="http://schemas.microsoft.com/office/powerpoint/2010/main" val="1265544052"/>
       </p:ext>
     </p:extLst>
   </p:cSld>
@@ -4698,36 +4890,7 @@
           <a:p>
             <a:r>
               <a:rPr lang="en-US" dirty="0" smtClean="0"/>
-              <a:t>Now that we know the syntax...</a:t>
-            </a:r>
-            <a:endParaRPr lang="en-US" dirty="0"/>
-          </a:p>
-        </p:txBody>
-      </p:sp>
-      <p:sp>
-        <p:nvSpPr>
-          <p:cNvPr id="5" name="Content Placeholder 4"/>
-          <p:cNvSpPr>
-            <a:spLocks noGrp="1"/>
-          </p:cNvSpPr>
-          <p:nvPr>
-            <p:ph sz="quarter" idx="10"/>
-          </p:nvPr>
-        </p:nvSpPr>
-        <p:spPr/>
-        <p:txBody>
-          <a:bodyPr/>
-          <a:lstStyle/>
-          <a:p>
-            <a:r>
-              <a:rPr lang="en-US" dirty="0" smtClean="0"/>
-              <a:t>How do we put our objects together?</a:t>
-            </a:r>
-          </a:p>
-          <a:p>
-            <a:r>
-              <a:rPr lang="en-US" dirty="0" smtClean="0"/>
-              <a:t>What are the best practices?</a:t>
+              <a:t>Creating Python classes and objects</a:t>
             </a:r>
             <a:endParaRPr lang="en-US" dirty="0"/>
           </a:p>
@@ -4736,7 +4899,7 @@
     </p:spTree>
     <p:extLst>
       <p:ext uri="{BB962C8B-B14F-4D97-AF65-F5344CB8AC3E}">
-        <p14:creationId xmlns:p14="http://schemas.microsoft.com/office/powerpoint/2010/main" val="1845349972"/>
+        <p14:creationId xmlns:p14="http://schemas.microsoft.com/office/powerpoint/2010/main" val="2382256122"/>
       </p:ext>
     </p:extLst>
   </p:cSld>
@@ -4772,12 +4935,12 @@
       </p:grpSpPr>
       <p:sp>
         <p:nvSpPr>
-          <p:cNvPr id="2" name="Title 1"/>
+          <p:cNvPr id="4" name="Text Placeholder 3"/>
           <p:cNvSpPr>
             <a:spLocks noGrp="1"/>
           </p:cNvSpPr>
           <p:nvPr>
-            <p:ph type="title"/>
+            <p:ph type="body" sz="quarter" idx="10"/>
           </p:nvPr>
         </p:nvSpPr>
         <p:spPr/>
@@ -4787,7 +4950,7 @@
           <a:p>
             <a:r>
               <a:rPr lang="en-US" dirty="0" smtClean="0"/>
-              <a:t>Keep tightly related things together</a:t>
+              <a:t>Encapsulation and design</a:t>
             </a:r>
             <a:endParaRPr lang="en-US" dirty="0"/>
           </a:p>
@@ -4795,12 +4958,12 @@
       </p:sp>
       <p:sp>
         <p:nvSpPr>
-          <p:cNvPr id="3" name="Content Placeholder 2"/>
+          <p:cNvPr id="3" name="Subtitle 2"/>
           <p:cNvSpPr>
             <a:spLocks noGrp="1"/>
           </p:cNvSpPr>
           <p:nvPr>
-            <p:ph sz="quarter" idx="10"/>
+            <p:ph type="subTitle" idx="1"/>
           </p:nvPr>
         </p:nvSpPr>
         <p:spPr/>
@@ -4808,52 +4971,14 @@
           <a:bodyPr/>
           <a:lstStyle/>
           <a:p>
-            <a:r>
-              <a:rPr lang="en-US" dirty="0" smtClean="0"/>
-              <a:t>A customer has…</a:t>
-            </a:r>
-          </a:p>
-          <a:p>
-            <a:pPr lvl="1"/>
-            <a:r>
-              <a:rPr lang="en-US" dirty="0" smtClean="0"/>
-              <a:t>A name</a:t>
-            </a:r>
-          </a:p>
-          <a:p>
-            <a:pPr lvl="1"/>
-            <a:r>
-              <a:rPr lang="en-US" dirty="0" smtClean="0"/>
-              <a:t>An address</a:t>
-            </a:r>
-          </a:p>
-          <a:p>
-            <a:pPr lvl="1"/>
-            <a:r>
-              <a:rPr lang="en-US" dirty="0" smtClean="0"/>
-              <a:t>A phone number</a:t>
-            </a:r>
-          </a:p>
-          <a:p>
-            <a:pPr lvl="1"/>
-            <a:r>
-              <a:rPr lang="en-US" dirty="0" smtClean="0"/>
-              <a:t>A collection of order objects</a:t>
-            </a:r>
             <a:endParaRPr lang="en-US" dirty="0"/>
-          </a:p>
-          <a:p>
-            <a:r>
-              <a:rPr lang="en-US" dirty="0" smtClean="0"/>
-              <a:t>Order would be a separate object</a:t>
-            </a:r>
           </a:p>
         </p:txBody>
       </p:sp>
     </p:spTree>
     <p:extLst>
       <p:ext uri="{BB962C8B-B14F-4D97-AF65-F5344CB8AC3E}">
-        <p14:creationId xmlns:p14="http://schemas.microsoft.com/office/powerpoint/2010/main" val="3035671079"/>
+        <p14:creationId xmlns:p14="http://schemas.microsoft.com/office/powerpoint/2010/main" val="2351549846"/>
       </p:ext>
     </p:extLst>
   </p:cSld>
@@ -4957,6 +5082,13 @@
   <p:clrMapOvr>
     <a:masterClrMapping/>
   </p:clrMapOvr>
+  <p:timing>
+    <p:tnLst>
+      <p:par>
+        <p:cTn id="1" dur="indefinite" restart="never" nodeType="tmRoot"/>
+      </p:par>
+    </p:tnLst>
+  </p:timing>
 </p:sld>
 </file>
 
@@ -4979,7 +5111,7 @@
       </p:grpSpPr>
       <p:sp>
         <p:nvSpPr>
-          <p:cNvPr id="2" name="Title 1"/>
+          <p:cNvPr id="4" name="Title 3"/>
           <p:cNvSpPr>
             <a:spLocks noGrp="1"/>
           </p:cNvSpPr>
@@ -4994,7 +5126,7 @@
           <a:p>
             <a:r>
               <a:rPr lang="en-US" dirty="0" smtClean="0"/>
-              <a:t>When in doubt...</a:t>
+              <a:t>Now that we know the syntax...</a:t>
             </a:r>
             <a:endParaRPr lang="en-US" dirty="0"/>
           </a:p>
@@ -5002,7 +5134,7 @@
       </p:sp>
       <p:sp>
         <p:nvSpPr>
-          <p:cNvPr id="3" name="Content Placeholder 2"/>
+          <p:cNvPr id="5" name="Content Placeholder 4"/>
           <p:cNvSpPr>
             <a:spLocks noGrp="1"/>
           </p:cNvSpPr>
@@ -5017,13 +5149,21 @@
           <a:p>
             <a:r>
               <a:rPr lang="en-US" dirty="0" smtClean="0"/>
-              <a:t>Create another object</a:t>
-            </a:r>
-          </a:p>
-          <a:p>
-            <a:r>
-              <a:rPr lang="en-US" dirty="0" smtClean="0"/>
-              <a:t>More often than not, you don't have enough objects</a:t>
+              <a:t>How do we put our </a:t>
+            </a:r>
+            <a:r>
+              <a:rPr lang="en-US" dirty="0" smtClean="0"/>
+              <a:t>classes </a:t>
+            </a:r>
+            <a:r>
+              <a:rPr lang="en-US" dirty="0" smtClean="0"/>
+              <a:t>together?</a:t>
+            </a:r>
+          </a:p>
+          <a:p>
+            <a:r>
+              <a:rPr lang="en-US" dirty="0" smtClean="0"/>
+              <a:t>What are the best practices?</a:t>
             </a:r>
             <a:endParaRPr lang="en-US" dirty="0"/>
           </a:p>
@@ -5032,7 +5172,7 @@
     </p:spTree>
     <p:extLst>
       <p:ext uri="{BB962C8B-B14F-4D97-AF65-F5344CB8AC3E}">
-        <p14:creationId xmlns:p14="http://schemas.microsoft.com/office/powerpoint/2010/main" val="3849397889"/>
+        <p14:creationId xmlns:p14="http://schemas.microsoft.com/office/powerpoint/2010/main" val="1845349972"/>
       </p:ext>
     </p:extLst>
   </p:cSld>
@@ -5078,14 +5218,12 @@
         </p:nvSpPr>
         <p:spPr/>
         <p:txBody>
-          <a:bodyPr>
-            <a:normAutofit fontScale="90000"/>
-          </a:bodyPr>
+          <a:bodyPr/>
           <a:lstStyle/>
           <a:p>
             <a:r>
               <a:rPr lang="en-US" dirty="0" smtClean="0"/>
-              <a:t>Take advantage of the fact that Python is "weakly typed"</a:t>
+              <a:t>Keep tightly related things together</a:t>
             </a:r>
             <a:endParaRPr lang="en-US" dirty="0"/>
           </a:p>
@@ -5107,57 +5245,91 @@
           <a:lstStyle/>
           <a:p>
             <a:r>
-              <a:rPr lang="en-US" dirty="0" smtClean="0"/>
-              <a:t>Python doesn't have a concept of "interfaces"</a:t>
-            </a:r>
-          </a:p>
-          <a:p>
-            <a:r>
-              <a:rPr lang="en-US" dirty="0" smtClean="0"/>
-              <a:t>But…</a:t>
+              <a:rPr lang="en-US" sz="2800" dirty="0" smtClean="0"/>
+              <a:t>A customer has…</a:t>
             </a:r>
           </a:p>
           <a:p>
             <a:pPr lvl="1"/>
             <a:r>
-              <a:rPr lang="en-US" dirty="0" smtClean="0"/>
-              <a:t>You don't have to tell python the type of variable you're trying to create</a:t>
+              <a:rPr lang="en-US" sz="2400" dirty="0" smtClean="0"/>
+              <a:t>A name</a:t>
             </a:r>
           </a:p>
           <a:p>
             <a:pPr lvl="1"/>
             <a:r>
-              <a:rPr lang="en-US" dirty="0" smtClean="0"/>
-              <a:t>You can swap out objects as long as they have the same methods and properties</a:t>
-            </a:r>
-          </a:p>
-          <a:p>
-            <a:r>
-              <a:rPr lang="en-US" dirty="0" smtClean="0"/>
-              <a:t>This allows us to make changes and minimize the impact</a:t>
+              <a:rPr lang="en-US" sz="2400" dirty="0" smtClean="0"/>
+              <a:t>An address</a:t>
             </a:r>
           </a:p>
           <a:p>
             <a:pPr lvl="1"/>
             <a:r>
-              <a:rPr lang="en-US" dirty="0" smtClean="0"/>
-              <a:t>Change databases</a:t>
+              <a:rPr lang="en-US" sz="2400" dirty="0" smtClean="0"/>
+              <a:t>A phone number</a:t>
             </a:r>
           </a:p>
           <a:p>
             <a:pPr lvl="1"/>
             <a:r>
-              <a:rPr lang="en-US" smtClean="0"/>
-              <a:t>Update business logic</a:t>
-            </a:r>
-            <a:endParaRPr lang="en-US" dirty="0"/>
+              <a:rPr lang="en-US" sz="2400" dirty="0" smtClean="0"/>
+              <a:t>A collection of </a:t>
+            </a:r>
+            <a:r>
+              <a:rPr lang="en-US" sz="2400" dirty="0" smtClean="0"/>
+              <a:t>orders</a:t>
+            </a:r>
+            <a:endParaRPr lang="en-US" sz="2400" dirty="0"/>
+          </a:p>
+          <a:p>
+            <a:r>
+              <a:rPr lang="en-US" sz="2800" dirty="0" smtClean="0"/>
+              <a:t>Order would be a separate </a:t>
+            </a:r>
+            <a:r>
+              <a:rPr lang="en-US" sz="2800" dirty="0" smtClean="0"/>
+              <a:t>class that has…</a:t>
+            </a:r>
+          </a:p>
+          <a:p>
+            <a:pPr lvl="1"/>
+            <a:r>
+              <a:rPr lang="en-US" sz="2400" dirty="0" smtClean="0"/>
+              <a:t>An </a:t>
+            </a:r>
+            <a:r>
+              <a:rPr lang="en-US" sz="2400" dirty="0" smtClean="0"/>
+              <a:t>ID</a:t>
+            </a:r>
+          </a:p>
+          <a:p>
+            <a:pPr lvl="1"/>
+            <a:r>
+              <a:rPr lang="en-US" sz="2400" dirty="0" smtClean="0"/>
+              <a:t>An order date</a:t>
+            </a:r>
+          </a:p>
+          <a:p>
+            <a:pPr lvl="1"/>
+            <a:r>
+              <a:rPr lang="en-US" sz="2400" dirty="0" smtClean="0"/>
+              <a:t>A collection of line items</a:t>
+            </a:r>
+          </a:p>
+          <a:p>
+            <a:r>
+              <a:rPr lang="en-US" sz="2800" dirty="0" smtClean="0"/>
+              <a:t>Line item would be a separate class that has...</a:t>
+            </a:r>
+            <a:endParaRPr lang="en-US" sz="2800" dirty="0" smtClean="0"/>
           </a:p>
         </p:txBody>
       </p:sp>
     </p:spTree>
     <p:extLst>
       <p:ext uri="{BB962C8B-B14F-4D97-AF65-F5344CB8AC3E}">
-        <p14:creationId xmlns:p14="http://schemas.microsoft.com/office/powerpoint/2010/main" val="436328396"/>
+        <p14:creationId xmlns:p14="http://schemas.microsoft.com/office/powerpoint/2010/main" val="3035671079"/>
       </p:ext>
     </p:extLst>
   </p:cSld>
@@ -5167,9 +5339,519 @@
   <p:timing>
     <p:tnLst>
       <p:par>
-        <p:cTn id="1" dur="indefinite" restart="never" nodeType="tmRoot"/>
+        <p:cTn id="1" dur="indefinite" restart="never" nodeType="tmRoot">
+          <p:childTnLst>
+            <p:seq concurrent="1" nextAc="seek">
+              <p:cTn id="2" dur="indefinite" nodeType="mainSeq">
+                <p:childTnLst>
+                  <p:par>
+                    <p:cTn id="3" fill="hold">
+                      <p:stCondLst>
+                        <p:cond delay="indefinite"/>
+                      </p:stCondLst>
+                      <p:childTnLst>
+                        <p:par>
+                          <p:cTn id="4" fill="hold">
+                            <p:stCondLst>
+                              <p:cond delay="0"/>
+                            </p:stCondLst>
+                            <p:childTnLst>
+                              <p:par>
+                                <p:cTn id="5" presetID="10" presetClass="entr" presetSubtype="0" fill="hold" grpId="0" nodeType="clickEffect">
+                                  <p:stCondLst>
+                                    <p:cond delay="0"/>
+                                  </p:stCondLst>
+                                  <p:childTnLst>
+                                    <p:set>
+                                      <p:cBhvr>
+                                        <p:cTn id="6" dur="1" fill="hold">
+                                          <p:stCondLst>
+                                            <p:cond delay="0"/>
+                                          </p:stCondLst>
+                                        </p:cTn>
+                                        <p:tgtEl>
+                                          <p:spTgt spid="3">
+                                            <p:txEl>
+                                              <p:pRg st="0" end="0"/>
+                                            </p:txEl>
+                                          </p:spTgt>
+                                        </p:tgtEl>
+                                        <p:attrNameLst>
+                                          <p:attrName>style.visibility</p:attrName>
+                                        </p:attrNameLst>
+                                      </p:cBhvr>
+                                      <p:to>
+                                        <p:strVal val="visible"/>
+                                      </p:to>
+                                    </p:set>
+                                    <p:animEffect transition="in" filter="fade">
+                                      <p:cBhvr>
+                                        <p:cTn id="7" dur="500"/>
+                                        <p:tgtEl>
+                                          <p:spTgt spid="3">
+                                            <p:txEl>
+                                              <p:pRg st="0" end="0"/>
+                                            </p:txEl>
+                                          </p:spTgt>
+                                        </p:tgtEl>
+                                      </p:cBhvr>
+                                    </p:animEffect>
+                                  </p:childTnLst>
+                                </p:cTn>
+                              </p:par>
+                              <p:par>
+                                <p:cTn id="8" presetID="10" presetClass="entr" presetSubtype="0" fill="hold" grpId="0" nodeType="withEffect">
+                                  <p:stCondLst>
+                                    <p:cond delay="0"/>
+                                  </p:stCondLst>
+                                  <p:childTnLst>
+                                    <p:set>
+                                      <p:cBhvr>
+                                        <p:cTn id="9" dur="1" fill="hold">
+                                          <p:stCondLst>
+                                            <p:cond delay="0"/>
+                                          </p:stCondLst>
+                                        </p:cTn>
+                                        <p:tgtEl>
+                                          <p:spTgt spid="3">
+                                            <p:txEl>
+                                              <p:pRg st="1" end="1"/>
+                                            </p:txEl>
+                                          </p:spTgt>
+                                        </p:tgtEl>
+                                        <p:attrNameLst>
+                                          <p:attrName>style.visibility</p:attrName>
+                                        </p:attrNameLst>
+                                      </p:cBhvr>
+                                      <p:to>
+                                        <p:strVal val="visible"/>
+                                      </p:to>
+                                    </p:set>
+                                    <p:animEffect transition="in" filter="fade">
+                                      <p:cBhvr>
+                                        <p:cTn id="10" dur="500"/>
+                                        <p:tgtEl>
+                                          <p:spTgt spid="3">
+                                            <p:txEl>
+                                              <p:pRg st="1" end="1"/>
+                                            </p:txEl>
+                                          </p:spTgt>
+                                        </p:tgtEl>
+                                      </p:cBhvr>
+                                    </p:animEffect>
+                                  </p:childTnLst>
+                                </p:cTn>
+                              </p:par>
+                              <p:par>
+                                <p:cTn id="11" presetID="10" presetClass="entr" presetSubtype="0" fill="hold" grpId="0" nodeType="withEffect">
+                                  <p:stCondLst>
+                                    <p:cond delay="0"/>
+                                  </p:stCondLst>
+                                  <p:childTnLst>
+                                    <p:set>
+                                      <p:cBhvr>
+                                        <p:cTn id="12" dur="1" fill="hold">
+                                          <p:stCondLst>
+                                            <p:cond delay="0"/>
+                                          </p:stCondLst>
+                                        </p:cTn>
+                                        <p:tgtEl>
+                                          <p:spTgt spid="3">
+                                            <p:txEl>
+                                              <p:pRg st="2" end="2"/>
+                                            </p:txEl>
+                                          </p:spTgt>
+                                        </p:tgtEl>
+                                        <p:attrNameLst>
+                                          <p:attrName>style.visibility</p:attrName>
+                                        </p:attrNameLst>
+                                      </p:cBhvr>
+                                      <p:to>
+                                        <p:strVal val="visible"/>
+                                      </p:to>
+                                    </p:set>
+                                    <p:animEffect transition="in" filter="fade">
+                                      <p:cBhvr>
+                                        <p:cTn id="13" dur="500"/>
+                                        <p:tgtEl>
+                                          <p:spTgt spid="3">
+                                            <p:txEl>
+                                              <p:pRg st="2" end="2"/>
+                                            </p:txEl>
+                                          </p:spTgt>
+                                        </p:tgtEl>
+                                      </p:cBhvr>
+                                    </p:animEffect>
+                                  </p:childTnLst>
+                                </p:cTn>
+                              </p:par>
+                              <p:par>
+                                <p:cTn id="14" presetID="10" presetClass="entr" presetSubtype="0" fill="hold" grpId="0" nodeType="withEffect">
+                                  <p:stCondLst>
+                                    <p:cond delay="0"/>
+                                  </p:stCondLst>
+                                  <p:childTnLst>
+                                    <p:set>
+                                      <p:cBhvr>
+                                        <p:cTn id="15" dur="1" fill="hold">
+                                          <p:stCondLst>
+                                            <p:cond delay="0"/>
+                                          </p:stCondLst>
+                                        </p:cTn>
+                                        <p:tgtEl>
+                                          <p:spTgt spid="3">
+                                            <p:txEl>
+                                              <p:pRg st="3" end="3"/>
+                                            </p:txEl>
+                                          </p:spTgt>
+                                        </p:tgtEl>
+                                        <p:attrNameLst>
+                                          <p:attrName>style.visibility</p:attrName>
+                                        </p:attrNameLst>
+                                      </p:cBhvr>
+                                      <p:to>
+                                        <p:strVal val="visible"/>
+                                      </p:to>
+                                    </p:set>
+                                    <p:animEffect transition="in" filter="fade">
+                                      <p:cBhvr>
+                                        <p:cTn id="16" dur="500"/>
+                                        <p:tgtEl>
+                                          <p:spTgt spid="3">
+                                            <p:txEl>
+                                              <p:pRg st="3" end="3"/>
+                                            </p:txEl>
+                                          </p:spTgt>
+                                        </p:tgtEl>
+                                      </p:cBhvr>
+                                    </p:animEffect>
+                                  </p:childTnLst>
+                                </p:cTn>
+                              </p:par>
+                              <p:par>
+                                <p:cTn id="17" presetID="10" presetClass="entr" presetSubtype="0" fill="hold" grpId="0" nodeType="withEffect">
+                                  <p:stCondLst>
+                                    <p:cond delay="0"/>
+                                  </p:stCondLst>
+                                  <p:childTnLst>
+                                    <p:set>
+                                      <p:cBhvr>
+                                        <p:cTn id="18" dur="1" fill="hold">
+                                          <p:stCondLst>
+                                            <p:cond delay="0"/>
+                                          </p:stCondLst>
+                                        </p:cTn>
+                                        <p:tgtEl>
+                                          <p:spTgt spid="3">
+                                            <p:txEl>
+                                              <p:pRg st="4" end="4"/>
+                                            </p:txEl>
+                                          </p:spTgt>
+                                        </p:tgtEl>
+                                        <p:attrNameLst>
+                                          <p:attrName>style.visibility</p:attrName>
+                                        </p:attrNameLst>
+                                      </p:cBhvr>
+                                      <p:to>
+                                        <p:strVal val="visible"/>
+                                      </p:to>
+                                    </p:set>
+                                    <p:animEffect transition="in" filter="fade">
+                                      <p:cBhvr>
+                                        <p:cTn id="19" dur="500"/>
+                                        <p:tgtEl>
+                                          <p:spTgt spid="3">
+                                            <p:txEl>
+                                              <p:pRg st="4" end="4"/>
+                                            </p:txEl>
+                                          </p:spTgt>
+                                        </p:tgtEl>
+                                      </p:cBhvr>
+                                    </p:animEffect>
+                                  </p:childTnLst>
+                                </p:cTn>
+                              </p:par>
+                            </p:childTnLst>
+                          </p:cTn>
+                        </p:par>
+                      </p:childTnLst>
+                    </p:cTn>
+                  </p:par>
+                  <p:par>
+                    <p:cTn id="20" fill="hold">
+                      <p:stCondLst>
+                        <p:cond delay="indefinite"/>
+                      </p:stCondLst>
+                      <p:childTnLst>
+                        <p:par>
+                          <p:cTn id="21" fill="hold">
+                            <p:stCondLst>
+                              <p:cond delay="0"/>
+                            </p:stCondLst>
+                            <p:childTnLst>
+                              <p:par>
+                                <p:cTn id="22" presetID="10" presetClass="entr" presetSubtype="0" fill="hold" grpId="0" nodeType="clickEffect">
+                                  <p:stCondLst>
+                                    <p:cond delay="0"/>
+                                  </p:stCondLst>
+                                  <p:childTnLst>
+                                    <p:set>
+                                      <p:cBhvr>
+                                        <p:cTn id="23" dur="1" fill="hold">
+                                          <p:stCondLst>
+                                            <p:cond delay="0"/>
+                                          </p:stCondLst>
+                                        </p:cTn>
+                                        <p:tgtEl>
+                                          <p:spTgt spid="3">
+                                            <p:txEl>
+                                              <p:pRg st="5" end="5"/>
+                                            </p:txEl>
+                                          </p:spTgt>
+                                        </p:tgtEl>
+                                        <p:attrNameLst>
+                                          <p:attrName>style.visibility</p:attrName>
+                                        </p:attrNameLst>
+                                      </p:cBhvr>
+                                      <p:to>
+                                        <p:strVal val="visible"/>
+                                      </p:to>
+                                    </p:set>
+                                    <p:animEffect transition="in" filter="fade">
+                                      <p:cBhvr>
+                                        <p:cTn id="24" dur="500"/>
+                                        <p:tgtEl>
+                                          <p:spTgt spid="3">
+                                            <p:txEl>
+                                              <p:pRg st="5" end="5"/>
+                                            </p:txEl>
+                                          </p:spTgt>
+                                        </p:tgtEl>
+                                      </p:cBhvr>
+                                    </p:animEffect>
+                                  </p:childTnLst>
+                                </p:cTn>
+                              </p:par>
+                              <p:par>
+                                <p:cTn id="25" presetID="10" presetClass="entr" presetSubtype="0" fill="hold" grpId="0" nodeType="withEffect">
+                                  <p:stCondLst>
+                                    <p:cond delay="0"/>
+                                  </p:stCondLst>
+                                  <p:childTnLst>
+                                    <p:set>
+                                      <p:cBhvr>
+                                        <p:cTn id="26" dur="1" fill="hold">
+                                          <p:stCondLst>
+                                            <p:cond delay="0"/>
+                                          </p:stCondLst>
+                                        </p:cTn>
+                                        <p:tgtEl>
+                                          <p:spTgt spid="3">
+                                            <p:txEl>
+                                              <p:pRg st="6" end="6"/>
+                                            </p:txEl>
+                                          </p:spTgt>
+                                        </p:tgtEl>
+                                        <p:attrNameLst>
+                                          <p:attrName>style.visibility</p:attrName>
+                                        </p:attrNameLst>
+                                      </p:cBhvr>
+                                      <p:to>
+                                        <p:strVal val="visible"/>
+                                      </p:to>
+                                    </p:set>
+                                    <p:animEffect transition="in" filter="fade">
+                                      <p:cBhvr>
+                                        <p:cTn id="27" dur="500"/>
+                                        <p:tgtEl>
+                                          <p:spTgt spid="3">
+                                            <p:txEl>
+                                              <p:pRg st="6" end="6"/>
+                                            </p:txEl>
+                                          </p:spTgt>
+                                        </p:tgtEl>
+                                      </p:cBhvr>
+                                    </p:animEffect>
+                                  </p:childTnLst>
+                                </p:cTn>
+                              </p:par>
+                              <p:par>
+                                <p:cTn id="28" presetID="10" presetClass="entr" presetSubtype="0" fill="hold" grpId="0" nodeType="withEffect">
+                                  <p:stCondLst>
+                                    <p:cond delay="0"/>
+                                  </p:stCondLst>
+                                  <p:childTnLst>
+                                    <p:set>
+                                      <p:cBhvr>
+                                        <p:cTn id="29" dur="1" fill="hold">
+                                          <p:stCondLst>
+                                            <p:cond delay="0"/>
+                                          </p:stCondLst>
+                                        </p:cTn>
+                                        <p:tgtEl>
+                                          <p:spTgt spid="3">
+                                            <p:txEl>
+                                              <p:pRg st="7" end="7"/>
+                                            </p:txEl>
+                                          </p:spTgt>
+                                        </p:tgtEl>
+                                        <p:attrNameLst>
+                                          <p:attrName>style.visibility</p:attrName>
+                                        </p:attrNameLst>
+                                      </p:cBhvr>
+                                      <p:to>
+                                        <p:strVal val="visible"/>
+                                      </p:to>
+                                    </p:set>
+                                    <p:animEffect transition="in" filter="fade">
+                                      <p:cBhvr>
+                                        <p:cTn id="30" dur="500"/>
+                                        <p:tgtEl>
+                                          <p:spTgt spid="3">
+                                            <p:txEl>
+                                              <p:pRg st="7" end="7"/>
+                                            </p:txEl>
+                                          </p:spTgt>
+                                        </p:tgtEl>
+                                      </p:cBhvr>
+                                    </p:animEffect>
+                                  </p:childTnLst>
+                                </p:cTn>
+                              </p:par>
+                              <p:par>
+                                <p:cTn id="31" presetID="10" presetClass="entr" presetSubtype="0" fill="hold" grpId="0" nodeType="withEffect">
+                                  <p:stCondLst>
+                                    <p:cond delay="0"/>
+                                  </p:stCondLst>
+                                  <p:childTnLst>
+                                    <p:set>
+                                      <p:cBhvr>
+                                        <p:cTn id="32" dur="1" fill="hold">
+                                          <p:stCondLst>
+                                            <p:cond delay="0"/>
+                                          </p:stCondLst>
+                                        </p:cTn>
+                                        <p:tgtEl>
+                                          <p:spTgt spid="3">
+                                            <p:txEl>
+                                              <p:pRg st="8" end="8"/>
+                                            </p:txEl>
+                                          </p:spTgt>
+                                        </p:tgtEl>
+                                        <p:attrNameLst>
+                                          <p:attrName>style.visibility</p:attrName>
+                                        </p:attrNameLst>
+                                      </p:cBhvr>
+                                      <p:to>
+                                        <p:strVal val="visible"/>
+                                      </p:to>
+                                    </p:set>
+                                    <p:animEffect transition="in" filter="fade">
+                                      <p:cBhvr>
+                                        <p:cTn id="33" dur="500"/>
+                                        <p:tgtEl>
+                                          <p:spTgt spid="3">
+                                            <p:txEl>
+                                              <p:pRg st="8" end="8"/>
+                                            </p:txEl>
+                                          </p:spTgt>
+                                        </p:tgtEl>
+                                      </p:cBhvr>
+                                    </p:animEffect>
+                                  </p:childTnLst>
+                                </p:cTn>
+                              </p:par>
+                            </p:childTnLst>
+                          </p:cTn>
+                        </p:par>
+                      </p:childTnLst>
+                    </p:cTn>
+                  </p:par>
+                  <p:par>
+                    <p:cTn id="34" fill="hold">
+                      <p:stCondLst>
+                        <p:cond delay="indefinite"/>
+                      </p:stCondLst>
+                      <p:childTnLst>
+                        <p:par>
+                          <p:cTn id="35" fill="hold">
+                            <p:stCondLst>
+                              <p:cond delay="0"/>
+                            </p:stCondLst>
+                            <p:childTnLst>
+                              <p:par>
+                                <p:cTn id="36" presetID="10" presetClass="entr" presetSubtype="0" fill="hold" grpId="0" nodeType="clickEffect">
+                                  <p:stCondLst>
+                                    <p:cond delay="0"/>
+                                  </p:stCondLst>
+                                  <p:childTnLst>
+                                    <p:set>
+                                      <p:cBhvr>
+                                        <p:cTn id="37" dur="1" fill="hold">
+                                          <p:stCondLst>
+                                            <p:cond delay="0"/>
+                                          </p:stCondLst>
+                                        </p:cTn>
+                                        <p:tgtEl>
+                                          <p:spTgt spid="3">
+                                            <p:txEl>
+                                              <p:pRg st="9" end="9"/>
+                                            </p:txEl>
+                                          </p:spTgt>
+                                        </p:tgtEl>
+                                        <p:attrNameLst>
+                                          <p:attrName>style.visibility</p:attrName>
+                                        </p:attrNameLst>
+                                      </p:cBhvr>
+                                      <p:to>
+                                        <p:strVal val="visible"/>
+                                      </p:to>
+                                    </p:set>
+                                    <p:animEffect transition="in" filter="fade">
+                                      <p:cBhvr>
+                                        <p:cTn id="38" dur="500"/>
+                                        <p:tgtEl>
+                                          <p:spTgt spid="3">
+                                            <p:txEl>
+                                              <p:pRg st="9" end="9"/>
+                                            </p:txEl>
+                                          </p:spTgt>
+                                        </p:tgtEl>
+                                      </p:cBhvr>
+                                    </p:animEffect>
+                                  </p:childTnLst>
+                                </p:cTn>
+                              </p:par>
+                            </p:childTnLst>
+                          </p:cTn>
+                        </p:par>
+                      </p:childTnLst>
+                    </p:cTn>
+                  </p:par>
+                </p:childTnLst>
+              </p:cTn>
+              <p:prevCondLst>
+                <p:cond evt="onPrev" delay="0">
+                  <p:tgtEl>
+                    <p:sldTgt/>
+                  </p:tgtEl>
+                </p:cond>
+              </p:prevCondLst>
+              <p:nextCondLst>
+                <p:cond evt="onNext" delay="0">
+                  <p:tgtEl>
+                    <p:sldTgt/>
+                  </p:tgtEl>
+                </p:cond>
+              </p:nextCondLst>
+            </p:seq>
+          </p:childTnLst>
+        </p:cTn>
       </p:par>
     </p:tnLst>
+    <p:bldLst>
+      <p:bldP spid="3" grpId="0" build="p"/>
+    </p:bldLst>
   </p:timing>
 </p:sld>
 </file>
@@ -5193,6 +5875,659 @@
       </p:grpSpPr>
       <p:sp>
         <p:nvSpPr>
+          <p:cNvPr id="2" name="Title 1"/>
+          <p:cNvSpPr>
+            <a:spLocks noGrp="1"/>
+          </p:cNvSpPr>
+          <p:nvPr>
+            <p:ph type="title"/>
+          </p:nvPr>
+        </p:nvSpPr>
+        <p:spPr/>
+        <p:txBody>
+          <a:bodyPr/>
+          <a:lstStyle/>
+          <a:p>
+            <a:r>
+              <a:rPr lang="en-US" dirty="0" smtClean="0"/>
+              <a:t>When in doubt...</a:t>
+            </a:r>
+            <a:endParaRPr lang="en-US" dirty="0"/>
+          </a:p>
+        </p:txBody>
+      </p:sp>
+      <p:sp>
+        <p:nvSpPr>
+          <p:cNvPr id="3" name="Content Placeholder 2"/>
+          <p:cNvSpPr>
+            <a:spLocks noGrp="1"/>
+          </p:cNvSpPr>
+          <p:nvPr>
+            <p:ph sz="quarter" idx="10"/>
+          </p:nvPr>
+        </p:nvSpPr>
+        <p:spPr/>
+        <p:txBody>
+          <a:bodyPr/>
+          <a:lstStyle/>
+          <a:p>
+            <a:r>
+              <a:rPr lang="en-US" dirty="0" smtClean="0"/>
+              <a:t>Create another </a:t>
+            </a:r>
+            <a:r>
+              <a:rPr lang="en-US" dirty="0" smtClean="0"/>
+              <a:t>class</a:t>
+            </a:r>
+            <a:endParaRPr lang="en-US" dirty="0" smtClean="0"/>
+          </a:p>
+          <a:p>
+            <a:r>
+              <a:rPr lang="en-US" dirty="0" smtClean="0"/>
+              <a:t>More often than not, you don't have enough </a:t>
+            </a:r>
+            <a:r>
+              <a:rPr lang="en-US" dirty="0" smtClean="0"/>
+              <a:t>classes</a:t>
+            </a:r>
+            <a:endParaRPr lang="en-US" dirty="0"/>
+          </a:p>
+        </p:txBody>
+      </p:sp>
+    </p:spTree>
+    <p:extLst>
+      <p:ext uri="{BB962C8B-B14F-4D97-AF65-F5344CB8AC3E}">
+        <p14:creationId xmlns:p14="http://schemas.microsoft.com/office/powerpoint/2010/main" val="3849397889"/>
+      </p:ext>
+    </p:extLst>
+  </p:cSld>
+  <p:clrMapOvr>
+    <a:masterClrMapping/>
+  </p:clrMapOvr>
+  <p:timing>
+    <p:tnLst>
+      <p:par>
+        <p:cTn id="1" dur="indefinite" restart="never" nodeType="tmRoot"/>
+      </p:par>
+    </p:tnLst>
+  </p:timing>
+</p:sld>
+</file>
+
+<file path=ppt/slides/slide23.xml><?xml version="1.0" encoding="utf-8"?>
+<p:sld xmlns:a="http://schemas.openxmlformats.org/drawingml/2006/main" xmlns:r="http://schemas.openxmlformats.org/officeDocument/2006/relationships" xmlns:p="http://schemas.openxmlformats.org/presentationml/2006/main">
+  <p:cSld>
+    <p:spTree>
+      <p:nvGrpSpPr>
+        <p:cNvPr id="1" name=""/>
+        <p:cNvGrpSpPr/>
+        <p:nvPr/>
+      </p:nvGrpSpPr>
+      <p:grpSpPr>
+        <a:xfrm>
+          <a:off x="0" y="0"/>
+          <a:ext cx="0" cy="0"/>
+          <a:chOff x="0" y="0"/>
+          <a:chExt cx="0" cy="0"/>
+        </a:xfrm>
+      </p:grpSpPr>
+      <p:sp>
+        <p:nvSpPr>
+          <p:cNvPr id="2" name="Title 1"/>
+          <p:cNvSpPr>
+            <a:spLocks noGrp="1"/>
+          </p:cNvSpPr>
+          <p:nvPr>
+            <p:ph type="title"/>
+          </p:nvPr>
+        </p:nvSpPr>
+        <p:spPr/>
+        <p:txBody>
+          <a:bodyPr>
+            <a:normAutofit fontScale="90000"/>
+          </a:bodyPr>
+          <a:lstStyle/>
+          <a:p>
+            <a:r>
+              <a:rPr lang="en-US" dirty="0" smtClean="0"/>
+              <a:t>Take advantage of the fact that Python is "weakly typed"</a:t>
+            </a:r>
+            <a:endParaRPr lang="en-US" dirty="0"/>
+          </a:p>
+        </p:txBody>
+      </p:sp>
+      <p:sp>
+        <p:nvSpPr>
+          <p:cNvPr id="3" name="Content Placeholder 2"/>
+          <p:cNvSpPr>
+            <a:spLocks noGrp="1"/>
+          </p:cNvSpPr>
+          <p:nvPr>
+            <p:ph sz="quarter" idx="10"/>
+          </p:nvPr>
+        </p:nvSpPr>
+        <p:spPr/>
+        <p:txBody>
+          <a:bodyPr/>
+          <a:lstStyle/>
+          <a:p>
+            <a:r>
+              <a:rPr lang="en-US" dirty="0" smtClean="0"/>
+              <a:t>You </a:t>
+            </a:r>
+            <a:r>
+              <a:rPr lang="en-US" dirty="0" smtClean="0"/>
+              <a:t>don't have to tell </a:t>
+            </a:r>
+            <a:r>
+              <a:rPr lang="en-US" dirty="0" smtClean="0"/>
+              <a:t>Python </a:t>
+            </a:r>
+            <a:r>
+              <a:rPr lang="en-US" dirty="0" smtClean="0"/>
+              <a:t>the type of variable you're trying to create</a:t>
+            </a:r>
+          </a:p>
+          <a:p>
+            <a:r>
+              <a:rPr lang="en-US" dirty="0" smtClean="0"/>
+              <a:t>You can swap out objects as long as they have the same methods and </a:t>
+            </a:r>
+            <a:r>
+              <a:rPr lang="en-US" dirty="0" smtClean="0"/>
+              <a:t>properties</a:t>
+            </a:r>
+          </a:p>
+          <a:p>
+            <a:pPr lvl="1"/>
+            <a:r>
+              <a:rPr lang="en-US" dirty="0" smtClean="0"/>
+              <a:t>Objects are black boxes</a:t>
+            </a:r>
+            <a:endParaRPr lang="en-US" dirty="0" smtClean="0"/>
+          </a:p>
+          <a:p>
+            <a:r>
+              <a:rPr lang="en-US" dirty="0" smtClean="0"/>
+              <a:t>This allows us to make changes and minimize the impact</a:t>
+            </a:r>
+          </a:p>
+          <a:p>
+            <a:pPr lvl="1"/>
+            <a:r>
+              <a:rPr lang="en-US" dirty="0" smtClean="0"/>
+              <a:t>Change databases</a:t>
+            </a:r>
+          </a:p>
+          <a:p>
+            <a:pPr lvl="1"/>
+            <a:r>
+              <a:rPr lang="en-US" dirty="0" smtClean="0"/>
+              <a:t>Update business logic</a:t>
+            </a:r>
+            <a:endParaRPr lang="en-US" dirty="0"/>
+          </a:p>
+        </p:txBody>
+      </p:sp>
+    </p:spTree>
+    <p:extLst>
+      <p:ext uri="{BB962C8B-B14F-4D97-AF65-F5344CB8AC3E}">
+        <p14:creationId xmlns:p14="http://schemas.microsoft.com/office/powerpoint/2010/main" val="436328396"/>
+      </p:ext>
+    </p:extLst>
+  </p:cSld>
+  <p:clrMapOvr>
+    <a:masterClrMapping/>
+  </p:clrMapOvr>
+  <p:timing>
+    <p:tnLst>
+      <p:par>
+        <p:cTn id="1" dur="indefinite" restart="never" nodeType="tmRoot"/>
+      </p:par>
+    </p:tnLst>
+  </p:timing>
+</p:sld>
+</file>
+
+<file path=ppt/slides/slide24.xml><?xml version="1.0" encoding="utf-8"?>
+<p:sld xmlns:a="http://schemas.openxmlformats.org/drawingml/2006/main" xmlns:r="http://schemas.openxmlformats.org/officeDocument/2006/relationships" xmlns:p="http://schemas.openxmlformats.org/presentationml/2006/main">
+  <p:cSld>
+    <p:spTree>
+      <p:nvGrpSpPr>
+        <p:cNvPr id="1" name=""/>
+        <p:cNvGrpSpPr/>
+        <p:nvPr/>
+      </p:nvGrpSpPr>
+      <p:grpSpPr>
+        <a:xfrm>
+          <a:off x="0" y="0"/>
+          <a:ext cx="0" cy="0"/>
+          <a:chOff x="0" y="0"/>
+          <a:chExt cx="0" cy="0"/>
+        </a:xfrm>
+      </p:grpSpPr>
+      <p:sp>
+        <p:nvSpPr>
+          <p:cNvPr id="2" name="Title 1"/>
+          <p:cNvSpPr>
+            <a:spLocks noGrp="1"/>
+          </p:cNvSpPr>
+          <p:nvPr>
+            <p:ph type="title"/>
+          </p:nvPr>
+        </p:nvSpPr>
+        <p:spPr/>
+        <p:txBody>
+          <a:bodyPr/>
+          <a:lstStyle/>
+          <a:p>
+            <a:r>
+              <a:rPr lang="en-US" dirty="0" smtClean="0"/>
+              <a:t>As long as it writes, I don't care what it is</a:t>
+            </a:r>
+            <a:endParaRPr lang="en-US" dirty="0"/>
+          </a:p>
+        </p:txBody>
+      </p:sp>
+      <p:sp>
+        <p:nvSpPr>
+          <p:cNvPr id="4" name="Content Placeholder 5"/>
+          <p:cNvSpPr>
+            <a:spLocks noGrp="1"/>
+          </p:cNvSpPr>
+          <p:nvPr>
+            <p:ph sz="half" idx="4294967295"/>
+          </p:nvPr>
+        </p:nvSpPr>
+        <p:spPr>
+          <a:xfrm>
+            <a:off x="379511" y="1371601"/>
+            <a:ext cx="5616915" cy="4953001"/>
+          </a:xfrm>
+          <a:prstGeom prst="rect">
+            <a:avLst/>
+          </a:prstGeom>
+        </p:spPr>
+        <p:txBody>
+          <a:bodyPr>
+            <a:normAutofit/>
+          </a:bodyPr>
+          <a:lstStyle/>
+          <a:p>
+            <a:r>
+              <a:rPr lang="en-US" dirty="0" smtClean="0"/>
+              <a:t>A marker can</a:t>
+            </a:r>
+          </a:p>
+          <a:p>
+            <a:pPr lvl="1"/>
+            <a:r>
+              <a:rPr lang="en-US" dirty="0" smtClean="0"/>
+              <a:t>Write</a:t>
+            </a:r>
+          </a:p>
+          <a:p>
+            <a:r>
+              <a:rPr lang="en-US" dirty="0" smtClean="0"/>
+              <a:t>A marker has</a:t>
+            </a:r>
+          </a:p>
+          <a:p>
+            <a:pPr lvl="1"/>
+            <a:r>
+              <a:rPr lang="en-US" dirty="0" smtClean="0"/>
+              <a:t>Color </a:t>
+            </a:r>
+            <a:endParaRPr lang="en-US" dirty="0"/>
+          </a:p>
+        </p:txBody>
+      </p:sp>
+      <p:pic>
+        <p:nvPicPr>
+          <p:cNvPr id="5" name="Picture 4"/>
+          <p:cNvPicPr>
+            <a:picLocks noChangeAspect="1"/>
+          </p:cNvPicPr>
+          <p:nvPr/>
+        </p:nvPicPr>
+        <p:blipFill>
+          <a:blip r:embed="rId2">
+            <a:extLst>
+              <a:ext uri="{28A0092B-C50C-407E-A947-70E740481C1C}">
+                <a14:useLocalDpi xmlns:a14="http://schemas.microsoft.com/office/drawing/2010/main" val="0"/>
+              </a:ext>
+            </a:extLst>
+          </a:blip>
+          <a:stretch>
+            <a:fillRect/>
+          </a:stretch>
+        </p:blipFill>
+        <p:spPr>
+          <a:xfrm>
+            <a:off x="7500257" y="1796143"/>
+            <a:ext cx="3608614" cy="3608614"/>
+          </a:xfrm>
+          <a:prstGeom prst="rect">
+            <a:avLst/>
+          </a:prstGeom>
+        </p:spPr>
+      </p:pic>
+    </p:spTree>
+    <p:extLst>
+      <p:ext uri="{BB962C8B-B14F-4D97-AF65-F5344CB8AC3E}">
+        <p14:creationId xmlns:p14="http://schemas.microsoft.com/office/powerpoint/2010/main" val="1994112955"/>
+      </p:ext>
+    </p:extLst>
+  </p:cSld>
+  <p:clrMapOvr>
+    <a:masterClrMapping/>
+  </p:clrMapOvr>
+  <p:timing>
+    <p:tnLst>
+      <p:par>
+        <p:cTn id="1" dur="indefinite" restart="never" nodeType="tmRoot"/>
+      </p:par>
+    </p:tnLst>
+  </p:timing>
+</p:sld>
+</file>
+
+<file path=ppt/slides/slide25.xml><?xml version="1.0" encoding="utf-8"?>
+<p:sld xmlns:a="http://schemas.openxmlformats.org/drawingml/2006/main" xmlns:r="http://schemas.openxmlformats.org/officeDocument/2006/relationships" xmlns:p="http://schemas.openxmlformats.org/presentationml/2006/main">
+  <p:cSld>
+    <p:spTree>
+      <p:nvGrpSpPr>
+        <p:cNvPr id="1" name=""/>
+        <p:cNvGrpSpPr/>
+        <p:nvPr/>
+      </p:nvGrpSpPr>
+      <p:grpSpPr>
+        <a:xfrm>
+          <a:off x="0" y="0"/>
+          <a:ext cx="0" cy="0"/>
+          <a:chOff x="0" y="0"/>
+          <a:chExt cx="0" cy="0"/>
+        </a:xfrm>
+      </p:grpSpPr>
+      <p:sp>
+        <p:nvSpPr>
+          <p:cNvPr id="2" name="Title 1"/>
+          <p:cNvSpPr>
+            <a:spLocks noGrp="1"/>
+          </p:cNvSpPr>
+          <p:nvPr>
+            <p:ph type="title"/>
+          </p:nvPr>
+        </p:nvSpPr>
+        <p:spPr/>
+        <p:txBody>
+          <a:bodyPr/>
+          <a:lstStyle/>
+          <a:p>
+            <a:r>
+              <a:rPr lang="en-US" dirty="0" smtClean="0"/>
+              <a:t>As long as it writes, I don't care what it is</a:t>
+            </a:r>
+            <a:endParaRPr lang="en-US" dirty="0"/>
+          </a:p>
+        </p:txBody>
+      </p:sp>
+      <p:pic>
+        <p:nvPicPr>
+          <p:cNvPr id="6" name="Picture 5"/>
+          <p:cNvPicPr>
+            <a:picLocks noChangeAspect="1"/>
+          </p:cNvPicPr>
+          <p:nvPr/>
+        </p:nvPicPr>
+        <p:blipFill>
+          <a:blip r:embed="rId2" cstate="print">
+            <a:extLst>
+              <a:ext uri="{28A0092B-C50C-407E-A947-70E740481C1C}">
+                <a14:useLocalDpi xmlns:a14="http://schemas.microsoft.com/office/drawing/2010/main" val="0"/>
+              </a:ext>
+            </a:extLst>
+          </a:blip>
+          <a:stretch>
+            <a:fillRect/>
+          </a:stretch>
+        </p:blipFill>
+        <p:spPr>
+          <a:xfrm>
+            <a:off x="7371938" y="2201501"/>
+            <a:ext cx="3064808" cy="2610195"/>
+          </a:xfrm>
+          <a:prstGeom prst="rect">
+            <a:avLst/>
+          </a:prstGeom>
+        </p:spPr>
+      </p:pic>
+      <p:sp>
+        <p:nvSpPr>
+          <p:cNvPr id="7" name="Content Placeholder 5"/>
+          <p:cNvSpPr>
+            <a:spLocks noGrp="1"/>
+          </p:cNvSpPr>
+          <p:nvPr>
+            <p:ph sz="half" idx="4294967295"/>
+          </p:nvPr>
+        </p:nvSpPr>
+        <p:spPr>
+          <a:xfrm>
+            <a:off x="379511" y="1371601"/>
+            <a:ext cx="5616915" cy="4953001"/>
+          </a:xfrm>
+          <a:prstGeom prst="rect">
+            <a:avLst/>
+          </a:prstGeom>
+        </p:spPr>
+        <p:txBody>
+          <a:bodyPr>
+            <a:normAutofit/>
+          </a:bodyPr>
+          <a:lstStyle/>
+          <a:p>
+            <a:r>
+              <a:rPr lang="en-US" dirty="0" smtClean="0"/>
+              <a:t>A quill can</a:t>
+            </a:r>
+          </a:p>
+          <a:p>
+            <a:pPr lvl="1"/>
+            <a:r>
+              <a:rPr lang="en-US" dirty="0" smtClean="0"/>
+              <a:t>Write</a:t>
+            </a:r>
+          </a:p>
+          <a:p>
+            <a:r>
+              <a:rPr lang="en-US" dirty="0" smtClean="0"/>
+              <a:t>A quill has</a:t>
+            </a:r>
+          </a:p>
+          <a:p>
+            <a:pPr lvl="1"/>
+            <a:r>
+              <a:rPr lang="en-US" dirty="0" smtClean="0"/>
+              <a:t>Color </a:t>
+            </a:r>
+            <a:endParaRPr lang="en-US" dirty="0"/>
+          </a:p>
+        </p:txBody>
+      </p:sp>
+    </p:spTree>
+    <p:extLst>
+      <p:ext uri="{BB962C8B-B14F-4D97-AF65-F5344CB8AC3E}">
+        <p14:creationId xmlns:p14="http://schemas.microsoft.com/office/powerpoint/2010/main" val="1590447672"/>
+      </p:ext>
+    </p:extLst>
+  </p:cSld>
+  <p:clrMapOvr>
+    <a:masterClrMapping/>
+  </p:clrMapOvr>
+  <p:timing>
+    <p:tnLst>
+      <p:par>
+        <p:cTn id="1" dur="indefinite" restart="never" nodeType="tmRoot"/>
+      </p:par>
+    </p:tnLst>
+  </p:timing>
+</p:sld>
+</file>
+
+<file path=ppt/slides/slide26.xml><?xml version="1.0" encoding="utf-8"?>
+<p:sld xmlns:a="http://schemas.openxmlformats.org/drawingml/2006/main" xmlns:r="http://schemas.openxmlformats.org/officeDocument/2006/relationships" xmlns:p="http://schemas.openxmlformats.org/presentationml/2006/main" show="0">
+  <p:cSld>
+    <p:spTree>
+      <p:nvGrpSpPr>
+        <p:cNvPr id="1" name=""/>
+        <p:cNvGrpSpPr/>
+        <p:nvPr/>
+      </p:nvGrpSpPr>
+      <p:grpSpPr>
+        <a:xfrm>
+          <a:off x="0" y="0"/>
+          <a:ext cx="0" cy="0"/>
+          <a:chOff x="0" y="0"/>
+          <a:chExt cx="0" cy="0"/>
+        </a:xfrm>
+      </p:grpSpPr>
+      <p:sp>
+        <p:nvSpPr>
+          <p:cNvPr id="2" name="Title 1"/>
+          <p:cNvSpPr>
+            <a:spLocks noGrp="1"/>
+          </p:cNvSpPr>
+          <p:nvPr>
+            <p:ph type="title"/>
+          </p:nvPr>
+        </p:nvSpPr>
+        <p:spPr/>
+        <p:txBody>
+          <a:bodyPr/>
+          <a:lstStyle/>
+          <a:p>
+            <a:r>
+              <a:rPr lang="en-US" dirty="0" smtClean="0"/>
+              <a:t>Factory pattern</a:t>
+            </a:r>
+            <a:endParaRPr lang="en-US" dirty="0"/>
+          </a:p>
+        </p:txBody>
+      </p:sp>
+      <p:sp>
+        <p:nvSpPr>
+          <p:cNvPr id="3" name="Content Placeholder 2"/>
+          <p:cNvSpPr>
+            <a:spLocks noGrp="1"/>
+          </p:cNvSpPr>
+          <p:nvPr>
+            <p:ph sz="quarter" idx="10"/>
+          </p:nvPr>
+        </p:nvSpPr>
+        <p:spPr/>
+        <p:txBody>
+          <a:bodyPr/>
+          <a:lstStyle/>
+          <a:p>
+            <a:r>
+              <a:rPr lang="en-US" dirty="0" smtClean="0"/>
+              <a:t>Factories create the object</a:t>
+            </a:r>
+          </a:p>
+          <a:p>
+            <a:r>
+              <a:rPr lang="en-US" dirty="0" smtClean="0"/>
+              <a:t>I don't care what the object actually is, as long as it can do what I need it to do</a:t>
+            </a:r>
+            <a:endParaRPr lang="en-US" dirty="0"/>
+          </a:p>
+        </p:txBody>
+      </p:sp>
+      <p:pic>
+        <p:nvPicPr>
+          <p:cNvPr id="4" name="Picture 3"/>
+          <p:cNvPicPr>
+            <a:picLocks noChangeAspect="1"/>
+          </p:cNvPicPr>
+          <p:nvPr/>
+        </p:nvPicPr>
+        <p:blipFill>
+          <a:blip r:embed="rId2">
+            <a:duotone>
+              <a:schemeClr val="accent1">
+                <a:shade val="45000"/>
+                <a:satMod val="135000"/>
+              </a:schemeClr>
+              <a:prstClr val="white"/>
+            </a:duotone>
+            <a:extLst>
+              <a:ext uri="{28A0092B-C50C-407E-A947-70E740481C1C}">
+                <a14:useLocalDpi xmlns:a14="http://schemas.microsoft.com/office/drawing/2010/main" val="0"/>
+              </a:ext>
+            </a:extLst>
+          </a:blip>
+          <a:stretch>
+            <a:fillRect/>
+          </a:stretch>
+        </p:blipFill>
+        <p:spPr>
+          <a:xfrm>
+            <a:off x="6390305" y="3567046"/>
+            <a:ext cx="3534930" cy="2340479"/>
+          </a:xfrm>
+          <a:prstGeom prst="rect">
+            <a:avLst/>
+          </a:prstGeom>
+        </p:spPr>
+      </p:pic>
+    </p:spTree>
+    <p:extLst>
+      <p:ext uri="{BB962C8B-B14F-4D97-AF65-F5344CB8AC3E}">
+        <p14:creationId xmlns:p14="http://schemas.microsoft.com/office/powerpoint/2010/main" val="2640134723"/>
+      </p:ext>
+    </p:extLst>
+  </p:cSld>
+  <p:clrMapOvr>
+    <a:masterClrMapping/>
+  </p:clrMapOvr>
+  <mc:AlternateContent xmlns:mc="http://schemas.openxmlformats.org/markup-compatibility/2006">
+    <mc:Choice xmlns:p14="http://schemas.microsoft.com/office/powerpoint/2010/main" Requires="p14">
+      <p:transition spd="slow" p14:dur="2000"/>
+    </mc:Choice>
+    <mc:Fallback>
+      <p:transition spd="slow"/>
+    </mc:Fallback>
+  </mc:AlternateContent>
+  <p:timing>
+    <p:tnLst>
+      <p:par>
+        <p:cTn id="1" dur="indefinite" restart="never" nodeType="tmRoot"/>
+      </p:par>
+    </p:tnLst>
+  </p:timing>
+</p:sld>
+</file>
+
+<file path=ppt/slides/slide27.xml><?xml version="1.0" encoding="utf-8"?>
+<p:sld xmlns:a="http://schemas.openxmlformats.org/drawingml/2006/main" xmlns:r="http://schemas.openxmlformats.org/officeDocument/2006/relationships" xmlns:p="http://schemas.openxmlformats.org/presentationml/2006/main">
+  <p:cSld>
+    <p:spTree>
+      <p:nvGrpSpPr>
+        <p:cNvPr id="1" name=""/>
+        <p:cNvGrpSpPr/>
+        <p:nvPr/>
+      </p:nvGrpSpPr>
+      <p:grpSpPr>
+        <a:xfrm>
+          <a:off x="0" y="0"/>
+          <a:ext cx="0" cy="0"/>
+          <a:chOff x="0" y="0"/>
+          <a:chExt cx="0" cy="0"/>
+        </a:xfrm>
+      </p:grpSpPr>
+      <p:sp>
+        <p:nvSpPr>
           <p:cNvPr id="4" name="Title 3"/>
           <p:cNvSpPr>
             <a:spLocks noGrp="1"/>
@@ -5234,7 +6569,7 @@
 </p:sld>
 </file>
 
-<file path=ppt/slides/slide23.xml><?xml version="1.0" encoding="utf-8"?>
+<file path=ppt/slides/slide28.xml><?xml version="1.0" encoding="utf-8"?>
 <p:sld xmlns:a="http://schemas.openxmlformats.org/drawingml/2006/main" xmlns:r="http://schemas.openxmlformats.org/officeDocument/2006/relationships" xmlns:p="http://schemas.openxmlformats.org/presentationml/2006/main">
   <p:cSld>
     <p:spTree>
@@ -5581,6 +6916,13 @@
   <p:clrMapOvr>
     <a:masterClrMapping/>
   </p:clrMapOvr>
+  <p:timing>
+    <p:tnLst>
+      <p:par>
+        <p:cTn id="1" dur="indefinite" restart="never" nodeType="tmRoot"/>
+      </p:par>
+    </p:tnLst>
+  </p:timing>
 </p:sld>
 </file>
 
@@ -5940,6 +7282,13 @@
   <p:clrMapOvr>
     <a:masterClrMapping/>
   </p:clrMapOvr>
+  <p:timing>
+    <p:tnLst>
+      <p:par>
+        <p:cTn id="1" dur="indefinite" restart="never" nodeType="tmRoot"/>
+      </p:par>
+    </p:tnLst>
+  </p:timing>
 </p:sld>
 </file>
 
@@ -6473,14 +7822,19 @@
             <a:pPr lvl="1"/>
             <a:r>
               <a:rPr lang="en-US" dirty="0" smtClean="0"/>
-              <a:t>How they do it, I really don't care</a:t>
-            </a:r>
+              <a:t>We don't need to know the behind the scenes details to use the object</a:t>
+            </a:r>
+            <a:endParaRPr lang="en-US" dirty="0" smtClean="0"/>
           </a:p>
           <a:p>
             <a:pPr lvl="2"/>
             <a:r>
               <a:rPr lang="en-US" dirty="0" smtClean="0"/>
-              <a:t>As long as they do it</a:t>
+              <a:t>I can drive without havin</a:t>
+            </a:r>
+            <a:r>
+              <a:rPr lang="en-US" dirty="0" smtClean="0"/>
+              <a:t>g to understand the internal combustion engine</a:t>
             </a:r>
             <a:endParaRPr lang="en-US" dirty="0"/>
           </a:p>
@@ -7320,15 +8674,6 @@
 </file>
 
 <file path=customXml/item2.xml><?xml version="1.0" encoding="utf-8"?>
-<?mso-contentType ?>
-<FormTemplates xmlns="http://schemas.microsoft.com/sharepoint/v3/contenttype/forms">
-  <Display>DocumentLibraryForm</Display>
-  <Edit>DocumentLibraryForm</Edit>
-  <New>DocumentLibraryForm</New>
-</FormTemplates>
-</file>
-
-<file path=customXml/item3.xml><?xml version="1.0" encoding="utf-8"?>
 <ct:contentTypeSchema xmlns:ct="http://schemas.microsoft.com/office/2006/metadata/contentType" xmlns:ma="http://schemas.microsoft.com/office/2006/metadata/properties/metaAttributes" ct:_="" ma:_="" ma:contentTypeName="Document" ma:contentTypeID="0x010100BD9BF63586D9884E9335F37127EABBE8" ma:contentTypeVersion="1" ma:contentTypeDescription="Create a new document." ma:contentTypeScope="" ma:versionID="b9abee3a6b7d355b9c1a31dbb76ab4bc">
   <xsd:schema xmlns:xsd="http://www.w3.org/2001/XMLSchema" xmlns:xs="http://www.w3.org/2001/XMLSchema" xmlns:p="http://schemas.microsoft.com/office/2006/metadata/properties" xmlns:ns3="e5a13ba8-98e3-4f23-a221-7ac9824aa662" targetNamespace="http://schemas.microsoft.com/office/2006/metadata/properties" ma:root="true" ma:fieldsID="9d02d2e6bc0f5948a1713c06f6c13b3b" ns3:_="">
     <xsd:import namespace="e5a13ba8-98e3-4f23-a221-7ac9824aa662"/>
@@ -7468,6 +8813,15 @@
 </ct:contentTypeSchema>
 </file>
 
+<file path=customXml/item3.xml><?xml version="1.0" encoding="utf-8"?>
+<?mso-contentType ?>
+<FormTemplates xmlns="http://schemas.microsoft.com/sharepoint/v3/contenttype/forms">
+  <Display>DocumentLibraryForm</Display>
+  <Edit>DocumentLibraryForm</Edit>
+  <New>DocumentLibraryForm</New>
+</FormTemplates>
+</file>
+
 <file path=customXml/itemProps1.xml><?xml version="1.0" encoding="utf-8"?>
 <ds:datastoreItem xmlns:ds="http://schemas.openxmlformats.org/officeDocument/2006/customXml" ds:itemID="{7025FDD9-4C58-4084-9F89-0E6ADD6FFF55}">
   <ds:schemaRefs>
@@ -7485,14 +8839,6 @@
 </file>
 
 <file path=customXml/itemProps2.xml><?xml version="1.0" encoding="utf-8"?>
-<ds:datastoreItem xmlns:ds="http://schemas.openxmlformats.org/officeDocument/2006/customXml" ds:itemID="{B0CA13EC-1D3C-4D6F-8D1C-E8A452CFC79A}">
-  <ds:schemaRefs>
-    <ds:schemaRef ds:uri="http://schemas.microsoft.com/sharepoint/v3/contenttype/forms"/>
-  </ds:schemaRefs>
-</ds:datastoreItem>
-</file>
-
-<file path=customXml/itemProps3.xml><?xml version="1.0" encoding="utf-8"?>
 <ds:datastoreItem xmlns:ds="http://schemas.openxmlformats.org/officeDocument/2006/customXml" ds:itemID="{1E1E45CC-2FEE-40FA-AA55-B597D74C6344}">
   <ds:schemaRefs>
     <ds:schemaRef ds:uri="http://schemas.microsoft.com/office/2006/metadata/contentType"/>
@@ -7508,4 +8854,12 @@
     <ds:schemaRef ds:uri="http://schemas.microsoft.com/internal/obd"/>
   </ds:schemaRefs>
 </ds:datastoreItem>
+</file>
+
+<file path=customXml/itemProps3.xml><?xml version="1.0" encoding="utf-8"?>
+<ds:datastoreItem xmlns:ds="http://schemas.openxmlformats.org/officeDocument/2006/customXml" ds:itemID="{B0CA13EC-1D3C-4D6F-8D1C-E8A452CFC79A}">
+  <ds:schemaRefs>
+    <ds:schemaRef ds:uri="http://schemas.microsoft.com/sharepoint/v3/contenttype/forms"/>
+  </ds:schemaRefs>
+</ds:datastoreItem>
 </file>
--- a/Slides/Module 2 - Object Oriented Programming.pptx
+++ b/Slides/Module 2 - Object Oriented Programming.pptx
@@ -5,10 +5,10 @@
     <p:sldMasterId id="2147483660" r:id="rId4"/>
   </p:sldMasterIdLst>
   <p:notesMasterIdLst>
-    <p:notesMasterId r:id="rId33"/>
+    <p:notesMasterId r:id="rId34"/>
   </p:notesMasterIdLst>
   <p:handoutMasterIdLst>
-    <p:handoutMasterId r:id="rId34"/>
+    <p:handoutMasterId r:id="rId35"/>
   </p:handoutMasterIdLst>
   <p:sldIdLst>
     <p:sldId id="277" r:id="rId5"/>
@@ -28,17 +28,18 @@
     <p:sldId id="299" r:id="rId19"/>
     <p:sldId id="298" r:id="rId20"/>
     <p:sldId id="311" r:id="rId21"/>
-    <p:sldId id="300" r:id="rId22"/>
-    <p:sldId id="301" r:id="rId23"/>
-    <p:sldId id="302" r:id="rId24"/>
-    <p:sldId id="303" r:id="rId25"/>
-    <p:sldId id="304" r:id="rId26"/>
-    <p:sldId id="305" r:id="rId27"/>
-    <p:sldId id="307" r:id="rId28"/>
-    <p:sldId id="308" r:id="rId29"/>
-    <p:sldId id="309" r:id="rId30"/>
-    <p:sldId id="306" r:id="rId31"/>
-    <p:sldId id="285" r:id="rId32"/>
+    <p:sldId id="312" r:id="rId22"/>
+    <p:sldId id="300" r:id="rId23"/>
+    <p:sldId id="301" r:id="rId24"/>
+    <p:sldId id="302" r:id="rId25"/>
+    <p:sldId id="303" r:id="rId26"/>
+    <p:sldId id="304" r:id="rId27"/>
+    <p:sldId id="305" r:id="rId28"/>
+    <p:sldId id="307" r:id="rId29"/>
+    <p:sldId id="308" r:id="rId30"/>
+    <p:sldId id="309" r:id="rId31"/>
+    <p:sldId id="306" r:id="rId32"/>
+    <p:sldId id="285" r:id="rId33"/>
   </p:sldIdLst>
   <p:sldSz cx="12192000" cy="6858000"/>
   <p:notesSz cx="6858000" cy="9144000"/>
@@ -242,7 +243,7 @@
           <a:p>
             <a:fld id="{312E7B4A-039C-48A2-9B2C-AF16AA3873D8}" type="datetimeFigureOut">
               <a:rPr lang="en-US" smtClean="0"/>
-              <a:t>2/20/2015</a:t>
+              <a:t>2/25/2015</a:t>
             </a:fld>
             <a:endParaRPr lang="en-US"/>
           </a:p>
@@ -407,7 +408,7 @@
           <a:p>
             <a:fld id="{DA005A0C-54D9-45AA-87D4-C551D08DFCE1}" type="datetimeFigureOut">
               <a:rPr lang="en-US" smtClean="0"/>
-              <a:t>2/20/2015</a:t>
+              <a:t>2/25/2015</a:t>
             </a:fld>
             <a:endParaRPr lang="en-US"/>
           </a:p>
@@ -756,6 +757,1035 @@
     <p:extLst>
       <p:ext uri="{BB962C8B-B14F-4D97-AF65-F5344CB8AC3E}">
         <p14:creationId xmlns:p14="http://schemas.microsoft.com/office/powerpoint/2010/main" val="1088711496"/>
+      </p:ext>
+    </p:extLst>
+  </p:cSld>
+  <p:clrMapOvr>
+    <a:masterClrMapping/>
+  </p:clrMapOvr>
+</p:notes>
+</file>
+
+<file path=ppt/notesSlides/notesSlide2.xml><?xml version="1.0" encoding="utf-8"?>
+<p:notes xmlns:a="http://schemas.openxmlformats.org/drawingml/2006/main" xmlns:r="http://schemas.openxmlformats.org/officeDocument/2006/relationships" xmlns:p="http://schemas.openxmlformats.org/presentationml/2006/main">
+  <p:cSld>
+    <p:spTree>
+      <p:nvGrpSpPr>
+        <p:cNvPr id="1" name=""/>
+        <p:cNvGrpSpPr/>
+        <p:nvPr/>
+      </p:nvGrpSpPr>
+      <p:grpSpPr>
+        <a:xfrm>
+          <a:off x="0" y="0"/>
+          <a:ext cx="0" cy="0"/>
+          <a:chOff x="0" y="0"/>
+          <a:chExt cx="0" cy="0"/>
+        </a:xfrm>
+      </p:grpSpPr>
+      <p:sp>
+        <p:nvSpPr>
+          <p:cNvPr id="2" name="Slide Image Placeholder 1"/>
+          <p:cNvSpPr>
+            <a:spLocks noGrp="1" noRot="1" noChangeAspect="1"/>
+          </p:cNvSpPr>
+          <p:nvPr>
+            <p:ph type="sldImg"/>
+          </p:nvPr>
+        </p:nvSpPr>
+        <p:spPr/>
+      </p:sp>
+      <p:sp>
+        <p:nvSpPr>
+          <p:cNvPr id="3" name="Notes Placeholder 2"/>
+          <p:cNvSpPr>
+            <a:spLocks noGrp="1"/>
+          </p:cNvSpPr>
+          <p:nvPr>
+            <p:ph type="body" idx="1"/>
+          </p:nvPr>
+        </p:nvSpPr>
+        <p:spPr/>
+        <p:txBody>
+          <a:bodyPr/>
+          <a:lstStyle/>
+          <a:p>
+            <a:r>
+              <a:rPr lang="en-US" b="1" dirty="0" smtClean="0"/>
+              <a:t>Add a new package named models. Leave __init__.py empty</a:t>
+            </a:r>
+            <a:r>
+              <a:rPr lang="en-US" b="1" baseline="0" dirty="0" smtClean="0"/>
+              <a:t> as there's nothing to initialize.</a:t>
+            </a:r>
+          </a:p>
+          <a:p>
+            <a:r>
+              <a:rPr lang="en-US" b="1" baseline="0" dirty="0" smtClean="0"/>
+              <a:t>Add a new Python class named redisclient.py</a:t>
+            </a:r>
+          </a:p>
+          <a:p>
+            <a:r>
+              <a:rPr lang="en-US" b="1" baseline="0" dirty="0" smtClean="0"/>
+              <a:t>Add the following code:</a:t>
+            </a:r>
+          </a:p>
+          <a:p>
+            <a:endParaRPr lang="en-US" baseline="0" dirty="0" smtClean="0"/>
+          </a:p>
+          <a:p>
+            <a:r>
+              <a:rPr lang="en-US" sz="1200" kern="1200" dirty="0" smtClean="0">
+                <a:solidFill>
+                  <a:schemeClr val="tx1"/>
+                </a:solidFill>
+                <a:latin typeface="Consolas" panose="020B0609020204030204" pitchFamily="49" charset="0"/>
+                <a:ea typeface="+mn-ea"/>
+                <a:cs typeface="Consolas" panose="020B0609020204030204" pitchFamily="49" charset="0"/>
+              </a:rPr>
+              <a:t>import </a:t>
+            </a:r>
+            <a:r>
+              <a:rPr lang="en-US" sz="1200" kern="1200" dirty="0" err="1" smtClean="0">
+                <a:solidFill>
+                  <a:schemeClr val="tx1"/>
+                </a:solidFill>
+                <a:latin typeface="Consolas" panose="020B0609020204030204" pitchFamily="49" charset="0"/>
+                <a:ea typeface="+mn-ea"/>
+                <a:cs typeface="Consolas" panose="020B0609020204030204" pitchFamily="49" charset="0"/>
+              </a:rPr>
+              <a:t>redis</a:t>
+            </a:r>
+            <a:r>
+              <a:rPr lang="en-US" sz="1200" kern="1200" dirty="0" smtClean="0">
+                <a:solidFill>
+                  <a:schemeClr val="tx1"/>
+                </a:solidFill>
+                <a:latin typeface="Consolas" panose="020B0609020204030204" pitchFamily="49" charset="0"/>
+                <a:ea typeface="+mn-ea"/>
+                <a:cs typeface="Consolas" panose="020B0609020204030204" pitchFamily="49" charset="0"/>
+              </a:rPr>
+              <a:t>;</a:t>
+            </a:r>
+          </a:p>
+          <a:p>
+            <a:endParaRPr lang="en-US" sz="1200" kern="1200" dirty="0" smtClean="0">
+              <a:solidFill>
+                <a:schemeClr val="tx1"/>
+              </a:solidFill>
+              <a:latin typeface="Consolas" panose="020B0609020204030204" pitchFamily="49" charset="0"/>
+              <a:ea typeface="+mn-ea"/>
+              <a:cs typeface="Consolas" panose="020B0609020204030204" pitchFamily="49" charset="0"/>
+            </a:endParaRPr>
+          </a:p>
+          <a:p>
+            <a:r>
+              <a:rPr lang="en-US" sz="1200" kern="1200" dirty="0" smtClean="0">
+                <a:solidFill>
+                  <a:schemeClr val="tx1"/>
+                </a:solidFill>
+                <a:latin typeface="Consolas" panose="020B0609020204030204" pitchFamily="49" charset="0"/>
+                <a:ea typeface="+mn-ea"/>
+                <a:cs typeface="Consolas" panose="020B0609020204030204" pitchFamily="49" charset="0"/>
+              </a:rPr>
+              <a:t>class </a:t>
+            </a:r>
+            <a:r>
+              <a:rPr lang="en-US" sz="1200" kern="1200" dirty="0" err="1" smtClean="0">
+                <a:solidFill>
+                  <a:schemeClr val="tx1"/>
+                </a:solidFill>
+                <a:latin typeface="Consolas" panose="020B0609020204030204" pitchFamily="49" charset="0"/>
+                <a:ea typeface="+mn-ea"/>
+                <a:cs typeface="Consolas" panose="020B0609020204030204" pitchFamily="49" charset="0"/>
+              </a:rPr>
+              <a:t>RedisClient</a:t>
+            </a:r>
+            <a:r>
+              <a:rPr lang="en-US" sz="1200" kern="1200" dirty="0" smtClean="0">
+                <a:solidFill>
+                  <a:schemeClr val="tx1"/>
+                </a:solidFill>
+                <a:latin typeface="Consolas" panose="020B0609020204030204" pitchFamily="49" charset="0"/>
+                <a:ea typeface="+mn-ea"/>
+                <a:cs typeface="Consolas" panose="020B0609020204030204" pitchFamily="49" charset="0"/>
+              </a:rPr>
+              <a:t>(object):</a:t>
+            </a:r>
+          </a:p>
+          <a:p>
+            <a:r>
+              <a:rPr lang="en-US" sz="1200" kern="1200" dirty="0" smtClean="0">
+                <a:solidFill>
+                  <a:schemeClr val="tx1"/>
+                </a:solidFill>
+                <a:latin typeface="Consolas" panose="020B0609020204030204" pitchFamily="49" charset="0"/>
+                <a:ea typeface="+mn-ea"/>
+                <a:cs typeface="Consolas" panose="020B0609020204030204" pitchFamily="49" charset="0"/>
+              </a:rPr>
+              <a:t>    r = </a:t>
+            </a:r>
+            <a:r>
+              <a:rPr lang="en-US" sz="1200" kern="1200" dirty="0" err="1" smtClean="0">
+                <a:solidFill>
+                  <a:schemeClr val="tx1"/>
+                </a:solidFill>
+                <a:latin typeface="Consolas" panose="020B0609020204030204" pitchFamily="49" charset="0"/>
+                <a:ea typeface="+mn-ea"/>
+                <a:cs typeface="Consolas" panose="020B0609020204030204" pitchFamily="49" charset="0"/>
+              </a:rPr>
+              <a:t>redis.StrictRedis</a:t>
+            </a:r>
+            <a:r>
+              <a:rPr lang="en-US" sz="1200" kern="1200" dirty="0" smtClean="0">
+                <a:solidFill>
+                  <a:schemeClr val="tx1"/>
+                </a:solidFill>
+                <a:latin typeface="Consolas" panose="020B0609020204030204" pitchFamily="49" charset="0"/>
+                <a:ea typeface="+mn-ea"/>
+                <a:cs typeface="Consolas" panose="020B0609020204030204" pitchFamily="49" charset="0"/>
+              </a:rPr>
+              <a:t>(host='</a:t>
+            </a:r>
+            <a:r>
+              <a:rPr lang="en-US" sz="1200" kern="1200" dirty="0" err="1" smtClean="0">
+                <a:solidFill>
+                  <a:schemeClr val="tx1"/>
+                </a:solidFill>
+                <a:latin typeface="Consolas" panose="020B0609020204030204" pitchFamily="49" charset="0"/>
+                <a:ea typeface="+mn-ea"/>
+                <a:cs typeface="Consolas" panose="020B0609020204030204" pitchFamily="49" charset="0"/>
+              </a:rPr>
+              <a:t>flaskmva.redis.cache.windows.net',port</a:t>
+            </a:r>
+            <a:r>
+              <a:rPr lang="en-US" sz="1200" kern="1200" dirty="0" smtClean="0">
+                <a:solidFill>
+                  <a:schemeClr val="tx1"/>
+                </a:solidFill>
+                <a:latin typeface="Consolas" panose="020B0609020204030204" pitchFamily="49" charset="0"/>
+                <a:ea typeface="+mn-ea"/>
+                <a:cs typeface="Consolas" panose="020B0609020204030204" pitchFamily="49" charset="0"/>
+              </a:rPr>
+              <a:t>=6380,ssl=</a:t>
+            </a:r>
+            <a:r>
+              <a:rPr lang="en-US" sz="1200" kern="1200" dirty="0" err="1" smtClean="0">
+                <a:solidFill>
+                  <a:schemeClr val="tx1"/>
+                </a:solidFill>
+                <a:latin typeface="Consolas" panose="020B0609020204030204" pitchFamily="49" charset="0"/>
+                <a:ea typeface="+mn-ea"/>
+                <a:cs typeface="Consolas" panose="020B0609020204030204" pitchFamily="49" charset="0"/>
+              </a:rPr>
+              <a:t>True,db</a:t>
+            </a:r>
+            <a:r>
+              <a:rPr lang="en-US" sz="1200" kern="1200" dirty="0" smtClean="0">
+                <a:solidFill>
+                  <a:schemeClr val="tx1"/>
+                </a:solidFill>
+                <a:latin typeface="Consolas" panose="020B0609020204030204" pitchFamily="49" charset="0"/>
+                <a:ea typeface="+mn-ea"/>
+                <a:cs typeface="Consolas" panose="020B0609020204030204" pitchFamily="49" charset="0"/>
+              </a:rPr>
+              <a:t>=0, charset="utf-8", </a:t>
+            </a:r>
+            <a:r>
+              <a:rPr lang="en-US" sz="1200" kern="1200" dirty="0" err="1" smtClean="0">
+                <a:solidFill>
+                  <a:schemeClr val="tx1"/>
+                </a:solidFill>
+                <a:latin typeface="Consolas" panose="020B0609020204030204" pitchFamily="49" charset="0"/>
+                <a:ea typeface="+mn-ea"/>
+                <a:cs typeface="Consolas" panose="020B0609020204030204" pitchFamily="49" charset="0"/>
+              </a:rPr>
+              <a:t>decode_responses</a:t>
+            </a:r>
+            <a:r>
+              <a:rPr lang="en-US" sz="1200" kern="1200" dirty="0" smtClean="0">
+                <a:solidFill>
+                  <a:schemeClr val="tx1"/>
+                </a:solidFill>
+                <a:latin typeface="Consolas" panose="020B0609020204030204" pitchFamily="49" charset="0"/>
+                <a:ea typeface="+mn-ea"/>
+                <a:cs typeface="Consolas" panose="020B0609020204030204" pitchFamily="49" charset="0"/>
+              </a:rPr>
+              <a:t>=True, password='kxmLxHPfw5Xx8piaTlyv5VrPBBkKMoNTG6TNta+Pd5I=');</a:t>
+            </a:r>
+          </a:p>
+          <a:p>
+            <a:endParaRPr lang="en-US" sz="1200" kern="1200" dirty="0" smtClean="0">
+              <a:solidFill>
+                <a:schemeClr val="tx1"/>
+              </a:solidFill>
+              <a:latin typeface="Consolas" panose="020B0609020204030204" pitchFamily="49" charset="0"/>
+              <a:ea typeface="+mn-ea"/>
+              <a:cs typeface="Consolas" panose="020B0609020204030204" pitchFamily="49" charset="0"/>
+            </a:endParaRPr>
+          </a:p>
+          <a:p>
+            <a:r>
+              <a:rPr lang="en-US" sz="1200" kern="1200" dirty="0" smtClean="0">
+                <a:solidFill>
+                  <a:schemeClr val="tx1"/>
+                </a:solidFill>
+                <a:latin typeface="Consolas" panose="020B0609020204030204" pitchFamily="49" charset="0"/>
+                <a:ea typeface="+mn-ea"/>
+                <a:cs typeface="Consolas" panose="020B0609020204030204" pitchFamily="49" charset="0"/>
+              </a:rPr>
+              <a:t>    </a:t>
+            </a:r>
+            <a:r>
+              <a:rPr lang="en-US" sz="1200" kern="1200" dirty="0" err="1" smtClean="0">
+                <a:solidFill>
+                  <a:schemeClr val="tx1"/>
+                </a:solidFill>
+                <a:latin typeface="Consolas" panose="020B0609020204030204" pitchFamily="49" charset="0"/>
+                <a:ea typeface="+mn-ea"/>
+                <a:cs typeface="Consolas" panose="020B0609020204030204" pitchFamily="49" charset="0"/>
+              </a:rPr>
+              <a:t>def</a:t>
+            </a:r>
+            <a:r>
+              <a:rPr lang="en-US" sz="1200" kern="1200" dirty="0" smtClean="0">
+                <a:solidFill>
+                  <a:schemeClr val="tx1"/>
+                </a:solidFill>
+                <a:latin typeface="Consolas" panose="020B0609020204030204" pitchFamily="49" charset="0"/>
+                <a:ea typeface="+mn-ea"/>
+                <a:cs typeface="Consolas" panose="020B0609020204030204" pitchFamily="49" charset="0"/>
+              </a:rPr>
+              <a:t> __</a:t>
+            </a:r>
+            <a:r>
+              <a:rPr lang="en-US" sz="1200" kern="1200" dirty="0" err="1" smtClean="0">
+                <a:solidFill>
+                  <a:schemeClr val="tx1"/>
+                </a:solidFill>
+                <a:latin typeface="Consolas" panose="020B0609020204030204" pitchFamily="49" charset="0"/>
+                <a:ea typeface="+mn-ea"/>
+                <a:cs typeface="Consolas" panose="020B0609020204030204" pitchFamily="49" charset="0"/>
+              </a:rPr>
+              <a:t>init</a:t>
+            </a:r>
+            <a:r>
+              <a:rPr lang="en-US" sz="1200" kern="1200" dirty="0" smtClean="0">
+                <a:solidFill>
+                  <a:schemeClr val="tx1"/>
+                </a:solidFill>
+                <a:latin typeface="Consolas" panose="020B0609020204030204" pitchFamily="49" charset="0"/>
+                <a:ea typeface="+mn-ea"/>
+                <a:cs typeface="Consolas" panose="020B0609020204030204" pitchFamily="49" charset="0"/>
+              </a:rPr>
+              <a:t>__(self):</a:t>
+            </a:r>
+          </a:p>
+          <a:p>
+            <a:r>
+              <a:rPr lang="en-US" sz="1200" kern="1200" dirty="0" smtClean="0">
+                <a:solidFill>
+                  <a:schemeClr val="tx1"/>
+                </a:solidFill>
+                <a:latin typeface="Consolas" panose="020B0609020204030204" pitchFamily="49" charset="0"/>
+                <a:ea typeface="+mn-ea"/>
+                <a:cs typeface="Consolas" panose="020B0609020204030204" pitchFamily="49" charset="0"/>
+              </a:rPr>
+              <a:t>        # Nothing to initialize</a:t>
+            </a:r>
+          </a:p>
+          <a:p>
+            <a:r>
+              <a:rPr lang="en-US" sz="1200" kern="1200" dirty="0" smtClean="0">
+                <a:solidFill>
+                  <a:schemeClr val="tx1"/>
+                </a:solidFill>
+                <a:latin typeface="Consolas" panose="020B0609020204030204" pitchFamily="49" charset="0"/>
+                <a:ea typeface="+mn-ea"/>
+                <a:cs typeface="Consolas" panose="020B0609020204030204" pitchFamily="49" charset="0"/>
+              </a:rPr>
+              <a:t>        return;</a:t>
+            </a:r>
+          </a:p>
+          <a:p>
+            <a:endParaRPr lang="en-US" sz="1200" kern="1200" dirty="0" smtClean="0">
+              <a:solidFill>
+                <a:schemeClr val="tx1"/>
+              </a:solidFill>
+              <a:latin typeface="Consolas" panose="020B0609020204030204" pitchFamily="49" charset="0"/>
+              <a:ea typeface="+mn-ea"/>
+              <a:cs typeface="Consolas" panose="020B0609020204030204" pitchFamily="49" charset="0"/>
+            </a:endParaRPr>
+          </a:p>
+          <a:p>
+            <a:r>
+              <a:rPr lang="en-US" sz="1200" kern="1200" dirty="0" smtClean="0">
+                <a:solidFill>
+                  <a:schemeClr val="tx1"/>
+                </a:solidFill>
+                <a:latin typeface="Consolas" panose="020B0609020204030204" pitchFamily="49" charset="0"/>
+                <a:ea typeface="+mn-ea"/>
+                <a:cs typeface="Consolas" panose="020B0609020204030204" pitchFamily="49" charset="0"/>
+              </a:rPr>
+              <a:t>    </a:t>
+            </a:r>
+            <a:r>
+              <a:rPr lang="en-US" sz="1200" kern="1200" dirty="0" err="1" smtClean="0">
+                <a:solidFill>
+                  <a:schemeClr val="tx1"/>
+                </a:solidFill>
+                <a:latin typeface="Consolas" panose="020B0609020204030204" pitchFamily="49" charset="0"/>
+                <a:ea typeface="+mn-ea"/>
+                <a:cs typeface="Consolas" panose="020B0609020204030204" pitchFamily="49" charset="0"/>
+              </a:rPr>
+              <a:t>def</a:t>
+            </a:r>
+            <a:r>
+              <a:rPr lang="en-US" sz="1200" kern="1200" dirty="0" smtClean="0">
+                <a:solidFill>
+                  <a:schemeClr val="tx1"/>
+                </a:solidFill>
+                <a:latin typeface="Consolas" panose="020B0609020204030204" pitchFamily="49" charset="0"/>
+                <a:ea typeface="+mn-ea"/>
+                <a:cs typeface="Consolas" panose="020B0609020204030204" pitchFamily="49" charset="0"/>
+              </a:rPr>
+              <a:t> </a:t>
+            </a:r>
+            <a:r>
+              <a:rPr lang="en-US" sz="1200" kern="1200" dirty="0" err="1" smtClean="0">
+                <a:solidFill>
+                  <a:schemeClr val="tx1"/>
+                </a:solidFill>
+                <a:latin typeface="Consolas" panose="020B0609020204030204" pitchFamily="49" charset="0"/>
+                <a:ea typeface="+mn-ea"/>
+                <a:cs typeface="Consolas" panose="020B0609020204030204" pitchFamily="49" charset="0"/>
+              </a:rPr>
+              <a:t>saveQuestion</a:t>
+            </a:r>
+            <a:r>
+              <a:rPr lang="en-US" sz="1200" kern="1200" dirty="0" smtClean="0">
+                <a:solidFill>
+                  <a:schemeClr val="tx1"/>
+                </a:solidFill>
+                <a:latin typeface="Consolas" panose="020B0609020204030204" pitchFamily="49" charset="0"/>
+                <a:ea typeface="+mn-ea"/>
+                <a:cs typeface="Consolas" panose="020B0609020204030204" pitchFamily="49" charset="0"/>
+              </a:rPr>
+              <a:t>(self, title, question, answer):</a:t>
+            </a:r>
+          </a:p>
+          <a:p>
+            <a:r>
+              <a:rPr lang="en-US" sz="1200" kern="1200" dirty="0" smtClean="0">
+                <a:solidFill>
+                  <a:schemeClr val="tx1"/>
+                </a:solidFill>
+                <a:latin typeface="Consolas" panose="020B0609020204030204" pitchFamily="49" charset="0"/>
+                <a:ea typeface="+mn-ea"/>
+                <a:cs typeface="Consolas" panose="020B0609020204030204" pitchFamily="49" charset="0"/>
+              </a:rPr>
+              <a:t>        </a:t>
+            </a:r>
+            <a:r>
+              <a:rPr lang="en-US" sz="1200" kern="1200" dirty="0" err="1" smtClean="0">
+                <a:solidFill>
+                  <a:schemeClr val="tx1"/>
+                </a:solidFill>
+                <a:latin typeface="Consolas" panose="020B0609020204030204" pitchFamily="49" charset="0"/>
+                <a:ea typeface="+mn-ea"/>
+                <a:cs typeface="Consolas" panose="020B0609020204030204" pitchFamily="49" charset="0"/>
+              </a:rPr>
+              <a:t>r.set</a:t>
+            </a:r>
+            <a:r>
+              <a:rPr lang="en-US" sz="1200" kern="1200" dirty="0" smtClean="0">
+                <a:solidFill>
+                  <a:schemeClr val="tx1"/>
+                </a:solidFill>
+                <a:latin typeface="Consolas" panose="020B0609020204030204" pitchFamily="49" charset="0"/>
+                <a:ea typeface="+mn-ea"/>
+                <a:cs typeface="Consolas" panose="020B0609020204030204" pitchFamily="49" charset="0"/>
+              </a:rPr>
+              <a:t>(title +':question', question);</a:t>
+            </a:r>
+          </a:p>
+          <a:p>
+            <a:r>
+              <a:rPr lang="en-US" sz="1200" kern="1200" dirty="0" smtClean="0">
+                <a:solidFill>
+                  <a:schemeClr val="tx1"/>
+                </a:solidFill>
+                <a:latin typeface="Consolas" panose="020B0609020204030204" pitchFamily="49" charset="0"/>
+                <a:ea typeface="+mn-ea"/>
+                <a:cs typeface="Consolas" panose="020B0609020204030204" pitchFamily="49" charset="0"/>
+              </a:rPr>
+              <a:t>        </a:t>
+            </a:r>
+            <a:r>
+              <a:rPr lang="en-US" sz="1200" kern="1200" dirty="0" err="1" smtClean="0">
+                <a:solidFill>
+                  <a:schemeClr val="tx1"/>
+                </a:solidFill>
+                <a:latin typeface="Consolas" panose="020B0609020204030204" pitchFamily="49" charset="0"/>
+                <a:ea typeface="+mn-ea"/>
+                <a:cs typeface="Consolas" panose="020B0609020204030204" pitchFamily="49" charset="0"/>
+              </a:rPr>
+              <a:t>r.set</a:t>
+            </a:r>
+            <a:r>
+              <a:rPr lang="en-US" sz="1200" kern="1200" dirty="0" smtClean="0">
+                <a:solidFill>
+                  <a:schemeClr val="tx1"/>
+                </a:solidFill>
+                <a:latin typeface="Consolas" panose="020B0609020204030204" pitchFamily="49" charset="0"/>
+                <a:ea typeface="+mn-ea"/>
+                <a:cs typeface="Consolas" panose="020B0609020204030204" pitchFamily="49" charset="0"/>
+              </a:rPr>
+              <a:t>(title +':</a:t>
+            </a:r>
+            <a:r>
+              <a:rPr lang="en-US" sz="1200" kern="1200" dirty="0" err="1" smtClean="0">
+                <a:solidFill>
+                  <a:schemeClr val="tx1"/>
+                </a:solidFill>
+                <a:latin typeface="Consolas" panose="020B0609020204030204" pitchFamily="49" charset="0"/>
+                <a:ea typeface="+mn-ea"/>
+                <a:cs typeface="Consolas" panose="020B0609020204030204" pitchFamily="49" charset="0"/>
+              </a:rPr>
+              <a:t>answer',answer</a:t>
+            </a:r>
+            <a:r>
+              <a:rPr lang="en-US" sz="1200" kern="1200" dirty="0" smtClean="0">
+                <a:solidFill>
+                  <a:schemeClr val="tx1"/>
+                </a:solidFill>
+                <a:latin typeface="Consolas" panose="020B0609020204030204" pitchFamily="49" charset="0"/>
+                <a:ea typeface="+mn-ea"/>
+                <a:cs typeface="Consolas" panose="020B0609020204030204" pitchFamily="49" charset="0"/>
+              </a:rPr>
+              <a:t>);</a:t>
+            </a:r>
+          </a:p>
+          <a:p>
+            <a:r>
+              <a:rPr lang="en-US" sz="1200" kern="1200" dirty="0" smtClean="0">
+                <a:solidFill>
+                  <a:schemeClr val="tx1"/>
+                </a:solidFill>
+                <a:latin typeface="Consolas" panose="020B0609020204030204" pitchFamily="49" charset="0"/>
+                <a:ea typeface="+mn-ea"/>
+                <a:cs typeface="Consolas" panose="020B0609020204030204" pitchFamily="49" charset="0"/>
+              </a:rPr>
+              <a:t>        return;</a:t>
+            </a:r>
+          </a:p>
+          <a:p>
+            <a:endParaRPr lang="en-US" sz="1200" kern="1200" dirty="0" smtClean="0">
+              <a:solidFill>
+                <a:schemeClr val="tx1"/>
+              </a:solidFill>
+              <a:latin typeface="Consolas" panose="020B0609020204030204" pitchFamily="49" charset="0"/>
+              <a:ea typeface="+mn-ea"/>
+              <a:cs typeface="Consolas" panose="020B0609020204030204" pitchFamily="49" charset="0"/>
+            </a:endParaRPr>
+          </a:p>
+          <a:p>
+            <a:r>
+              <a:rPr lang="en-US" sz="1200" kern="1200" dirty="0" smtClean="0">
+                <a:solidFill>
+                  <a:schemeClr val="tx1"/>
+                </a:solidFill>
+                <a:latin typeface="Consolas" panose="020B0609020204030204" pitchFamily="49" charset="0"/>
+                <a:ea typeface="+mn-ea"/>
+                <a:cs typeface="Consolas" panose="020B0609020204030204" pitchFamily="49" charset="0"/>
+              </a:rPr>
+              <a:t>    </a:t>
+            </a:r>
+            <a:r>
+              <a:rPr lang="en-US" sz="1200" kern="1200" dirty="0" err="1" smtClean="0">
+                <a:solidFill>
+                  <a:schemeClr val="tx1"/>
+                </a:solidFill>
+                <a:latin typeface="Consolas" panose="020B0609020204030204" pitchFamily="49" charset="0"/>
+                <a:ea typeface="+mn-ea"/>
+                <a:cs typeface="Consolas" panose="020B0609020204030204" pitchFamily="49" charset="0"/>
+              </a:rPr>
+              <a:t>def</a:t>
+            </a:r>
+            <a:r>
+              <a:rPr lang="en-US" sz="1200" kern="1200" dirty="0" smtClean="0">
+                <a:solidFill>
+                  <a:schemeClr val="tx1"/>
+                </a:solidFill>
+                <a:latin typeface="Consolas" panose="020B0609020204030204" pitchFamily="49" charset="0"/>
+                <a:ea typeface="+mn-ea"/>
+                <a:cs typeface="Consolas" panose="020B0609020204030204" pitchFamily="49" charset="0"/>
+              </a:rPr>
+              <a:t> </a:t>
+            </a:r>
+            <a:r>
+              <a:rPr lang="en-US" sz="1200" kern="1200" dirty="0" err="1" smtClean="0">
+                <a:solidFill>
+                  <a:schemeClr val="tx1"/>
+                </a:solidFill>
+                <a:latin typeface="Consolas" panose="020B0609020204030204" pitchFamily="49" charset="0"/>
+                <a:ea typeface="+mn-ea"/>
+                <a:cs typeface="Consolas" panose="020B0609020204030204" pitchFamily="49" charset="0"/>
+              </a:rPr>
+              <a:t>getQuestion</a:t>
+            </a:r>
+            <a:r>
+              <a:rPr lang="en-US" sz="1200" kern="1200" dirty="0" smtClean="0">
+                <a:solidFill>
+                  <a:schemeClr val="tx1"/>
+                </a:solidFill>
+                <a:latin typeface="Consolas" panose="020B0609020204030204" pitchFamily="49" charset="0"/>
+                <a:ea typeface="+mn-ea"/>
+                <a:cs typeface="Consolas" panose="020B0609020204030204" pitchFamily="49" charset="0"/>
+              </a:rPr>
+              <a:t>(self, title):</a:t>
+            </a:r>
+          </a:p>
+          <a:p>
+            <a:r>
+              <a:rPr lang="en-US" sz="1200" kern="1200" dirty="0" smtClean="0">
+                <a:solidFill>
+                  <a:schemeClr val="tx1"/>
+                </a:solidFill>
+                <a:latin typeface="Consolas" panose="020B0609020204030204" pitchFamily="49" charset="0"/>
+                <a:ea typeface="+mn-ea"/>
+                <a:cs typeface="Consolas" panose="020B0609020204030204" pitchFamily="49" charset="0"/>
+              </a:rPr>
+              <a:t>        return </a:t>
+            </a:r>
+            <a:r>
+              <a:rPr lang="en-US" sz="1200" kern="1200" dirty="0" err="1" smtClean="0">
+                <a:solidFill>
+                  <a:schemeClr val="tx1"/>
+                </a:solidFill>
+                <a:latin typeface="Consolas" panose="020B0609020204030204" pitchFamily="49" charset="0"/>
+                <a:ea typeface="+mn-ea"/>
+                <a:cs typeface="Consolas" panose="020B0609020204030204" pitchFamily="49" charset="0"/>
+              </a:rPr>
+              <a:t>r.get</a:t>
+            </a:r>
+            <a:r>
+              <a:rPr lang="en-US" sz="1200" kern="1200" dirty="0" smtClean="0">
+                <a:solidFill>
+                  <a:schemeClr val="tx1"/>
+                </a:solidFill>
+                <a:latin typeface="Consolas" panose="020B0609020204030204" pitchFamily="49" charset="0"/>
+                <a:ea typeface="+mn-ea"/>
+                <a:cs typeface="Consolas" panose="020B0609020204030204" pitchFamily="49" charset="0"/>
+              </a:rPr>
+              <a:t>(title + ':question');</a:t>
+            </a:r>
+          </a:p>
+          <a:p>
+            <a:endParaRPr lang="en-US" sz="1200" kern="1200" dirty="0" smtClean="0">
+              <a:solidFill>
+                <a:schemeClr val="tx1"/>
+              </a:solidFill>
+              <a:latin typeface="Consolas" panose="020B0609020204030204" pitchFamily="49" charset="0"/>
+              <a:ea typeface="+mn-ea"/>
+              <a:cs typeface="Consolas" panose="020B0609020204030204" pitchFamily="49" charset="0"/>
+            </a:endParaRPr>
+          </a:p>
+          <a:p>
+            <a:r>
+              <a:rPr lang="en-US" sz="1200" kern="1200" dirty="0" smtClean="0">
+                <a:solidFill>
+                  <a:schemeClr val="tx1"/>
+                </a:solidFill>
+                <a:latin typeface="Consolas" panose="020B0609020204030204" pitchFamily="49" charset="0"/>
+                <a:ea typeface="+mn-ea"/>
+                <a:cs typeface="Consolas" panose="020B0609020204030204" pitchFamily="49" charset="0"/>
+              </a:rPr>
+              <a:t>    </a:t>
+            </a:r>
+            <a:r>
+              <a:rPr lang="en-US" sz="1200" kern="1200" dirty="0" err="1" smtClean="0">
+                <a:solidFill>
+                  <a:schemeClr val="tx1"/>
+                </a:solidFill>
+                <a:latin typeface="Consolas" panose="020B0609020204030204" pitchFamily="49" charset="0"/>
+                <a:ea typeface="+mn-ea"/>
+                <a:cs typeface="Consolas" panose="020B0609020204030204" pitchFamily="49" charset="0"/>
+              </a:rPr>
+              <a:t>def</a:t>
+            </a:r>
+            <a:r>
+              <a:rPr lang="en-US" sz="1200" kern="1200" dirty="0" smtClean="0">
+                <a:solidFill>
+                  <a:schemeClr val="tx1"/>
+                </a:solidFill>
+                <a:latin typeface="Consolas" panose="020B0609020204030204" pitchFamily="49" charset="0"/>
+                <a:ea typeface="+mn-ea"/>
+                <a:cs typeface="Consolas" panose="020B0609020204030204" pitchFamily="49" charset="0"/>
+              </a:rPr>
+              <a:t> </a:t>
+            </a:r>
+            <a:r>
+              <a:rPr lang="en-US" sz="1200" kern="1200" dirty="0" err="1" smtClean="0">
+                <a:solidFill>
+                  <a:schemeClr val="tx1"/>
+                </a:solidFill>
+                <a:latin typeface="Consolas" panose="020B0609020204030204" pitchFamily="49" charset="0"/>
+                <a:ea typeface="+mn-ea"/>
+                <a:cs typeface="Consolas" panose="020B0609020204030204" pitchFamily="49" charset="0"/>
+              </a:rPr>
+              <a:t>getAnswer</a:t>
+            </a:r>
+            <a:r>
+              <a:rPr lang="en-US" sz="1200" kern="1200" dirty="0" smtClean="0">
+                <a:solidFill>
+                  <a:schemeClr val="tx1"/>
+                </a:solidFill>
+                <a:latin typeface="Consolas" panose="020B0609020204030204" pitchFamily="49" charset="0"/>
+                <a:ea typeface="+mn-ea"/>
+                <a:cs typeface="Consolas" panose="020B0609020204030204" pitchFamily="49" charset="0"/>
+              </a:rPr>
+              <a:t>(self, title):</a:t>
+            </a:r>
+          </a:p>
+          <a:p>
+            <a:r>
+              <a:rPr lang="en-US" sz="1200" kern="1200" dirty="0" smtClean="0">
+                <a:solidFill>
+                  <a:schemeClr val="tx1"/>
+                </a:solidFill>
+                <a:latin typeface="Consolas" panose="020B0609020204030204" pitchFamily="49" charset="0"/>
+                <a:ea typeface="+mn-ea"/>
+                <a:cs typeface="Consolas" panose="020B0609020204030204" pitchFamily="49" charset="0"/>
+              </a:rPr>
+              <a:t>        return </a:t>
+            </a:r>
+            <a:r>
+              <a:rPr lang="en-US" sz="1200" kern="1200" dirty="0" err="1" smtClean="0">
+                <a:solidFill>
+                  <a:schemeClr val="tx1"/>
+                </a:solidFill>
+                <a:latin typeface="Consolas" panose="020B0609020204030204" pitchFamily="49" charset="0"/>
+                <a:ea typeface="+mn-ea"/>
+                <a:cs typeface="Consolas" panose="020B0609020204030204" pitchFamily="49" charset="0"/>
+              </a:rPr>
+              <a:t>r.get</a:t>
+            </a:r>
+            <a:r>
+              <a:rPr lang="en-US" sz="1200" kern="1200" dirty="0" smtClean="0">
+                <a:solidFill>
+                  <a:schemeClr val="tx1"/>
+                </a:solidFill>
+                <a:latin typeface="Consolas" panose="020B0609020204030204" pitchFamily="49" charset="0"/>
+                <a:ea typeface="+mn-ea"/>
+                <a:cs typeface="Consolas" panose="020B0609020204030204" pitchFamily="49" charset="0"/>
+              </a:rPr>
+              <a:t>(title + ':question');</a:t>
+            </a:r>
+          </a:p>
+          <a:p>
+            <a:endParaRPr lang="en-US" sz="1200" kern="1200" dirty="0" smtClean="0">
+              <a:solidFill>
+                <a:schemeClr val="tx1"/>
+              </a:solidFill>
+              <a:latin typeface="+mn-lt"/>
+              <a:ea typeface="+mn-ea"/>
+              <a:cs typeface="+mn-cs"/>
+            </a:endParaRPr>
+          </a:p>
+          <a:p>
+            <a:r>
+              <a:rPr lang="en-US" b="1" dirty="0" smtClean="0"/>
+              <a:t>Update views.py.</a:t>
+            </a:r>
+            <a:r>
+              <a:rPr lang="en-US" b="1" baseline="0" dirty="0" smtClean="0"/>
+              <a:t> Add the following to the top:</a:t>
+            </a:r>
+          </a:p>
+          <a:p>
+            <a:r>
+              <a:rPr lang="en-US" sz="1200" kern="1200" dirty="0" smtClean="0">
+                <a:solidFill>
+                  <a:schemeClr val="tx1"/>
+                </a:solidFill>
+                <a:latin typeface="+mn-lt"/>
+                <a:ea typeface="+mn-ea"/>
+                <a:cs typeface="+mn-cs"/>
+              </a:rPr>
+              <a:t>from </a:t>
+            </a:r>
+            <a:r>
+              <a:rPr lang="en-US" sz="1200" kern="1200" dirty="0" err="1" smtClean="0">
+                <a:solidFill>
+                  <a:schemeClr val="tx1"/>
+                </a:solidFill>
+                <a:latin typeface="+mn-lt"/>
+                <a:ea typeface="+mn-ea"/>
+                <a:cs typeface="+mn-cs"/>
+              </a:rPr>
+              <a:t>TriviaMVAApp.models.redisclient</a:t>
+            </a:r>
+            <a:r>
+              <a:rPr lang="en-US" sz="1200" kern="1200" dirty="0" smtClean="0">
+                <a:solidFill>
+                  <a:schemeClr val="tx1"/>
+                </a:solidFill>
+                <a:latin typeface="+mn-lt"/>
+                <a:ea typeface="+mn-ea"/>
+                <a:cs typeface="+mn-cs"/>
+              </a:rPr>
+              <a:t> import </a:t>
+            </a:r>
+            <a:r>
+              <a:rPr lang="en-US" sz="1200" kern="1200" dirty="0" err="1" smtClean="0">
+                <a:solidFill>
+                  <a:schemeClr val="tx1"/>
+                </a:solidFill>
+                <a:latin typeface="+mn-lt"/>
+                <a:ea typeface="+mn-ea"/>
+                <a:cs typeface="+mn-cs"/>
+              </a:rPr>
+              <a:t>RedisClient</a:t>
+            </a:r>
+            <a:r>
+              <a:rPr lang="en-US" sz="1200" kern="1200" dirty="0" smtClean="0">
+                <a:solidFill>
+                  <a:schemeClr val="tx1"/>
+                </a:solidFill>
+                <a:latin typeface="+mn-lt"/>
+                <a:ea typeface="+mn-ea"/>
+                <a:cs typeface="+mn-cs"/>
+              </a:rPr>
+              <a:t>;</a:t>
+            </a:r>
+          </a:p>
+          <a:p>
+            <a:r>
+              <a:rPr lang="en-US" sz="1200" kern="1200" dirty="0" err="1" smtClean="0">
+                <a:solidFill>
+                  <a:schemeClr val="tx1"/>
+                </a:solidFill>
+                <a:latin typeface="+mn-lt"/>
+                <a:ea typeface="+mn-ea"/>
+                <a:cs typeface="+mn-cs"/>
+              </a:rPr>
+              <a:t>redisClient</a:t>
+            </a:r>
+            <a:r>
+              <a:rPr lang="en-US" sz="1200" kern="1200" dirty="0" smtClean="0">
+                <a:solidFill>
+                  <a:schemeClr val="tx1"/>
+                </a:solidFill>
+                <a:latin typeface="+mn-lt"/>
+                <a:ea typeface="+mn-ea"/>
+                <a:cs typeface="+mn-cs"/>
+              </a:rPr>
+              <a:t> = </a:t>
+            </a:r>
+            <a:r>
+              <a:rPr lang="en-US" sz="1200" kern="1200" dirty="0" err="1" smtClean="0">
+                <a:solidFill>
+                  <a:schemeClr val="tx1"/>
+                </a:solidFill>
+                <a:latin typeface="+mn-lt"/>
+                <a:ea typeface="+mn-ea"/>
+                <a:cs typeface="+mn-cs"/>
+              </a:rPr>
+              <a:t>RedisClient</a:t>
+            </a:r>
+            <a:r>
+              <a:rPr lang="en-US" sz="1200" kern="1200" dirty="0" smtClean="0">
+                <a:solidFill>
+                  <a:schemeClr val="tx1"/>
+                </a:solidFill>
+                <a:latin typeface="+mn-lt"/>
+                <a:ea typeface="+mn-ea"/>
+                <a:cs typeface="+mn-cs"/>
+              </a:rPr>
+              <a:t>();</a:t>
+            </a:r>
+          </a:p>
+          <a:p>
+            <a:endParaRPr lang="en-US" sz="1200" b="0" kern="1200" dirty="0" smtClean="0">
+              <a:solidFill>
+                <a:schemeClr val="tx1"/>
+              </a:solidFill>
+              <a:latin typeface="+mn-lt"/>
+              <a:ea typeface="+mn-ea"/>
+              <a:cs typeface="+mn-cs"/>
+            </a:endParaRPr>
+          </a:p>
+          <a:p>
+            <a:r>
+              <a:rPr lang="en-US" sz="1200" b="1" kern="1200" dirty="0" smtClean="0">
+                <a:solidFill>
+                  <a:schemeClr val="tx1"/>
+                </a:solidFill>
+                <a:latin typeface="+mn-lt"/>
+                <a:ea typeface="+mn-ea"/>
+                <a:cs typeface="+mn-cs"/>
+              </a:rPr>
+              <a:t>Update views.py to use the </a:t>
+            </a:r>
+            <a:r>
+              <a:rPr lang="en-US" sz="1200" b="1" kern="1200" dirty="0" err="1" smtClean="0">
+                <a:solidFill>
+                  <a:schemeClr val="tx1"/>
+                </a:solidFill>
+                <a:latin typeface="+mn-lt"/>
+                <a:ea typeface="+mn-ea"/>
+                <a:cs typeface="+mn-cs"/>
+              </a:rPr>
+              <a:t>redisClient</a:t>
+            </a:r>
+            <a:r>
+              <a:rPr lang="en-US" sz="1200" b="1" kern="1200" baseline="0" dirty="0" smtClean="0">
+                <a:solidFill>
+                  <a:schemeClr val="tx1"/>
+                </a:solidFill>
+                <a:latin typeface="+mn-lt"/>
+                <a:ea typeface="+mn-ea"/>
+                <a:cs typeface="+mn-cs"/>
+              </a:rPr>
+              <a:t> variable.</a:t>
+            </a:r>
+            <a:endParaRPr lang="en-US" b="1" dirty="0"/>
+          </a:p>
+        </p:txBody>
+      </p:sp>
+      <p:sp>
+        <p:nvSpPr>
+          <p:cNvPr id="4" name="Slide Number Placeholder 3"/>
+          <p:cNvSpPr>
+            <a:spLocks noGrp="1"/>
+          </p:cNvSpPr>
+          <p:nvPr>
+            <p:ph type="sldNum" sz="quarter" idx="10"/>
+          </p:nvPr>
+        </p:nvSpPr>
+        <p:spPr/>
+        <p:txBody>
+          <a:bodyPr/>
+          <a:lstStyle/>
+          <a:p>
+            <a:fld id="{4CFD207A-07DF-40AD-A916-9872E089CE7A}" type="slidenum">
+              <a:rPr lang="en-US" smtClean="0"/>
+              <a:t>19</a:t>
+            </a:fld>
+            <a:endParaRPr lang="en-US"/>
+          </a:p>
+        </p:txBody>
+      </p:sp>
+    </p:spTree>
+    <p:extLst>
+      <p:ext uri="{BB962C8B-B14F-4D97-AF65-F5344CB8AC3E}">
+        <p14:creationId xmlns:p14="http://schemas.microsoft.com/office/powerpoint/2010/main" val="836951917"/>
+      </p:ext>
+    </p:extLst>
+  </p:cSld>
+  <p:clrMapOvr>
+    <a:masterClrMapping/>
+  </p:clrMapOvr>
+</p:notes>
+</file>
+
+<file path=ppt/notesSlides/notesSlide3.xml><?xml version="1.0" encoding="utf-8"?>
+<p:notes xmlns:a="http://schemas.openxmlformats.org/drawingml/2006/main" xmlns:r="http://schemas.openxmlformats.org/officeDocument/2006/relationships" xmlns:p="http://schemas.openxmlformats.org/presentationml/2006/main">
+  <p:cSld>
+    <p:spTree>
+      <p:nvGrpSpPr>
+        <p:cNvPr id="1" name=""/>
+        <p:cNvGrpSpPr/>
+        <p:nvPr/>
+      </p:nvGrpSpPr>
+      <p:grpSpPr>
+        <a:xfrm>
+          <a:off x="0" y="0"/>
+          <a:ext cx="0" cy="0"/>
+          <a:chOff x="0" y="0"/>
+          <a:chExt cx="0" cy="0"/>
+        </a:xfrm>
+      </p:grpSpPr>
+      <p:sp>
+        <p:nvSpPr>
+          <p:cNvPr id="2" name="Slide Image Placeholder 1"/>
+          <p:cNvSpPr>
+            <a:spLocks noGrp="1" noRot="1" noChangeAspect="1"/>
+          </p:cNvSpPr>
+          <p:nvPr>
+            <p:ph type="sldImg"/>
+          </p:nvPr>
+        </p:nvSpPr>
+        <p:spPr/>
+      </p:sp>
+      <p:sp>
+        <p:nvSpPr>
+          <p:cNvPr id="3" name="Notes Placeholder 2"/>
+          <p:cNvSpPr>
+            <a:spLocks noGrp="1"/>
+          </p:cNvSpPr>
+          <p:nvPr>
+            <p:ph type="body" idx="1"/>
+          </p:nvPr>
+        </p:nvSpPr>
+        <p:spPr/>
+        <p:txBody>
+          <a:bodyPr/>
+          <a:lstStyle/>
+          <a:p>
+            <a:r>
+              <a:rPr lang="en-US" dirty="0" smtClean="0"/>
+              <a:t>Rename </a:t>
+            </a:r>
+            <a:r>
+              <a:rPr lang="en-US" dirty="0" err="1" smtClean="0"/>
+              <a:t>RedisClient</a:t>
+            </a:r>
+            <a:r>
+              <a:rPr lang="en-US" baseline="0" dirty="0" smtClean="0"/>
+              <a:t> to </a:t>
+            </a:r>
+            <a:r>
+              <a:rPr lang="en-US" baseline="0" dirty="0" err="1" smtClean="0"/>
+              <a:t>QuestionClient</a:t>
+            </a:r>
+            <a:r>
+              <a:rPr lang="en-US" baseline="0" dirty="0" smtClean="0"/>
+              <a:t>. Update variable name in views.py to client.</a:t>
+            </a:r>
+            <a:endParaRPr lang="en-US" dirty="0"/>
+          </a:p>
+        </p:txBody>
+      </p:sp>
+      <p:sp>
+        <p:nvSpPr>
+          <p:cNvPr id="4" name="Slide Number Placeholder 3"/>
+          <p:cNvSpPr>
+            <a:spLocks noGrp="1"/>
+          </p:cNvSpPr>
+          <p:nvPr>
+            <p:ph type="sldNum" sz="quarter" idx="10"/>
+          </p:nvPr>
+        </p:nvSpPr>
+        <p:spPr/>
+        <p:txBody>
+          <a:bodyPr/>
+          <a:lstStyle/>
+          <a:p>
+            <a:fld id="{4CFD207A-07DF-40AD-A916-9872E089CE7A}" type="slidenum">
+              <a:rPr lang="en-US" smtClean="0"/>
+              <a:t>28</a:t>
+            </a:fld>
+            <a:endParaRPr lang="en-US"/>
+          </a:p>
+        </p:txBody>
+      </p:sp>
+    </p:spTree>
+    <p:extLst>
+      <p:ext uri="{BB962C8B-B14F-4D97-AF65-F5344CB8AC3E}">
+        <p14:creationId xmlns:p14="http://schemas.microsoft.com/office/powerpoint/2010/main" val="3865022504"/>
       </p:ext>
     </p:extLst>
   </p:cSld>
@@ -3630,7 +4660,6 @@
               <a:rPr lang="en-US" dirty="0" smtClean="0"/>
               <a:t>Blueprints define</a:t>
             </a:r>
-            <a:endParaRPr lang="en-US" dirty="0" smtClean="0"/>
           </a:p>
           <a:p>
             <a:pPr lvl="1"/>
@@ -3675,7 +4704,6 @@
               <a:rPr lang="en-US" dirty="0" smtClean="0"/>
               <a:t>Properties</a:t>
             </a:r>
-            <a:endParaRPr lang="en-US" dirty="0" smtClean="0"/>
           </a:p>
         </p:txBody>
       </p:sp>
@@ -4306,15 +5334,7 @@
           <a:p>
             <a:r>
               <a:rPr lang="en-US" dirty="0" smtClean="0"/>
-              <a:t>They </a:t>
-            </a:r>
-            <a:r>
-              <a:rPr lang="en-US" dirty="0" smtClean="0"/>
-              <a:t>must </a:t>
-            </a:r>
-            <a:r>
-              <a:rPr lang="en-US" dirty="0" smtClean="0"/>
-              <a:t>contain the keyword </a:t>
+              <a:t>They must contain the keyword </a:t>
             </a:r>
             <a:r>
               <a:rPr lang="en-US" dirty="0" smtClean="0">
@@ -4325,11 +5345,7 @@
             </a:r>
             <a:r>
               <a:rPr lang="en-US" dirty="0" smtClean="0"/>
-              <a:t> as the first </a:t>
-            </a:r>
-            <a:r>
-              <a:rPr lang="en-US" dirty="0" smtClean="0"/>
-              <a:t>parameter</a:t>
+              <a:t> as the first parameter</a:t>
             </a:r>
           </a:p>
           <a:p>
@@ -4353,7 +5369,6 @@
               <a:rPr lang="en-US" dirty="0" smtClean="0"/>
               <a:t>instance</a:t>
             </a:r>
-            <a:endParaRPr lang="en-US" dirty="0" smtClean="0"/>
           </a:p>
           <a:p>
             <a:pPr marL="0" indent="0">
@@ -4453,14 +5468,7 @@
                 <a:latin typeface="Consolas" panose="020B0609020204030204" pitchFamily="49" charset="0"/>
                 <a:cs typeface="Consolas" panose="020B0609020204030204" pitchFamily="49" charset="0"/>
               </a:rPr>
-              <a:t>d</a:t>
-            </a:r>
-            <a:r>
-              <a:rPr lang="en-US" dirty="0" err="1" smtClean="0">
-                <a:latin typeface="Consolas" panose="020B0609020204030204" pitchFamily="49" charset="0"/>
-                <a:cs typeface="Consolas" panose="020B0609020204030204" pitchFamily="49" charset="0"/>
-              </a:rPr>
-              <a:t>ef</a:t>
+              <a:t>def</a:t>
             </a:r>
             <a:r>
               <a:rPr lang="en-US" dirty="0" smtClean="0">
@@ -4618,11 +5626,7 @@
           <a:p>
             <a:r>
               <a:rPr lang="en-US" dirty="0" smtClean="0"/>
-              <a:t>What </a:t>
-            </a:r>
-            <a:r>
-              <a:rPr lang="en-US" dirty="0" smtClean="0"/>
-              <a:t>information do you need in order to create a new instance?</a:t>
+              <a:t>What information do you need in order to create a new instance?</a:t>
             </a:r>
           </a:p>
           <a:p>
@@ -4636,25 +5640,13 @@
             <a:pPr lvl="1"/>
             <a:r>
               <a:rPr lang="en-US" dirty="0" smtClean="0"/>
-              <a:t>Title and description for a </a:t>
-            </a:r>
-            <a:r>
-              <a:rPr lang="en-US" dirty="0" smtClean="0"/>
-              <a:t>book</a:t>
-            </a:r>
-          </a:p>
-          <a:p>
-            <a:r>
-              <a:rPr lang="en-US" dirty="0" smtClean="0"/>
-              <a:t>Similar </a:t>
-            </a:r>
-            <a:r>
-              <a:rPr lang="en-US" dirty="0" smtClean="0"/>
-              <a:t>to a </a:t>
-            </a:r>
-            <a:r>
-              <a:rPr lang="en-US" dirty="0" smtClean="0"/>
-              <a:t>method</a:t>
+              <a:t>Title and description for a book</a:t>
+            </a:r>
+          </a:p>
+          <a:p>
+            <a:r>
+              <a:rPr lang="en-US" dirty="0" smtClean="0"/>
+              <a:t>Similar to a method</a:t>
             </a:r>
           </a:p>
           <a:p>
@@ -4663,7 +5655,6 @@
               <a:rPr lang="en-US" dirty="0" smtClean="0"/>
               <a:t>Two underscores on each side</a:t>
             </a:r>
-            <a:endParaRPr lang="en-US" dirty="0" smtClean="0"/>
           </a:p>
           <a:p>
             <a:pPr lvl="1"/>
@@ -4832,7 +5823,71 @@
           <a:bodyPr/>
           <a:lstStyle/>
           <a:p>
-            <a:endParaRPr lang="en-US"/>
+            <a:r>
+              <a:rPr lang="en-US" dirty="0" smtClean="0"/>
+              <a:t>Properties can be shared across all instances of an object</a:t>
+            </a:r>
+          </a:p>
+          <a:p>
+            <a:pPr lvl="1"/>
+            <a:r>
+              <a:rPr lang="en-US" dirty="0" smtClean="0"/>
+              <a:t>Interest rate on a bank account</a:t>
+            </a:r>
+          </a:p>
+          <a:p>
+            <a:r>
+              <a:rPr lang="en-US" dirty="0" smtClean="0"/>
+              <a:t>Properties can be tied to a specific instance of an object</a:t>
+            </a:r>
+          </a:p>
+          <a:p>
+            <a:pPr lvl="1"/>
+            <a:r>
+              <a:rPr lang="en-US" dirty="0" smtClean="0"/>
+              <a:t>Balance of a bank account</a:t>
+            </a:r>
+          </a:p>
+          <a:p>
+            <a:r>
+              <a:rPr lang="en-US" dirty="0" smtClean="0"/>
+              <a:t>Can be private</a:t>
+            </a:r>
+          </a:p>
+          <a:p>
+            <a:pPr lvl="1"/>
+            <a:r>
+              <a:rPr lang="en-US" dirty="0" smtClean="0"/>
+              <a:t>Nothing outside of the class can access it</a:t>
+            </a:r>
+          </a:p>
+          <a:p>
+            <a:pPr lvl="1"/>
+            <a:r>
+              <a:rPr lang="en-US" dirty="0" smtClean="0"/>
+              <a:t>Often provide "</a:t>
+            </a:r>
+            <a:r>
+              <a:rPr lang="en-US" dirty="0" err="1" smtClean="0"/>
+              <a:t>accessor</a:t>
+            </a:r>
+            <a:r>
+              <a:rPr lang="en-US" dirty="0" smtClean="0"/>
+              <a:t>" methods named </a:t>
+            </a:r>
+            <a:r>
+              <a:rPr lang="en-US" dirty="0" err="1" smtClean="0"/>
+              <a:t>getName</a:t>
+            </a:r>
+            <a:r>
+              <a:rPr lang="en-US" dirty="0" smtClean="0"/>
+              <a:t> and </a:t>
+            </a:r>
+            <a:r>
+              <a:rPr lang="en-US" dirty="0" err="1" smtClean="0"/>
+              <a:t>setName</a:t>
+            </a:r>
+            <a:endParaRPr lang="en-US" dirty="0"/>
           </a:p>
         </p:txBody>
       </p:sp>
@@ -4875,7 +5930,7 @@
       </p:grpSpPr>
       <p:sp>
         <p:nvSpPr>
-          <p:cNvPr id="4" name="Title 3"/>
+          <p:cNvPr id="2" name="Title 1"/>
           <p:cNvSpPr>
             <a:spLocks noGrp="1"/>
           </p:cNvSpPr>
@@ -4890,16 +5945,314 @@
           <a:p>
             <a:r>
               <a:rPr lang="en-US" dirty="0" smtClean="0"/>
-              <a:t>Creating Python classes and objects</a:t>
+              <a:t>Property syntax</a:t>
             </a:r>
             <a:endParaRPr lang="en-US" dirty="0"/>
+          </a:p>
+        </p:txBody>
+      </p:sp>
+      <p:sp>
+        <p:nvSpPr>
+          <p:cNvPr id="3" name="Content Placeholder 2"/>
+          <p:cNvSpPr>
+            <a:spLocks noGrp="1"/>
+          </p:cNvSpPr>
+          <p:nvPr>
+            <p:ph sz="quarter" idx="10"/>
+          </p:nvPr>
+        </p:nvSpPr>
+        <p:spPr/>
+        <p:txBody>
+          <a:bodyPr/>
+          <a:lstStyle/>
+          <a:p>
+            <a:r>
+              <a:rPr lang="en-US" sz="3600" dirty="0" smtClean="0"/>
+              <a:t>Shared property</a:t>
+            </a:r>
+          </a:p>
+          <a:p>
+            <a:endParaRPr lang="en-US" sz="3600" dirty="0"/>
+          </a:p>
+          <a:p>
+            <a:r>
+              <a:rPr lang="en-US" sz="3600" dirty="0" smtClean="0"/>
+              <a:t>Instance property</a:t>
+            </a:r>
+          </a:p>
+          <a:p>
+            <a:endParaRPr lang="en-US" sz="3600" dirty="0"/>
+          </a:p>
+          <a:p>
+            <a:r>
+              <a:rPr lang="en-US" sz="3600" dirty="0" smtClean="0"/>
+              <a:t>Private property</a:t>
+            </a:r>
+            <a:endParaRPr lang="en-US" sz="3600" dirty="0"/>
+          </a:p>
+        </p:txBody>
+      </p:sp>
+      <p:sp>
+        <p:nvSpPr>
+          <p:cNvPr id="4" name="Rounded Rectangle 3"/>
+          <p:cNvSpPr/>
+          <p:nvPr/>
+        </p:nvSpPr>
+        <p:spPr>
+          <a:xfrm>
+            <a:off x="622169" y="2017335"/>
+            <a:ext cx="5590095" cy="754144"/>
+          </a:xfrm>
+          <a:prstGeom prst="roundRect">
+            <a:avLst/>
+          </a:prstGeom>
+        </p:spPr>
+        <p:style>
+          <a:lnRef idx="1">
+            <a:schemeClr val="accent1"/>
+          </a:lnRef>
+          <a:fillRef idx="2">
+            <a:schemeClr val="accent1"/>
+          </a:fillRef>
+          <a:effectRef idx="1">
+            <a:schemeClr val="accent1"/>
+          </a:effectRef>
+          <a:fontRef idx="minor">
+            <a:schemeClr val="dk1"/>
+          </a:fontRef>
+        </p:style>
+        <p:txBody>
+          <a:bodyPr rtlCol="0" anchor="ctr"/>
+          <a:lstStyle/>
+          <a:p>
+            <a:r>
+              <a:rPr lang="en-US" dirty="0" smtClean="0">
+                <a:solidFill>
+                  <a:schemeClr val="tx1"/>
+                </a:solidFill>
+                <a:latin typeface="Consolas" panose="020B0609020204030204" pitchFamily="49" charset="0"/>
+                <a:cs typeface="Consolas" panose="020B0609020204030204" pitchFamily="49" charset="0"/>
+              </a:rPr>
+              <a:t>class Demo(object):</a:t>
+            </a:r>
+          </a:p>
+          <a:p>
+            <a:r>
+              <a:rPr lang="en-US" dirty="0" smtClean="0">
+                <a:solidFill>
+                  <a:schemeClr val="tx1"/>
+                </a:solidFill>
+                <a:latin typeface="Consolas" panose="020B0609020204030204" pitchFamily="49" charset="0"/>
+                <a:cs typeface="Consolas" panose="020B0609020204030204" pitchFamily="49" charset="0"/>
+              </a:rPr>
+              <a:t>    property = "Value";</a:t>
+            </a:r>
+            <a:endParaRPr lang="en-US" dirty="0">
+              <a:solidFill>
+                <a:schemeClr val="tx1"/>
+              </a:solidFill>
+              <a:latin typeface="Consolas" panose="020B0609020204030204" pitchFamily="49" charset="0"/>
+              <a:cs typeface="Consolas" panose="020B0609020204030204" pitchFamily="49" charset="0"/>
+            </a:endParaRPr>
+          </a:p>
+        </p:txBody>
+      </p:sp>
+      <p:sp>
+        <p:nvSpPr>
+          <p:cNvPr id="5" name="Rounded Rectangle 4"/>
+          <p:cNvSpPr/>
+          <p:nvPr/>
+        </p:nvSpPr>
+        <p:spPr>
+          <a:xfrm>
+            <a:off x="622169" y="3508341"/>
+            <a:ext cx="5590095" cy="754144"/>
+          </a:xfrm>
+          <a:prstGeom prst="roundRect">
+            <a:avLst/>
+          </a:prstGeom>
+        </p:spPr>
+        <p:style>
+          <a:lnRef idx="1">
+            <a:schemeClr val="accent3"/>
+          </a:lnRef>
+          <a:fillRef idx="2">
+            <a:schemeClr val="accent3"/>
+          </a:fillRef>
+          <a:effectRef idx="1">
+            <a:schemeClr val="accent3"/>
+          </a:effectRef>
+          <a:fontRef idx="minor">
+            <a:schemeClr val="dk1"/>
+          </a:fontRef>
+        </p:style>
+        <p:txBody>
+          <a:bodyPr rtlCol="0" anchor="ctr"/>
+          <a:lstStyle/>
+          <a:p>
+            <a:r>
+              <a:rPr lang="en-US" dirty="0" smtClean="0">
+                <a:solidFill>
+                  <a:schemeClr val="tx1"/>
+                </a:solidFill>
+                <a:latin typeface="Consolas" panose="020B0609020204030204" pitchFamily="49" charset="0"/>
+                <a:cs typeface="Consolas" panose="020B0609020204030204" pitchFamily="49" charset="0"/>
+              </a:rPr>
+              <a:t>class Demo(object):</a:t>
+            </a:r>
+          </a:p>
+          <a:p>
+            <a:r>
+              <a:rPr lang="en-US" dirty="0" smtClean="0">
+                <a:solidFill>
+                  <a:schemeClr val="tx1"/>
+                </a:solidFill>
+                <a:latin typeface="Consolas" panose="020B0609020204030204" pitchFamily="49" charset="0"/>
+                <a:cs typeface="Consolas" panose="020B0609020204030204" pitchFamily="49" charset="0"/>
+              </a:rPr>
+              <a:t>    </a:t>
+            </a:r>
+            <a:r>
+              <a:rPr lang="en-US" b="1" dirty="0" err="1" smtClean="0">
+                <a:solidFill>
+                  <a:schemeClr val="tx1"/>
+                </a:solidFill>
+                <a:latin typeface="Consolas" panose="020B0609020204030204" pitchFamily="49" charset="0"/>
+                <a:cs typeface="Consolas" panose="020B0609020204030204" pitchFamily="49" charset="0"/>
+              </a:rPr>
+              <a:t>self.</a:t>
+            </a:r>
+            <a:r>
+              <a:rPr lang="en-US" dirty="0" err="1" smtClean="0">
+                <a:solidFill>
+                  <a:schemeClr val="tx1"/>
+                </a:solidFill>
+                <a:latin typeface="Consolas" panose="020B0609020204030204" pitchFamily="49" charset="0"/>
+                <a:cs typeface="Consolas" panose="020B0609020204030204" pitchFamily="49" charset="0"/>
+              </a:rPr>
+              <a:t>property</a:t>
+            </a:r>
+            <a:r>
+              <a:rPr lang="en-US" dirty="0" smtClean="0">
+                <a:solidFill>
+                  <a:schemeClr val="tx1"/>
+                </a:solidFill>
+                <a:latin typeface="Consolas" panose="020B0609020204030204" pitchFamily="49" charset="0"/>
+                <a:cs typeface="Consolas" panose="020B0609020204030204" pitchFamily="49" charset="0"/>
+              </a:rPr>
+              <a:t> = "Value";</a:t>
+            </a:r>
+            <a:endParaRPr lang="en-US" dirty="0">
+              <a:solidFill>
+                <a:schemeClr val="tx1"/>
+              </a:solidFill>
+              <a:latin typeface="Consolas" panose="020B0609020204030204" pitchFamily="49" charset="0"/>
+              <a:cs typeface="Consolas" panose="020B0609020204030204" pitchFamily="49" charset="0"/>
+            </a:endParaRPr>
+          </a:p>
+        </p:txBody>
+      </p:sp>
+      <p:sp>
+        <p:nvSpPr>
+          <p:cNvPr id="6" name="Rounded Rectangle 5"/>
+          <p:cNvSpPr/>
+          <p:nvPr/>
+        </p:nvSpPr>
+        <p:spPr>
+          <a:xfrm>
+            <a:off x="622169" y="4999347"/>
+            <a:ext cx="5590095" cy="967820"/>
+          </a:xfrm>
+          <a:prstGeom prst="roundRect">
+            <a:avLst/>
+          </a:prstGeom>
+        </p:spPr>
+        <p:style>
+          <a:lnRef idx="1">
+            <a:schemeClr val="accent5"/>
+          </a:lnRef>
+          <a:fillRef idx="2">
+            <a:schemeClr val="accent5"/>
+          </a:fillRef>
+          <a:effectRef idx="1">
+            <a:schemeClr val="accent5"/>
+          </a:effectRef>
+          <a:fontRef idx="minor">
+            <a:schemeClr val="dk1"/>
+          </a:fontRef>
+        </p:style>
+        <p:txBody>
+          <a:bodyPr rtlCol="0" anchor="ctr"/>
+          <a:lstStyle/>
+          <a:p>
+            <a:r>
+              <a:rPr lang="en-US" dirty="0" smtClean="0">
+                <a:solidFill>
+                  <a:schemeClr val="tx1"/>
+                </a:solidFill>
+                <a:latin typeface="Consolas" panose="020B0609020204030204" pitchFamily="49" charset="0"/>
+                <a:cs typeface="Consolas" panose="020B0609020204030204" pitchFamily="49" charset="0"/>
+              </a:rPr>
+              <a:t>class Demo(object):</a:t>
+            </a:r>
+          </a:p>
+          <a:p>
+            <a:r>
+              <a:rPr lang="en-US" dirty="0" smtClean="0">
+                <a:solidFill>
+                  <a:schemeClr val="tx1"/>
+                </a:solidFill>
+                <a:latin typeface="Consolas" panose="020B0609020204030204" pitchFamily="49" charset="0"/>
+                <a:cs typeface="Consolas" panose="020B0609020204030204" pitchFamily="49" charset="0"/>
+              </a:rPr>
+              <a:t>    __property = "Value";      # Shared</a:t>
+            </a:r>
+          </a:p>
+          <a:p>
+            <a:r>
+              <a:rPr lang="en-US" dirty="0" smtClean="0">
+                <a:solidFill>
+                  <a:schemeClr val="tx1"/>
+                </a:solidFill>
+                <a:latin typeface="Consolas" panose="020B0609020204030204" pitchFamily="49" charset="0"/>
+                <a:cs typeface="Consolas" panose="020B0609020204030204" pitchFamily="49" charset="0"/>
+              </a:rPr>
+              <a:t>    </a:t>
+            </a:r>
+            <a:r>
+              <a:rPr lang="en-US" dirty="0" err="1" smtClean="0">
+                <a:solidFill>
+                  <a:schemeClr val="tx1"/>
+                </a:solidFill>
+                <a:latin typeface="Consolas" panose="020B0609020204030204" pitchFamily="49" charset="0"/>
+                <a:cs typeface="Consolas" panose="020B0609020204030204" pitchFamily="49" charset="0"/>
+              </a:rPr>
+              <a:t>self.__property</a:t>
+            </a:r>
+            <a:r>
+              <a:rPr lang="en-US" dirty="0" smtClean="0">
+                <a:solidFill>
+                  <a:schemeClr val="tx1"/>
+                </a:solidFill>
+                <a:latin typeface="Consolas" panose="020B0609020204030204" pitchFamily="49" charset="0"/>
+                <a:cs typeface="Consolas" panose="020B0609020204030204" pitchFamily="49" charset="0"/>
+              </a:rPr>
+              <a:t> = "Value"; # Instance</a:t>
+            </a:r>
+            <a:endParaRPr lang="en-US" dirty="0">
+              <a:solidFill>
+                <a:schemeClr val="tx1"/>
+              </a:solidFill>
+              <a:latin typeface="Consolas" panose="020B0609020204030204" pitchFamily="49" charset="0"/>
+              <a:cs typeface="Consolas" panose="020B0609020204030204" pitchFamily="49" charset="0"/>
+            </a:endParaRPr>
           </a:p>
         </p:txBody>
       </p:sp>
     </p:spTree>
     <p:extLst>
       <p:ext uri="{BB962C8B-B14F-4D97-AF65-F5344CB8AC3E}">
-        <p14:creationId xmlns:p14="http://schemas.microsoft.com/office/powerpoint/2010/main" val="2382256122"/>
+        <p14:creationId xmlns:p14="http://schemas.microsoft.com/office/powerpoint/2010/main" val="2799429809"/>
       </p:ext>
     </p:extLst>
   </p:cSld>
@@ -4935,12 +6288,12 @@
       </p:grpSpPr>
       <p:sp>
         <p:nvSpPr>
-          <p:cNvPr id="4" name="Text Placeholder 3"/>
+          <p:cNvPr id="4" name="Title 3"/>
           <p:cNvSpPr>
             <a:spLocks noGrp="1"/>
           </p:cNvSpPr>
           <p:nvPr>
-            <p:ph type="body" sz="quarter" idx="10"/>
+            <p:ph type="title"/>
           </p:nvPr>
         </p:nvSpPr>
         <p:spPr/>
@@ -4950,27 +6303,8 @@
           <a:p>
             <a:r>
               <a:rPr lang="en-US" dirty="0" smtClean="0"/>
-              <a:t>Encapsulation and design</a:t>
-            </a:r>
-            <a:endParaRPr lang="en-US" dirty="0"/>
-          </a:p>
-        </p:txBody>
-      </p:sp>
-      <p:sp>
-        <p:nvSpPr>
-          <p:cNvPr id="3" name="Subtitle 2"/>
-          <p:cNvSpPr>
-            <a:spLocks noGrp="1"/>
-          </p:cNvSpPr>
-          <p:nvPr>
-            <p:ph type="subTitle" idx="1"/>
-          </p:nvPr>
-        </p:nvSpPr>
-        <p:spPr/>
-        <p:txBody>
-          <a:bodyPr/>
-          <a:lstStyle/>
-          <a:p>
+              <a:t>Creating Python classes and objects</a:t>
+            </a:r>
             <a:endParaRPr lang="en-US" dirty="0"/>
           </a:p>
         </p:txBody>
@@ -4978,7 +6312,7 @@
     </p:spTree>
     <p:extLst>
       <p:ext uri="{BB962C8B-B14F-4D97-AF65-F5344CB8AC3E}">
-        <p14:creationId xmlns:p14="http://schemas.microsoft.com/office/powerpoint/2010/main" val="2351549846"/>
+        <p14:creationId xmlns:p14="http://schemas.microsoft.com/office/powerpoint/2010/main" val="2382256122"/>
       </p:ext>
     </p:extLst>
   </p:cSld>
@@ -5111,12 +6445,12 @@
       </p:grpSpPr>
       <p:sp>
         <p:nvSpPr>
-          <p:cNvPr id="4" name="Title 3"/>
+          <p:cNvPr id="4" name="Text Placeholder 3"/>
           <p:cNvSpPr>
             <a:spLocks noGrp="1"/>
           </p:cNvSpPr>
           <p:nvPr>
-            <p:ph type="title"/>
+            <p:ph type="body" sz="quarter" idx="10"/>
           </p:nvPr>
         </p:nvSpPr>
         <p:spPr/>
@@ -5126,7 +6460,7 @@
           <a:p>
             <a:r>
               <a:rPr lang="en-US" dirty="0" smtClean="0"/>
-              <a:t>Now that we know the syntax...</a:t>
+              <a:t>Encapsulation and design</a:t>
             </a:r>
             <a:endParaRPr lang="en-US" dirty="0"/>
           </a:p>
@@ -5134,12 +6468,12 @@
       </p:sp>
       <p:sp>
         <p:nvSpPr>
-          <p:cNvPr id="5" name="Content Placeholder 4"/>
+          <p:cNvPr id="3" name="Subtitle 2"/>
           <p:cNvSpPr>
             <a:spLocks noGrp="1"/>
           </p:cNvSpPr>
           <p:nvPr>
-            <p:ph sz="quarter" idx="10"/>
+            <p:ph type="subTitle" idx="1"/>
           </p:nvPr>
         </p:nvSpPr>
         <p:spPr/>
@@ -5147,24 +6481,6 @@
           <a:bodyPr/>
           <a:lstStyle/>
           <a:p>
-            <a:r>
-              <a:rPr lang="en-US" dirty="0" smtClean="0"/>
-              <a:t>How do we put our </a:t>
-            </a:r>
-            <a:r>
-              <a:rPr lang="en-US" dirty="0" smtClean="0"/>
-              <a:t>classes </a:t>
-            </a:r>
-            <a:r>
-              <a:rPr lang="en-US" dirty="0" smtClean="0"/>
-              <a:t>together?</a:t>
-            </a:r>
-          </a:p>
-          <a:p>
-            <a:r>
-              <a:rPr lang="en-US" dirty="0" smtClean="0"/>
-              <a:t>What are the best practices?</a:t>
-            </a:r>
             <a:endParaRPr lang="en-US" dirty="0"/>
           </a:p>
         </p:txBody>
@@ -5172,7 +6488,7 @@
     </p:spTree>
     <p:extLst>
       <p:ext uri="{BB962C8B-B14F-4D97-AF65-F5344CB8AC3E}">
-        <p14:creationId xmlns:p14="http://schemas.microsoft.com/office/powerpoint/2010/main" val="1845349972"/>
+        <p14:creationId xmlns:p14="http://schemas.microsoft.com/office/powerpoint/2010/main" val="2351549846"/>
       </p:ext>
     </p:extLst>
   </p:cSld>
@@ -5208,6 +6524,95 @@
       </p:grpSpPr>
       <p:sp>
         <p:nvSpPr>
+          <p:cNvPr id="4" name="Title 3"/>
+          <p:cNvSpPr>
+            <a:spLocks noGrp="1"/>
+          </p:cNvSpPr>
+          <p:nvPr>
+            <p:ph type="title"/>
+          </p:nvPr>
+        </p:nvSpPr>
+        <p:spPr/>
+        <p:txBody>
+          <a:bodyPr/>
+          <a:lstStyle/>
+          <a:p>
+            <a:r>
+              <a:rPr lang="en-US" dirty="0" smtClean="0"/>
+              <a:t>Now that we know the syntax...</a:t>
+            </a:r>
+            <a:endParaRPr lang="en-US" dirty="0"/>
+          </a:p>
+        </p:txBody>
+      </p:sp>
+      <p:sp>
+        <p:nvSpPr>
+          <p:cNvPr id="5" name="Content Placeholder 4"/>
+          <p:cNvSpPr>
+            <a:spLocks noGrp="1"/>
+          </p:cNvSpPr>
+          <p:nvPr>
+            <p:ph sz="quarter" idx="10"/>
+          </p:nvPr>
+        </p:nvSpPr>
+        <p:spPr/>
+        <p:txBody>
+          <a:bodyPr/>
+          <a:lstStyle/>
+          <a:p>
+            <a:r>
+              <a:rPr lang="en-US" dirty="0" smtClean="0"/>
+              <a:t>How do we put our classes together?</a:t>
+            </a:r>
+          </a:p>
+          <a:p>
+            <a:r>
+              <a:rPr lang="en-US" dirty="0" smtClean="0"/>
+              <a:t>What are the best practices?</a:t>
+            </a:r>
+            <a:endParaRPr lang="en-US" dirty="0"/>
+          </a:p>
+        </p:txBody>
+      </p:sp>
+    </p:spTree>
+    <p:extLst>
+      <p:ext uri="{BB962C8B-B14F-4D97-AF65-F5344CB8AC3E}">
+        <p14:creationId xmlns:p14="http://schemas.microsoft.com/office/powerpoint/2010/main" val="1845349972"/>
+      </p:ext>
+    </p:extLst>
+  </p:cSld>
+  <p:clrMapOvr>
+    <a:masterClrMapping/>
+  </p:clrMapOvr>
+  <p:timing>
+    <p:tnLst>
+      <p:par>
+        <p:cTn id="1" dur="indefinite" restart="never" nodeType="tmRoot"/>
+      </p:par>
+    </p:tnLst>
+  </p:timing>
+</p:sld>
+</file>
+
+<file path=ppt/slides/slide22.xml><?xml version="1.0" encoding="utf-8"?>
+<p:sld xmlns:a="http://schemas.openxmlformats.org/drawingml/2006/main" xmlns:r="http://schemas.openxmlformats.org/officeDocument/2006/relationships" xmlns:p="http://schemas.openxmlformats.org/presentationml/2006/main">
+  <p:cSld>
+    <p:spTree>
+      <p:nvGrpSpPr>
+        <p:cNvPr id="1" name=""/>
+        <p:cNvGrpSpPr/>
+        <p:nvPr/>
+      </p:nvGrpSpPr>
+      <p:grpSpPr>
+        <a:xfrm>
+          <a:off x="0" y="0"/>
+          <a:ext cx="0" cy="0"/>
+          <a:chOff x="0" y="0"/>
+          <a:chExt cx="0" cy="0"/>
+        </a:xfrm>
+      </p:grpSpPr>
+      <p:sp>
+        <p:nvSpPr>
           <p:cNvPr id="2" name="Title 1"/>
           <p:cNvSpPr>
             <a:spLocks noGrp="1"/>
@@ -5274,33 +6679,21 @@
             <a:pPr lvl="1"/>
             <a:r>
               <a:rPr lang="en-US" sz="2400" dirty="0" smtClean="0"/>
-              <a:t>A collection of </a:t>
-            </a:r>
+              <a:t>A collection of orders</a:t>
+            </a:r>
+            <a:endParaRPr lang="en-US" sz="2400" dirty="0"/>
+          </a:p>
+          <a:p>
+            <a:r>
+              <a:rPr lang="en-US" sz="2800" dirty="0" smtClean="0"/>
+              <a:t>Order would be a separate class that has…</a:t>
+            </a:r>
+          </a:p>
+          <a:p>
+            <a:pPr lvl="1"/>
             <a:r>
               <a:rPr lang="en-US" sz="2400" dirty="0" smtClean="0"/>
-              <a:t>orders</a:t>
-            </a:r>
-            <a:endParaRPr lang="en-US" sz="2400" dirty="0"/>
-          </a:p>
-          <a:p>
-            <a:r>
-              <a:rPr lang="en-US" sz="2800" dirty="0" smtClean="0"/>
-              <a:t>Order would be a separate </a:t>
-            </a:r>
-            <a:r>
-              <a:rPr lang="en-US" sz="2800" dirty="0" smtClean="0"/>
-              <a:t>class that has…</a:t>
-            </a:r>
-          </a:p>
-          <a:p>
-            <a:pPr lvl="1"/>
-            <a:r>
-              <a:rPr lang="en-US" sz="2400" dirty="0" smtClean="0"/>
-              <a:t>An </a:t>
-            </a:r>
-            <a:r>
-              <a:rPr lang="en-US" sz="2400" dirty="0" smtClean="0"/>
-              <a:t>ID</a:t>
+              <a:t>An ID</a:t>
             </a:r>
           </a:p>
           <a:p>
@@ -5322,7 +6715,6 @@
               <a:rPr lang="en-US" sz="2800" dirty="0" smtClean="0"/>
               <a:t>Line item would be a separate class that has...</a:t>
             </a:r>
-            <a:endParaRPr lang="en-US" sz="2800" dirty="0" smtClean="0"/>
           </a:p>
         </p:txBody>
       </p:sp>
@@ -5856,7 +7248,7 @@
 </p:sld>
 </file>
 
-<file path=ppt/slides/slide22.xml><?xml version="1.0" encoding="utf-8"?>
+<file path=ppt/slides/slide23.xml><?xml version="1.0" encoding="utf-8"?>
 <p:sld xmlns:a="http://schemas.openxmlformats.org/drawingml/2006/main" xmlns:r="http://schemas.openxmlformats.org/officeDocument/2006/relationships" xmlns:p="http://schemas.openxmlformats.org/presentationml/2006/main">
   <p:cSld>
     <p:spTree>
@@ -5913,22 +7305,13 @@
           <a:p>
             <a:r>
               <a:rPr lang="en-US" dirty="0" smtClean="0"/>
-              <a:t>Create another </a:t>
-            </a:r>
-            <a:r>
-              <a:rPr lang="en-US" dirty="0" smtClean="0"/>
-              <a:t>class</a:t>
-            </a:r>
-            <a:endParaRPr lang="en-US" dirty="0" smtClean="0"/>
-          </a:p>
-          <a:p>
-            <a:r>
-              <a:rPr lang="en-US" dirty="0" smtClean="0"/>
-              <a:t>More often than not, you don't have enough </a:t>
-            </a:r>
-            <a:r>
-              <a:rPr lang="en-US" dirty="0" smtClean="0"/>
-              <a:t>classes</a:t>
+              <a:t>Create another class</a:t>
+            </a:r>
+          </a:p>
+          <a:p>
+            <a:r>
+              <a:rPr lang="en-US" dirty="0" smtClean="0"/>
+              <a:t>More often than not, you don't have enough classes</a:t>
             </a:r>
             <a:endParaRPr lang="en-US" dirty="0"/>
           </a:p>
@@ -5954,7 +7337,7 @@
 </p:sld>
 </file>
 
-<file path=ppt/slides/slide23.xml><?xml version="1.0" encoding="utf-8"?>
+<file path=ppt/slides/slide24.xml><?xml version="1.0" encoding="utf-8"?>
 <p:sld xmlns:a="http://schemas.openxmlformats.org/drawingml/2006/main" xmlns:r="http://schemas.openxmlformats.org/officeDocument/2006/relationships" xmlns:p="http://schemas.openxmlformats.org/presentationml/2006/main">
   <p:cSld>
     <p:spTree>
@@ -6013,29 +7396,13 @@
           <a:p>
             <a:r>
               <a:rPr lang="en-US" dirty="0" smtClean="0"/>
-              <a:t>You </a:t>
-            </a:r>
-            <a:r>
-              <a:rPr lang="en-US" dirty="0" smtClean="0"/>
-              <a:t>don't have to tell </a:t>
-            </a:r>
-            <a:r>
-              <a:rPr lang="en-US" dirty="0" smtClean="0"/>
-              <a:t>Python </a:t>
-            </a:r>
-            <a:r>
-              <a:rPr lang="en-US" dirty="0" smtClean="0"/>
-              <a:t>the type of variable you're trying to create</a:t>
-            </a:r>
-          </a:p>
-          <a:p>
-            <a:r>
-              <a:rPr lang="en-US" dirty="0" smtClean="0"/>
-              <a:t>You can swap out objects as long as they have the same methods and </a:t>
-            </a:r>
-            <a:r>
-              <a:rPr lang="en-US" dirty="0" smtClean="0"/>
-              <a:t>properties</a:t>
+              <a:t>You don't have to tell Python the type of variable you're trying to create</a:t>
+            </a:r>
+          </a:p>
+          <a:p>
+            <a:r>
+              <a:rPr lang="en-US" dirty="0" smtClean="0"/>
+              <a:t>You can swap out objects as long as they have the same methods and properties</a:t>
             </a:r>
           </a:p>
           <a:p>
@@ -6044,7 +7411,6 @@
               <a:rPr lang="en-US" dirty="0" smtClean="0"/>
               <a:t>Objects are black boxes</a:t>
             </a:r>
-            <a:endParaRPr lang="en-US" dirty="0" smtClean="0"/>
           </a:p>
           <a:p>
             <a:r>
@@ -6089,7 +7455,7 @@
 </p:sld>
 </file>
 
-<file path=ppt/slides/slide24.xml><?xml version="1.0" encoding="utf-8"?>
+<file path=ppt/slides/slide25.xml><?xml version="1.0" encoding="utf-8"?>
 <p:sld xmlns:a="http://schemas.openxmlformats.org/drawingml/2006/main" xmlns:r="http://schemas.openxmlformats.org/officeDocument/2006/relationships" xmlns:p="http://schemas.openxmlformats.org/presentationml/2006/main">
   <p:cSld>
     <p:spTree>
@@ -6232,7 +7598,7 @@
 </p:sld>
 </file>
 
-<file path=ppt/slides/slide25.xml><?xml version="1.0" encoding="utf-8"?>
+<file path=ppt/slides/slide26.xml><?xml version="1.0" encoding="utf-8"?>
 <p:sld xmlns:a="http://schemas.openxmlformats.org/drawingml/2006/main" xmlns:r="http://schemas.openxmlformats.org/officeDocument/2006/relationships" xmlns:p="http://schemas.openxmlformats.org/presentationml/2006/main">
   <p:cSld>
     <p:spTree>
@@ -6375,7 +7741,7 @@
 </p:sld>
 </file>
 
-<file path=ppt/slides/slide26.xml><?xml version="1.0" encoding="utf-8"?>
+<file path=ppt/slides/slide27.xml><?xml version="1.0" encoding="utf-8"?>
 <p:sld xmlns:a="http://schemas.openxmlformats.org/drawingml/2006/main" xmlns:r="http://schemas.openxmlformats.org/officeDocument/2006/relationships" xmlns:p="http://schemas.openxmlformats.org/presentationml/2006/main" show="0">
   <p:cSld>
     <p:spTree>
@@ -6491,6 +7857,74 @@
   <p:clrMapOvr>
     <a:masterClrMapping/>
   </p:clrMapOvr>
+  <mc:AlternateContent xmlns:mc="http://schemas.openxmlformats.org/markup-compatibility/2006" xmlns:p14="http://schemas.microsoft.com/office/powerpoint/2010/main">
+    <mc:Choice Requires="p14">
+      <p:transition spd="slow" p14:dur="2000"/>
+    </mc:Choice>
+    <mc:Fallback xmlns="">
+      <p:transition spd="slow"/>
+    </mc:Fallback>
+  </mc:AlternateContent>
+  <p:timing>
+    <p:tnLst>
+      <p:par>
+        <p:cTn id="1" dur="indefinite" restart="never" nodeType="tmRoot"/>
+      </p:par>
+    </p:tnLst>
+  </p:timing>
+</p:sld>
+</file>
+
+<file path=ppt/slides/slide28.xml><?xml version="1.0" encoding="utf-8"?>
+<p:sld xmlns:a="http://schemas.openxmlformats.org/drawingml/2006/main" xmlns:r="http://schemas.openxmlformats.org/officeDocument/2006/relationships" xmlns:p="http://schemas.openxmlformats.org/presentationml/2006/main">
+  <p:cSld>
+    <p:spTree>
+      <p:nvGrpSpPr>
+        <p:cNvPr id="1" name=""/>
+        <p:cNvGrpSpPr/>
+        <p:nvPr/>
+      </p:nvGrpSpPr>
+      <p:grpSpPr>
+        <a:xfrm>
+          <a:off x="0" y="0"/>
+          <a:ext cx="0" cy="0"/>
+          <a:chOff x="0" y="0"/>
+          <a:chExt cx="0" cy="0"/>
+        </a:xfrm>
+      </p:grpSpPr>
+      <p:sp>
+        <p:nvSpPr>
+          <p:cNvPr id="4" name="Title 3"/>
+          <p:cNvSpPr>
+            <a:spLocks noGrp="1"/>
+          </p:cNvSpPr>
+          <p:nvPr>
+            <p:ph type="title"/>
+          </p:nvPr>
+        </p:nvSpPr>
+        <p:spPr/>
+        <p:txBody>
+          <a:bodyPr/>
+          <a:lstStyle/>
+          <a:p>
+            <a:r>
+              <a:rPr lang="en-US" dirty="0" smtClean="0"/>
+              <a:t>Updating our application for future changes</a:t>
+            </a:r>
+            <a:endParaRPr lang="en-US" dirty="0"/>
+          </a:p>
+        </p:txBody>
+      </p:sp>
+    </p:spTree>
+    <p:extLst>
+      <p:ext uri="{BB962C8B-B14F-4D97-AF65-F5344CB8AC3E}">
+        <p14:creationId xmlns:p14="http://schemas.microsoft.com/office/powerpoint/2010/main" val="3453230946"/>
+      </p:ext>
+    </p:extLst>
+  </p:cSld>
+  <p:clrMapOvr>
+    <a:masterClrMapping/>
+  </p:clrMapOvr>
   <mc:AlternateContent xmlns:mc="http://schemas.openxmlformats.org/markup-compatibility/2006">
     <mc:Choice xmlns:p14="http://schemas.microsoft.com/office/powerpoint/2010/main" Requires="p14">
       <p:transition spd="slow" p14:dur="2000"/>
@@ -6509,67 +7943,7 @@
 </p:sld>
 </file>
 
-<file path=ppt/slides/slide27.xml><?xml version="1.0" encoding="utf-8"?>
-<p:sld xmlns:a="http://schemas.openxmlformats.org/drawingml/2006/main" xmlns:r="http://schemas.openxmlformats.org/officeDocument/2006/relationships" xmlns:p="http://schemas.openxmlformats.org/presentationml/2006/main">
-  <p:cSld>
-    <p:spTree>
-      <p:nvGrpSpPr>
-        <p:cNvPr id="1" name=""/>
-        <p:cNvGrpSpPr/>
-        <p:nvPr/>
-      </p:nvGrpSpPr>
-      <p:grpSpPr>
-        <a:xfrm>
-          <a:off x="0" y="0"/>
-          <a:ext cx="0" cy="0"/>
-          <a:chOff x="0" y="0"/>
-          <a:chExt cx="0" cy="0"/>
-        </a:xfrm>
-      </p:grpSpPr>
-      <p:sp>
-        <p:nvSpPr>
-          <p:cNvPr id="4" name="Title 3"/>
-          <p:cNvSpPr>
-            <a:spLocks noGrp="1"/>
-          </p:cNvSpPr>
-          <p:nvPr>
-            <p:ph type="title"/>
-          </p:nvPr>
-        </p:nvSpPr>
-        <p:spPr/>
-        <p:txBody>
-          <a:bodyPr/>
-          <a:lstStyle/>
-          <a:p>
-            <a:r>
-              <a:rPr lang="en-US" dirty="0" smtClean="0"/>
-              <a:t>Updating our application for future changes</a:t>
-            </a:r>
-            <a:endParaRPr lang="en-US" dirty="0"/>
-          </a:p>
-        </p:txBody>
-      </p:sp>
-    </p:spTree>
-    <p:extLst>
-      <p:ext uri="{BB962C8B-B14F-4D97-AF65-F5344CB8AC3E}">
-        <p14:creationId xmlns:p14="http://schemas.microsoft.com/office/powerpoint/2010/main" val="3453230946"/>
-      </p:ext>
-    </p:extLst>
-  </p:cSld>
-  <p:clrMapOvr>
-    <a:masterClrMapping/>
-  </p:clrMapOvr>
-  <p:timing>
-    <p:tnLst>
-      <p:par>
-        <p:cTn id="1" dur="indefinite" restart="never" nodeType="tmRoot"/>
-      </p:par>
-    </p:tnLst>
-  </p:timing>
-</p:sld>
-</file>
-
-<file path=ppt/slides/slide28.xml><?xml version="1.0" encoding="utf-8"?>
+<file path=ppt/slides/slide29.xml><?xml version="1.0" encoding="utf-8"?>
 <p:sld xmlns:a="http://schemas.openxmlformats.org/drawingml/2006/main" xmlns:r="http://schemas.openxmlformats.org/officeDocument/2006/relationships" xmlns:p="http://schemas.openxmlformats.org/presentationml/2006/main">
   <p:cSld>
     <p:spTree>
@@ -7824,17 +9198,12 @@
               <a:rPr lang="en-US" dirty="0" smtClean="0"/>
               <a:t>We don't need to know the behind the scenes details to use the object</a:t>
             </a:r>
-            <a:endParaRPr lang="en-US" dirty="0" smtClean="0"/>
           </a:p>
           <a:p>
             <a:pPr lvl="2"/>
             <a:r>
               <a:rPr lang="en-US" dirty="0" smtClean="0"/>
-              <a:t>I can drive without havin</a:t>
-            </a:r>
-            <a:r>
-              <a:rPr lang="en-US" dirty="0" smtClean="0"/>
-              <a:t>g to understand the internal combustion engine</a:t>
+              <a:t>I can drive without having to understand the internal combustion engine</a:t>
             </a:r>
             <a:endParaRPr lang="en-US" dirty="0"/>
           </a:p>
@@ -8668,9 +10037,12 @@
 </file>
 
 <file path=customXml/item1.xml><?xml version="1.0" encoding="utf-8"?>
-<p:properties xmlns:p="http://schemas.microsoft.com/office/2006/metadata/properties" xmlns:xsi="http://www.w3.org/2001/XMLSchema-instance" xmlns:pc="http://schemas.microsoft.com/office/infopath/2007/PartnerControls">
-  <documentManagement/>
-</p:properties>
+<?mso-contentType ?>
+<FormTemplates xmlns="http://schemas.microsoft.com/sharepoint/v3/contenttype/forms">
+  <Display>DocumentLibraryForm</Display>
+  <Edit>DocumentLibraryForm</Edit>
+  <New>DocumentLibraryForm</New>
+</FormTemplates>
 </file>
 
 <file path=customXml/item2.xml><?xml version="1.0" encoding="utf-8"?>
@@ -8814,26 +10186,15 @@
 </file>
 
 <file path=customXml/item3.xml><?xml version="1.0" encoding="utf-8"?>
-<?mso-contentType ?>
-<FormTemplates xmlns="http://schemas.microsoft.com/sharepoint/v3/contenttype/forms">
-  <Display>DocumentLibraryForm</Display>
-  <Edit>DocumentLibraryForm</Edit>
-  <New>DocumentLibraryForm</New>
-</FormTemplates>
+<p:properties xmlns:p="http://schemas.microsoft.com/office/2006/metadata/properties" xmlns:xsi="http://www.w3.org/2001/XMLSchema-instance" xmlns:pc="http://schemas.microsoft.com/office/infopath/2007/PartnerControls">
+  <documentManagement/>
+</p:properties>
 </file>
 
 <file path=customXml/itemProps1.xml><?xml version="1.0" encoding="utf-8"?>
-<ds:datastoreItem xmlns:ds="http://schemas.openxmlformats.org/officeDocument/2006/customXml" ds:itemID="{7025FDD9-4C58-4084-9F89-0E6ADD6FFF55}">
+<ds:datastoreItem xmlns:ds="http://schemas.openxmlformats.org/officeDocument/2006/customXml" ds:itemID="{B0CA13EC-1D3C-4D6F-8D1C-E8A452CFC79A}">
   <ds:schemaRefs>
-    <ds:schemaRef ds:uri="http://purl.org/dc/terms/"/>
-    <ds:schemaRef ds:uri="http://schemas.openxmlformats.org/package/2006/metadata/core-properties"/>
-    <ds:schemaRef ds:uri="http://schemas.microsoft.com/office/2006/documentManagement/types"/>
-    <ds:schemaRef ds:uri="http://schemas.microsoft.com/office/infopath/2007/PartnerControls"/>
-    <ds:schemaRef ds:uri="http://purl.org/dc/elements/1.1/"/>
-    <ds:schemaRef ds:uri="http://schemas.microsoft.com/office/2006/metadata/properties"/>
-    <ds:schemaRef ds:uri="e5a13ba8-98e3-4f23-a221-7ac9824aa662"/>
-    <ds:schemaRef ds:uri="http://www.w3.org/XML/1998/namespace"/>
-    <ds:schemaRef ds:uri="http://purl.org/dc/dcmitype/"/>
+    <ds:schemaRef ds:uri="http://schemas.microsoft.com/sharepoint/v3/contenttype/forms"/>
   </ds:schemaRefs>
 </ds:datastoreItem>
 </file>
@@ -8857,9 +10218,17 @@
 </file>
 
 <file path=customXml/itemProps3.xml><?xml version="1.0" encoding="utf-8"?>
-<ds:datastoreItem xmlns:ds="http://schemas.openxmlformats.org/officeDocument/2006/customXml" ds:itemID="{B0CA13EC-1D3C-4D6F-8D1C-E8A452CFC79A}">
+<ds:datastoreItem xmlns:ds="http://schemas.openxmlformats.org/officeDocument/2006/customXml" ds:itemID="{7025FDD9-4C58-4084-9F89-0E6ADD6FFF55}">
   <ds:schemaRefs>
-    <ds:schemaRef ds:uri="http://schemas.microsoft.com/sharepoint/v3/contenttype/forms"/>
+    <ds:schemaRef ds:uri="http://purl.org/dc/terms/"/>
+    <ds:schemaRef ds:uri="http://schemas.openxmlformats.org/package/2006/metadata/core-properties"/>
+    <ds:schemaRef ds:uri="http://schemas.microsoft.com/office/2006/documentManagement/types"/>
+    <ds:schemaRef ds:uri="http://schemas.microsoft.com/office/infopath/2007/PartnerControls"/>
+    <ds:schemaRef ds:uri="http://purl.org/dc/elements/1.1/"/>
+    <ds:schemaRef ds:uri="http://schemas.microsoft.com/office/2006/metadata/properties"/>
+    <ds:schemaRef ds:uri="e5a13ba8-98e3-4f23-a221-7ac9824aa662"/>
+    <ds:schemaRef ds:uri="http://www.w3.org/XML/1998/namespace"/>
+    <ds:schemaRef ds:uri="http://purl.org/dc/dcmitype/"/>
   </ds:schemaRefs>
 </ds:datastoreItem>
 </file>
--- a/Slides/Module 2 - Object Oriented Programming.pptx
+++ b/Slides/Module 2 - Object Oriented Programming.pptx
@@ -243,7 +243,7 @@
           <a:p>
             <a:fld id="{312E7B4A-039C-48A2-9B2C-AF16AA3873D8}" type="datetimeFigureOut">
               <a:rPr lang="en-US" smtClean="0"/>
-              <a:t>2/25/2015</a:t>
+              <a:t>2/27/2015</a:t>
             </a:fld>
             <a:endParaRPr lang="en-US"/>
           </a:p>
@@ -408,7 +408,7 @@
           <a:p>
             <a:fld id="{DA005A0C-54D9-45AA-87D4-C551D08DFCE1}" type="datetimeFigureOut">
               <a:rPr lang="en-US" smtClean="0"/>
-              <a:t>2/25/2015</a:t>
+              <a:t>2/27/2015</a:t>
             </a:fld>
             <a:endParaRPr lang="en-US"/>
           </a:p>
@@ -1748,8 +1748,8 @@
               <a:t> to </a:t>
             </a:r>
             <a:r>
-              <a:rPr lang="en-US" baseline="0" dirty="0" err="1" smtClean="0"/>
-              <a:t>QuestionClient</a:t>
+              <a:rPr lang="en-US" baseline="0" dirty="0" smtClean="0"/>
+              <a:t>Client</a:t>
             </a:r>
             <a:r>
               <a:rPr lang="en-US" baseline="0" dirty="0" smtClean="0"/>
@@ -7925,11 +7925,11 @@
   <p:clrMapOvr>
     <a:masterClrMapping/>
   </p:clrMapOvr>
-  <mc:AlternateContent xmlns:mc="http://schemas.openxmlformats.org/markup-compatibility/2006">
-    <mc:Choice xmlns:p14="http://schemas.microsoft.com/office/powerpoint/2010/main" Requires="p14">
+  <mc:AlternateContent xmlns:mc="http://schemas.openxmlformats.org/markup-compatibility/2006" xmlns:p14="http://schemas.microsoft.com/office/powerpoint/2010/main">
+    <mc:Choice Requires="p14">
       <p:transition spd="slow" p14:dur="2000"/>
     </mc:Choice>
-    <mc:Fallback>
+    <mc:Fallback xmlns="">
       <p:transition spd="slow"/>
     </mc:Fallback>
   </mc:AlternateContent>
@@ -10037,12 +10037,9 @@
 </file>
 
 <file path=customXml/item1.xml><?xml version="1.0" encoding="utf-8"?>
-<?mso-contentType ?>
-<FormTemplates xmlns="http://schemas.microsoft.com/sharepoint/v3/contenttype/forms">
-  <Display>DocumentLibraryForm</Display>
-  <Edit>DocumentLibraryForm</Edit>
-  <New>DocumentLibraryForm</New>
-</FormTemplates>
+<p:properties xmlns:p="http://schemas.microsoft.com/office/2006/metadata/properties" xmlns:xsi="http://www.w3.org/2001/XMLSchema-instance" xmlns:pc="http://schemas.microsoft.com/office/infopath/2007/PartnerControls">
+  <documentManagement/>
+</p:properties>
 </file>
 
 <file path=customXml/item2.xml><?xml version="1.0" encoding="utf-8"?>
@@ -10186,15 +10183,26 @@
 </file>
 
 <file path=customXml/item3.xml><?xml version="1.0" encoding="utf-8"?>
-<p:properties xmlns:p="http://schemas.microsoft.com/office/2006/metadata/properties" xmlns:xsi="http://www.w3.org/2001/XMLSchema-instance" xmlns:pc="http://schemas.microsoft.com/office/infopath/2007/PartnerControls">
-  <documentManagement/>
-</p:properties>
+<?mso-contentType ?>
+<FormTemplates xmlns="http://schemas.microsoft.com/sharepoint/v3/contenttype/forms">
+  <Display>DocumentLibraryForm</Display>
+  <Edit>DocumentLibraryForm</Edit>
+  <New>DocumentLibraryForm</New>
+</FormTemplates>
 </file>
 
 <file path=customXml/itemProps1.xml><?xml version="1.0" encoding="utf-8"?>
-<ds:datastoreItem xmlns:ds="http://schemas.openxmlformats.org/officeDocument/2006/customXml" ds:itemID="{B0CA13EC-1D3C-4D6F-8D1C-E8A452CFC79A}">
+<ds:datastoreItem xmlns:ds="http://schemas.openxmlformats.org/officeDocument/2006/customXml" ds:itemID="{7025FDD9-4C58-4084-9F89-0E6ADD6FFF55}">
   <ds:schemaRefs>
-    <ds:schemaRef ds:uri="http://schemas.microsoft.com/sharepoint/v3/contenttype/forms"/>
+    <ds:schemaRef ds:uri="http://purl.org/dc/terms/"/>
+    <ds:schemaRef ds:uri="http://schemas.openxmlformats.org/package/2006/metadata/core-properties"/>
+    <ds:schemaRef ds:uri="http://schemas.microsoft.com/office/2006/documentManagement/types"/>
+    <ds:schemaRef ds:uri="http://schemas.microsoft.com/office/infopath/2007/PartnerControls"/>
+    <ds:schemaRef ds:uri="http://purl.org/dc/elements/1.1/"/>
+    <ds:schemaRef ds:uri="http://schemas.microsoft.com/office/2006/metadata/properties"/>
+    <ds:schemaRef ds:uri="e5a13ba8-98e3-4f23-a221-7ac9824aa662"/>
+    <ds:schemaRef ds:uri="http://www.w3.org/XML/1998/namespace"/>
+    <ds:schemaRef ds:uri="http://purl.org/dc/dcmitype/"/>
   </ds:schemaRefs>
 </ds:datastoreItem>
 </file>
@@ -10218,17 +10226,9 @@
 </file>
 
 <file path=customXml/itemProps3.xml><?xml version="1.0" encoding="utf-8"?>
-<ds:datastoreItem xmlns:ds="http://schemas.openxmlformats.org/officeDocument/2006/customXml" ds:itemID="{7025FDD9-4C58-4084-9F89-0E6ADD6FFF55}">
+<ds:datastoreItem xmlns:ds="http://schemas.openxmlformats.org/officeDocument/2006/customXml" ds:itemID="{B0CA13EC-1D3C-4D6F-8D1C-E8A452CFC79A}">
   <ds:schemaRefs>
-    <ds:schemaRef ds:uri="http://purl.org/dc/terms/"/>
-    <ds:schemaRef ds:uri="http://schemas.openxmlformats.org/package/2006/metadata/core-properties"/>
-    <ds:schemaRef ds:uri="http://schemas.microsoft.com/office/2006/documentManagement/types"/>
-    <ds:schemaRef ds:uri="http://schemas.microsoft.com/office/infopath/2007/PartnerControls"/>
-    <ds:schemaRef ds:uri="http://purl.org/dc/elements/1.1/"/>
-    <ds:schemaRef ds:uri="http://schemas.microsoft.com/office/2006/metadata/properties"/>
-    <ds:schemaRef ds:uri="e5a13ba8-98e3-4f23-a221-7ac9824aa662"/>
-    <ds:schemaRef ds:uri="http://www.w3.org/XML/1998/namespace"/>
-    <ds:schemaRef ds:uri="http://purl.org/dc/dcmitype/"/>
+    <ds:schemaRef ds:uri="http://schemas.microsoft.com/sharepoint/v3/contenttype/forms"/>
   </ds:schemaRefs>
 </ds:datastoreItem>
 </file>
--- a/Slides/Module 2 - Object Oriented Programming.pptx
+++ b/Slides/Module 2 - Object Oriented Programming.pptx
@@ -1745,15 +1745,7 @@
             </a:r>
             <a:r>
               <a:rPr lang="en-US" baseline="0" dirty="0" smtClean="0"/>
-              <a:t> to </a:t>
-            </a:r>
-            <a:r>
-              <a:rPr lang="en-US" baseline="0" dirty="0" smtClean="0"/>
-              <a:t>Client</a:t>
-            </a:r>
-            <a:r>
-              <a:rPr lang="en-US" baseline="0" dirty="0" smtClean="0"/>
-              <a:t>. Update variable name in views.py to client.</a:t>
+              <a:t> to Client. Update variable name in views.py to client.</a:t>
             </a:r>
             <a:endParaRPr lang="en-US" dirty="0"/>
           </a:p>
@@ -6220,14 +6212,24 @@
               <a:t>    </a:t>
             </a:r>
             <a:r>
-              <a:rPr lang="en-US" dirty="0" err="1" smtClean="0">
+              <a:rPr lang="en-US" b="1" dirty="0" err="1" smtClean="0">
                 <a:solidFill>
                   <a:schemeClr val="tx1"/>
                 </a:solidFill>
                 <a:latin typeface="Consolas" panose="020B0609020204030204" pitchFamily="49" charset="0"/>
                 <a:cs typeface="Consolas" panose="020B0609020204030204" pitchFamily="49" charset="0"/>
               </a:rPr>
-              <a:t>self.__property</a:t>
+              <a:t>self</a:t>
+            </a:r>
+            <a:r>
+              <a:rPr lang="en-US" dirty="0" err="1" smtClean="0">
+                <a:solidFill>
+                  <a:schemeClr val="tx1"/>
+                </a:solidFill>
+                <a:latin typeface="Consolas" panose="020B0609020204030204" pitchFamily="49" charset="0"/>
+                <a:cs typeface="Consolas" panose="020B0609020204030204" pitchFamily="49" charset="0"/>
+              </a:rPr>
+              <a:t>.__property</a:t>
             </a:r>
             <a:r>
               <a:rPr lang="en-US" dirty="0" smtClean="0">
@@ -10037,9 +10039,12 @@
 </file>
 
 <file path=customXml/item1.xml><?xml version="1.0" encoding="utf-8"?>
-<p:properties xmlns:p="http://schemas.microsoft.com/office/2006/metadata/properties" xmlns:xsi="http://www.w3.org/2001/XMLSchema-instance" xmlns:pc="http://schemas.microsoft.com/office/infopath/2007/PartnerControls">
-  <documentManagement/>
-</p:properties>
+<?mso-contentType ?>
+<FormTemplates xmlns="http://schemas.microsoft.com/sharepoint/v3/contenttype/forms">
+  <Display>DocumentLibraryForm</Display>
+  <Edit>DocumentLibraryForm</Edit>
+  <New>DocumentLibraryForm</New>
+</FormTemplates>
 </file>
 
 <file path=customXml/item2.xml><?xml version="1.0" encoding="utf-8"?>
@@ -10183,26 +10188,15 @@
 </file>
 
 <file path=customXml/item3.xml><?xml version="1.0" encoding="utf-8"?>
-<?mso-contentType ?>
-<FormTemplates xmlns="http://schemas.microsoft.com/sharepoint/v3/contenttype/forms">
-  <Display>DocumentLibraryForm</Display>
-  <Edit>DocumentLibraryForm</Edit>
-  <New>DocumentLibraryForm</New>
-</FormTemplates>
+<p:properties xmlns:p="http://schemas.microsoft.com/office/2006/metadata/properties" xmlns:xsi="http://www.w3.org/2001/XMLSchema-instance" xmlns:pc="http://schemas.microsoft.com/office/infopath/2007/PartnerControls">
+  <documentManagement/>
+</p:properties>
 </file>
 
 <file path=customXml/itemProps1.xml><?xml version="1.0" encoding="utf-8"?>
-<ds:datastoreItem xmlns:ds="http://schemas.openxmlformats.org/officeDocument/2006/customXml" ds:itemID="{7025FDD9-4C58-4084-9F89-0E6ADD6FFF55}">
+<ds:datastoreItem xmlns:ds="http://schemas.openxmlformats.org/officeDocument/2006/customXml" ds:itemID="{B0CA13EC-1D3C-4D6F-8D1C-E8A452CFC79A}">
   <ds:schemaRefs>
-    <ds:schemaRef ds:uri="http://purl.org/dc/terms/"/>
-    <ds:schemaRef ds:uri="http://schemas.openxmlformats.org/package/2006/metadata/core-properties"/>
-    <ds:schemaRef ds:uri="http://schemas.microsoft.com/office/2006/documentManagement/types"/>
-    <ds:schemaRef ds:uri="http://schemas.microsoft.com/office/infopath/2007/PartnerControls"/>
-    <ds:schemaRef ds:uri="http://purl.org/dc/elements/1.1/"/>
-    <ds:schemaRef ds:uri="http://schemas.microsoft.com/office/2006/metadata/properties"/>
-    <ds:schemaRef ds:uri="e5a13ba8-98e3-4f23-a221-7ac9824aa662"/>
-    <ds:schemaRef ds:uri="http://www.w3.org/XML/1998/namespace"/>
-    <ds:schemaRef ds:uri="http://purl.org/dc/dcmitype/"/>
+    <ds:schemaRef ds:uri="http://schemas.microsoft.com/sharepoint/v3/contenttype/forms"/>
   </ds:schemaRefs>
 </ds:datastoreItem>
 </file>
@@ -10226,9 +10220,17 @@
 </file>
 
 <file path=customXml/itemProps3.xml><?xml version="1.0" encoding="utf-8"?>
-<ds:datastoreItem xmlns:ds="http://schemas.openxmlformats.org/officeDocument/2006/customXml" ds:itemID="{B0CA13EC-1D3C-4D6F-8D1C-E8A452CFC79A}">
+<ds:datastoreItem xmlns:ds="http://schemas.openxmlformats.org/officeDocument/2006/customXml" ds:itemID="{7025FDD9-4C58-4084-9F89-0E6ADD6FFF55}">
   <ds:schemaRefs>
-    <ds:schemaRef ds:uri="http://schemas.microsoft.com/sharepoint/v3/contenttype/forms"/>
+    <ds:schemaRef ds:uri="http://purl.org/dc/terms/"/>
+    <ds:schemaRef ds:uri="http://schemas.openxmlformats.org/package/2006/metadata/core-properties"/>
+    <ds:schemaRef ds:uri="http://schemas.microsoft.com/office/2006/documentManagement/types"/>
+    <ds:schemaRef ds:uri="http://schemas.microsoft.com/office/infopath/2007/PartnerControls"/>
+    <ds:schemaRef ds:uri="http://purl.org/dc/elements/1.1/"/>
+    <ds:schemaRef ds:uri="http://schemas.microsoft.com/office/2006/metadata/properties"/>
+    <ds:schemaRef ds:uri="e5a13ba8-98e3-4f23-a221-7ac9824aa662"/>
+    <ds:schemaRef ds:uri="http://www.w3.org/XML/1998/namespace"/>
+    <ds:schemaRef ds:uri="http://purl.org/dc/dcmitype/"/>
   </ds:schemaRefs>
 </ds:datastoreItem>
 </file>